--- a/bishops/cs321/resources/CS321_Lecture_17A.pptx
+++ b/bishops/cs321/resources/CS321_Lecture_17A.pptx
@@ -5,7 +5,7 @@
     <p:sldMasterId id="2147483648" r:id="rId1"/>
   </p:sldMasterIdLst>
   <p:notesMasterIdLst>
-    <p:notesMasterId r:id="rId32"/>
+    <p:notesMasterId r:id="rId31"/>
   </p:notesMasterIdLst>
   <p:sldIdLst>
     <p:sldId id="256" r:id="rId2"/>
@@ -37,7 +37,6 @@
     <p:sldId id="384" r:id="rId28"/>
     <p:sldId id="385" r:id="rId29"/>
     <p:sldId id="386" r:id="rId30"/>
-    <p:sldId id="387" r:id="rId31"/>
   </p:sldIdLst>
   <p:sldSz cx="12192000" cy="6858000"/>
   <p:notesSz cx="6858000" cy="9144000"/>
@@ -138,7 +137,7 @@
   </p:defaultTextStyle>
   <p:extLst>
     <p:ext uri="{EFAFB233-063F-42B5-8137-9DF3F51BA10A}">
-      <p15:sldGuideLst xmlns:p15="http://schemas.microsoft.com/office/powerpoint/2012/main"/>
+      <p15:sldGuideLst xmlns:p15="http://schemas.microsoft.com/office/powerpoint/2012/main" xmlns=""/>
     </p:ext>
   </p:extLst>
 </p:presentation>
@@ -149,7 +148,7 @@
   <p:cmAuthor id="1" name="Gregory" initials="G" lastIdx="1" clrIdx="0">
     <p:extLst>
       <p:ext uri="{19B8F6BF-5375-455C-9EA6-DF929625EA0E}">
-        <p15:presenceInfo xmlns:p15="http://schemas.microsoft.com/office/powerpoint/2012/main" userId="Gregory" providerId="None"/>
+        <p15:presenceInfo xmlns:p15="http://schemas.microsoft.com/office/powerpoint/2012/main" xmlns="" userId="Gregory" providerId="None"/>
       </p:ext>
     </p:extLst>
   </p:cmAuthor>
@@ -238,7 +237,8 @@
           <a:p>
             <a:fld id="{A6583E9D-07AB-4C6D-BFD0-47E805C6B3D4}" type="datetimeFigureOut">
               <a:rPr lang="en-CA" smtClean="0"/>
-              <a:t>2022-03-24</a:t>
+              <a:pPr/>
+              <a:t>2024-03-08</a:t>
             </a:fld>
             <a:endParaRPr lang="en-CA"/>
           </a:p>
@@ -397,6 +397,7 @@
           <a:p>
             <a:fld id="{8F20841C-25C9-4C0C-A7FA-C4A363D14F5A}" type="slidenum">
               <a:rPr lang="en-CA" smtClean="0"/>
+              <a:pPr/>
               <a:t>‹#›</a:t>
             </a:fld>
             <a:endParaRPr lang="en-CA"/>
@@ -406,7 +407,7 @@
     </p:spTree>
     <p:extLst>
       <p:ext uri="{BB962C8B-B14F-4D97-AF65-F5344CB8AC3E}">
-        <p14:creationId xmlns:p14="http://schemas.microsoft.com/office/powerpoint/2010/main" val="4237529172"/>
+        <p14:creationId xmlns:p14="http://schemas.microsoft.com/office/powerpoint/2010/main" xmlns="" val="4237529172"/>
       </p:ext>
     </p:extLst>
   </p:cSld>
@@ -550,14 +551,6 @@
           <a:bodyPr/>
           <a:lstStyle/>
           <a:p>
-            <a:r>
-              <a:rPr lang="en-CA" dirty="0"/>
-              <a:t>Multi-instrument</a:t>
-            </a:r>
-            <a:r>
-              <a:rPr lang="en-CA" baseline="0" dirty="0"/>
-              <a:t> / Multi-instrument Inter-process (minus the)-with Eye Trackers-</a:t>
-            </a:r>
             <a:endParaRPr lang="en-CA" dirty="0"/>
           </a:p>
         </p:txBody>
@@ -579,6 +572,7 @@
           <a:p>
             <a:fld id="{8F20841C-25C9-4C0C-A7FA-C4A363D14F5A}" type="slidenum">
               <a:rPr lang="en-CA" smtClean="0"/>
+              <a:pPr/>
               <a:t>1</a:t>
             </a:fld>
             <a:endParaRPr lang="en-CA"/>
@@ -588,7 +582,7 @@
     </p:spTree>
     <p:extLst>
       <p:ext uri="{BB962C8B-B14F-4D97-AF65-F5344CB8AC3E}">
-        <p14:creationId xmlns:p14="http://schemas.microsoft.com/office/powerpoint/2010/main" val="2340334442"/>
+        <p14:creationId xmlns:p14="http://schemas.microsoft.com/office/powerpoint/2010/main" xmlns="" val="2340334442"/>
       </p:ext>
     </p:extLst>
   </p:cSld>
@@ -782,6 +776,7 @@
           <a:p>
             <a:fld id="{5174927E-2439-42C0-9720-7BBCA09BF46F}" type="slidenum">
               <a:rPr lang="en-CA" smtClean="0"/>
+              <a:pPr/>
               <a:t>‹#›</a:t>
             </a:fld>
             <a:endParaRPr lang="en-CA"/>
@@ -791,7 +786,7 @@
     </p:spTree>
     <p:extLst>
       <p:ext uri="{BB962C8B-B14F-4D97-AF65-F5344CB8AC3E}">
-        <p14:creationId xmlns:p14="http://schemas.microsoft.com/office/powerpoint/2010/main" val="1900560834"/>
+        <p14:creationId xmlns:p14="http://schemas.microsoft.com/office/powerpoint/2010/main" xmlns="" val="1900560834"/>
       </p:ext>
     </p:extLst>
   </p:cSld>
@@ -955,6 +950,7 @@
           <a:p>
             <a:fld id="{5174927E-2439-42C0-9720-7BBCA09BF46F}" type="slidenum">
               <a:rPr lang="en-CA" smtClean="0"/>
+              <a:pPr/>
               <a:t>‹#›</a:t>
             </a:fld>
             <a:endParaRPr lang="en-CA"/>
@@ -964,7 +960,7 @@
     </p:spTree>
     <p:extLst>
       <p:ext uri="{BB962C8B-B14F-4D97-AF65-F5344CB8AC3E}">
-        <p14:creationId xmlns:p14="http://schemas.microsoft.com/office/powerpoint/2010/main" val="3722958745"/>
+        <p14:creationId xmlns:p14="http://schemas.microsoft.com/office/powerpoint/2010/main" xmlns="" val="3722958745"/>
       </p:ext>
     </p:extLst>
   </p:cSld>
@@ -1200,7 +1196,7 @@
     </p:spTree>
     <p:extLst>
       <p:ext uri="{BB962C8B-B14F-4D97-AF65-F5344CB8AC3E}">
-        <p14:creationId xmlns:p14="http://schemas.microsoft.com/office/powerpoint/2010/main" val="1822376042"/>
+        <p14:creationId xmlns:p14="http://schemas.microsoft.com/office/powerpoint/2010/main" xmlns="" val="1822376042"/>
       </p:ext>
     </p:extLst>
   </p:cSld>
@@ -1440,6 +1436,7 @@
           <a:p>
             <a:fld id="{5174927E-2439-42C0-9720-7BBCA09BF46F}" type="slidenum">
               <a:rPr lang="en-CA" smtClean="0"/>
+              <a:pPr/>
               <a:t>‹#›</a:t>
             </a:fld>
             <a:endParaRPr lang="en-CA"/>
@@ -1449,7 +1446,7 @@
     </p:spTree>
     <p:extLst>
       <p:ext uri="{BB962C8B-B14F-4D97-AF65-F5344CB8AC3E}">
-        <p14:creationId xmlns:p14="http://schemas.microsoft.com/office/powerpoint/2010/main" val="3411672561"/>
+        <p14:creationId xmlns:p14="http://schemas.microsoft.com/office/powerpoint/2010/main" xmlns="" val="3411672561"/>
       </p:ext>
     </p:extLst>
   </p:cSld>
@@ -1675,6 +1672,7 @@
           <a:p>
             <a:fld id="{5174927E-2439-42C0-9720-7BBCA09BF46F}" type="slidenum">
               <a:rPr lang="en-CA" smtClean="0"/>
+              <a:pPr/>
               <a:t>‹#›</a:t>
             </a:fld>
             <a:endParaRPr lang="en-CA"/>
@@ -1684,7 +1682,7 @@
     </p:spTree>
     <p:extLst>
       <p:ext uri="{BB962C8B-B14F-4D97-AF65-F5344CB8AC3E}">
-        <p14:creationId xmlns:p14="http://schemas.microsoft.com/office/powerpoint/2010/main" val="1093008526"/>
+        <p14:creationId xmlns:p14="http://schemas.microsoft.com/office/powerpoint/2010/main" xmlns="" val="1093008526"/>
       </p:ext>
     </p:extLst>
   </p:cSld>
@@ -2045,6 +2043,7 @@
           <a:p>
             <a:fld id="{5174927E-2439-42C0-9720-7BBCA09BF46F}" type="slidenum">
               <a:rPr lang="en-CA" smtClean="0"/>
+              <a:pPr/>
               <a:t>‹#›</a:t>
             </a:fld>
             <a:endParaRPr lang="en-CA"/>
@@ -2054,7 +2053,7 @@
     </p:spTree>
     <p:extLst>
       <p:ext uri="{BB962C8B-B14F-4D97-AF65-F5344CB8AC3E}">
-        <p14:creationId xmlns:p14="http://schemas.microsoft.com/office/powerpoint/2010/main" val="1087924878"/>
+        <p14:creationId xmlns:p14="http://schemas.microsoft.com/office/powerpoint/2010/main" xmlns="" val="1087924878"/>
       </p:ext>
     </p:extLst>
   </p:cSld>
@@ -2166,6 +2165,7 @@
           <a:p>
             <a:fld id="{5174927E-2439-42C0-9720-7BBCA09BF46F}" type="slidenum">
               <a:rPr lang="en-CA" smtClean="0"/>
+              <a:pPr/>
               <a:t>‹#›</a:t>
             </a:fld>
             <a:endParaRPr lang="en-CA"/>
@@ -2175,7 +2175,7 @@
     </p:spTree>
     <p:extLst>
       <p:ext uri="{BB962C8B-B14F-4D97-AF65-F5344CB8AC3E}">
-        <p14:creationId xmlns:p14="http://schemas.microsoft.com/office/powerpoint/2010/main" val="3802387408"/>
+        <p14:creationId xmlns:p14="http://schemas.microsoft.com/office/powerpoint/2010/main" xmlns="" val="3802387408"/>
       </p:ext>
     </p:extLst>
   </p:cSld>
@@ -2264,6 +2264,7 @@
           <a:p>
             <a:fld id="{5174927E-2439-42C0-9720-7BBCA09BF46F}" type="slidenum">
               <a:rPr lang="en-CA" smtClean="0"/>
+              <a:pPr/>
               <a:t>‹#›</a:t>
             </a:fld>
             <a:endParaRPr lang="en-CA"/>
@@ -2273,7 +2274,7 @@
     </p:spTree>
     <p:extLst>
       <p:ext uri="{BB962C8B-B14F-4D97-AF65-F5344CB8AC3E}">
-        <p14:creationId xmlns:p14="http://schemas.microsoft.com/office/powerpoint/2010/main" val="4234091411"/>
+        <p14:creationId xmlns:p14="http://schemas.microsoft.com/office/powerpoint/2010/main" xmlns="" val="4234091411"/>
       </p:ext>
     </p:extLst>
   </p:cSld>
@@ -2544,6 +2545,7 @@
           <a:p>
             <a:fld id="{5174927E-2439-42C0-9720-7BBCA09BF46F}" type="slidenum">
               <a:rPr lang="en-CA" smtClean="0"/>
+              <a:pPr/>
               <a:t>‹#›</a:t>
             </a:fld>
             <a:endParaRPr lang="en-CA"/>
@@ -2553,7 +2555,7 @@
     </p:spTree>
     <p:extLst>
       <p:ext uri="{BB962C8B-B14F-4D97-AF65-F5344CB8AC3E}">
-        <p14:creationId xmlns:p14="http://schemas.microsoft.com/office/powerpoint/2010/main" val="4189422420"/>
+        <p14:creationId xmlns:p14="http://schemas.microsoft.com/office/powerpoint/2010/main" xmlns="" val="4189422420"/>
       </p:ext>
     </p:extLst>
   </p:cSld>
@@ -2800,6 +2802,7 @@
           <a:p>
             <a:fld id="{5174927E-2439-42C0-9720-7BBCA09BF46F}" type="slidenum">
               <a:rPr lang="en-CA" smtClean="0"/>
+              <a:pPr/>
               <a:t>‹#›</a:t>
             </a:fld>
             <a:endParaRPr lang="en-CA"/>
@@ -2809,7 +2812,7 @@
     </p:spTree>
     <p:extLst>
       <p:ext uri="{BB962C8B-B14F-4D97-AF65-F5344CB8AC3E}">
-        <p14:creationId xmlns:p14="http://schemas.microsoft.com/office/powerpoint/2010/main" val="3252977898"/>
+        <p14:creationId xmlns:p14="http://schemas.microsoft.com/office/powerpoint/2010/main" xmlns="" val="3252977898"/>
       </p:ext>
     </p:extLst>
   </p:cSld>
@@ -3075,10 +3078,10 @@
           <p:nvPr userDrawn="1"/>
         </p:nvPicPr>
         <p:blipFill>
-          <a:blip r:embed="rId13">
+          <a:blip r:embed="rId13" cstate="print">
             <a:extLst>
               <a:ext uri="{28A0092B-C50C-407E-A947-70E740481C1C}">
-                <a14:useLocalDpi xmlns:a14="http://schemas.microsoft.com/office/drawing/2010/main" val="0"/>
+                <a14:useLocalDpi xmlns:a14="http://schemas.microsoft.com/office/drawing/2010/main" xmlns="" val="0"/>
               </a:ext>
             </a:extLst>
           </a:blip>
@@ -3099,7 +3102,7 @@
     </p:spTree>
     <p:extLst>
       <p:ext uri="{BB962C8B-B14F-4D97-AF65-F5344CB8AC3E}">
-        <p14:creationId xmlns:p14="http://schemas.microsoft.com/office/powerpoint/2010/main" val="4230061028"/>
+        <p14:creationId xmlns:p14="http://schemas.microsoft.com/office/powerpoint/2010/main" xmlns="" val="4230061028"/>
       </p:ext>
     </p:extLst>
   </p:cSld>
@@ -3533,12 +3536,6 @@
             <a:endParaRPr lang="en-CA" baseline="30000" dirty="0"/>
           </a:p>
           <a:p>
-            <a:r>
-              <a:rPr lang="en-CA" dirty="0"/>
-              <a:t>Date: January 31, 2022</a:t>
-            </a:r>
-          </a:p>
-          <a:p>
             <a:endParaRPr lang="en-CA" dirty="0"/>
           </a:p>
         </p:txBody>
@@ -3548,7 +3545,7 @@
           <p:cNvPr id="13" name="Picture 8" descr="http://osiris.ubishops.ca/~alussier/images/transparentlogo_bu.png">
             <a:extLst>
               <a:ext uri="{FF2B5EF4-FFF2-40B4-BE49-F238E27FC236}">
-                <a16:creationId xmlns:a16="http://schemas.microsoft.com/office/drawing/2014/main" id="{CCB9A035-2F1C-4B96-A5DB-70B72D6E4AD8}"/>
+                <a16:creationId xmlns:a16="http://schemas.microsoft.com/office/drawing/2014/main" xmlns="" id="{CCB9A035-2F1C-4B96-A5DB-70B72D6E4AD8}"/>
               </a:ext>
             </a:extLst>
           </p:cNvPr>
@@ -3558,10 +3555,10 @@
           <p:nvPr/>
         </p:nvPicPr>
         <p:blipFill>
-          <a:blip r:embed="rId3">
+          <a:blip r:embed="rId3" cstate="print">
             <a:extLst>
               <a:ext uri="{28A0092B-C50C-407E-A947-70E740481C1C}">
-                <a14:useLocalDpi xmlns:a14="http://schemas.microsoft.com/office/drawing/2010/main" val="0"/>
+                <a14:useLocalDpi xmlns:a14="http://schemas.microsoft.com/office/drawing/2010/main" xmlns="" val="0"/>
               </a:ext>
             </a:extLst>
           </a:blip>
@@ -3581,7 +3578,7 @@
           <a:noFill/>
           <a:extLst>
             <a:ext uri="{909E8E84-426E-40DD-AFC4-6F175D3DCCD1}">
-              <a14:hiddenFill xmlns:a14="http://schemas.microsoft.com/office/drawing/2010/main">
+              <a14:hiddenFill xmlns:a14="http://schemas.microsoft.com/office/drawing/2010/main" xmlns="">
                 <a:solidFill>
                   <a:srgbClr val="FFFFFF"/>
                 </a:solidFill>
@@ -3593,7 +3590,7 @@
     </p:spTree>
     <p:extLst>
       <p:ext uri="{BB962C8B-B14F-4D97-AF65-F5344CB8AC3E}">
-        <p14:creationId xmlns:p14="http://schemas.microsoft.com/office/powerpoint/2010/main" val="4177077622"/>
+        <p14:creationId xmlns:p14="http://schemas.microsoft.com/office/powerpoint/2010/main" xmlns="" val="4177077622"/>
       </p:ext>
     </p:extLst>
   </p:cSld>
@@ -3652,28 +3649,6 @@
       </p:sp>
       <p:sp>
         <p:nvSpPr>
-          <p:cNvPr id="6" name="Date Placeholder 5"/>
-          <p:cNvSpPr>
-            <a:spLocks noGrp="1"/>
-          </p:cNvSpPr>
-          <p:nvPr>
-            <p:ph type="dt" sz="half" idx="2"/>
-          </p:nvPr>
-        </p:nvSpPr>
-        <p:spPr/>
-        <p:txBody>
-          <a:bodyPr/>
-          <a:lstStyle/>
-          <a:p>
-            <a:r>
-              <a:rPr lang="en-CA" dirty="0"/>
-              <a:t>Winter 2022</a:t>
-            </a:r>
-          </a:p>
-        </p:txBody>
-      </p:sp>
-      <p:sp>
-        <p:nvSpPr>
           <p:cNvPr id="10" name="Footer Placeholder 9"/>
           <p:cNvSpPr>
             <a:spLocks noGrp="1"/>
@@ -3726,7 +3701,7 @@
           <p:cNvPr id="4" name="Content Placeholder 3">
             <a:extLst>
               <a:ext uri="{FF2B5EF4-FFF2-40B4-BE49-F238E27FC236}">
-                <a16:creationId xmlns:a16="http://schemas.microsoft.com/office/drawing/2014/main" id="{6D58AF24-6D41-4D72-AA4C-29F6B807A3E2}"/>
+                <a16:creationId xmlns:a16="http://schemas.microsoft.com/office/drawing/2014/main" xmlns="" id="{6D58AF24-6D41-4D72-AA4C-29F6B807A3E2}"/>
               </a:ext>
             </a:extLst>
           </p:cNvPr>
@@ -3873,7 +3848,7 @@
     </p:spTree>
     <p:extLst>
       <p:ext uri="{BB962C8B-B14F-4D97-AF65-F5344CB8AC3E}">
-        <p14:creationId xmlns:p14="http://schemas.microsoft.com/office/powerpoint/2010/main" val="843570382"/>
+        <p14:creationId xmlns:p14="http://schemas.microsoft.com/office/powerpoint/2010/main" xmlns="" val="843570382"/>
       </p:ext>
     </p:extLst>
   </p:cSld>
@@ -3932,28 +3907,6 @@
       </p:sp>
       <p:sp>
         <p:nvSpPr>
-          <p:cNvPr id="6" name="Date Placeholder 5"/>
-          <p:cNvSpPr>
-            <a:spLocks noGrp="1"/>
-          </p:cNvSpPr>
-          <p:nvPr>
-            <p:ph type="dt" sz="half" idx="2"/>
-          </p:nvPr>
-        </p:nvSpPr>
-        <p:spPr/>
-        <p:txBody>
-          <a:bodyPr/>
-          <a:lstStyle/>
-          <a:p>
-            <a:r>
-              <a:rPr lang="en-CA" dirty="0"/>
-              <a:t>Winter 2022</a:t>
-            </a:r>
-          </a:p>
-        </p:txBody>
-      </p:sp>
-      <p:sp>
-        <p:nvSpPr>
           <p:cNvPr id="10" name="Footer Placeholder 9"/>
           <p:cNvSpPr>
             <a:spLocks noGrp="1"/>
@@ -4006,7 +3959,7 @@
           <p:cNvPr id="4" name="Content Placeholder 3">
             <a:extLst>
               <a:ext uri="{FF2B5EF4-FFF2-40B4-BE49-F238E27FC236}">
-                <a16:creationId xmlns:a16="http://schemas.microsoft.com/office/drawing/2014/main" id="{6D58AF24-6D41-4D72-AA4C-29F6B807A3E2}"/>
+                <a16:creationId xmlns:a16="http://schemas.microsoft.com/office/drawing/2014/main" xmlns="" id="{6D58AF24-6D41-4D72-AA4C-29F6B807A3E2}"/>
               </a:ext>
             </a:extLst>
           </p:cNvPr>
@@ -4062,7 +4015,7 @@
     </p:spTree>
     <p:extLst>
       <p:ext uri="{BB962C8B-B14F-4D97-AF65-F5344CB8AC3E}">
-        <p14:creationId xmlns:p14="http://schemas.microsoft.com/office/powerpoint/2010/main" val="2848113427"/>
+        <p14:creationId xmlns:p14="http://schemas.microsoft.com/office/powerpoint/2010/main" xmlns="" val="2848113427"/>
       </p:ext>
     </p:extLst>
   </p:cSld>
@@ -4121,28 +4074,6 @@
       </p:sp>
       <p:sp>
         <p:nvSpPr>
-          <p:cNvPr id="6" name="Date Placeholder 5"/>
-          <p:cNvSpPr>
-            <a:spLocks noGrp="1"/>
-          </p:cNvSpPr>
-          <p:nvPr>
-            <p:ph type="dt" sz="half" idx="2"/>
-          </p:nvPr>
-        </p:nvSpPr>
-        <p:spPr/>
-        <p:txBody>
-          <a:bodyPr/>
-          <a:lstStyle/>
-          <a:p>
-            <a:r>
-              <a:rPr lang="en-CA" dirty="0"/>
-              <a:t>Winter 2022</a:t>
-            </a:r>
-          </a:p>
-        </p:txBody>
-      </p:sp>
-      <p:sp>
-        <p:nvSpPr>
           <p:cNvPr id="10" name="Footer Placeholder 9"/>
           <p:cNvSpPr>
             <a:spLocks noGrp="1"/>
@@ -4195,7 +4126,7 @@
           <p:cNvPr id="4" name="Content Placeholder 3">
             <a:extLst>
               <a:ext uri="{FF2B5EF4-FFF2-40B4-BE49-F238E27FC236}">
-                <a16:creationId xmlns:a16="http://schemas.microsoft.com/office/drawing/2014/main" id="{6D58AF24-6D41-4D72-AA4C-29F6B807A3E2}"/>
+                <a16:creationId xmlns:a16="http://schemas.microsoft.com/office/drawing/2014/main" xmlns="" id="{6D58AF24-6D41-4D72-AA4C-29F6B807A3E2}"/>
               </a:ext>
             </a:extLst>
           </p:cNvPr>
@@ -4373,7 +4304,7 @@
     </p:spTree>
     <p:extLst>
       <p:ext uri="{BB962C8B-B14F-4D97-AF65-F5344CB8AC3E}">
-        <p14:creationId xmlns:p14="http://schemas.microsoft.com/office/powerpoint/2010/main" val="2974320143"/>
+        <p14:creationId xmlns:p14="http://schemas.microsoft.com/office/powerpoint/2010/main" xmlns="" val="2974320143"/>
       </p:ext>
     </p:extLst>
   </p:cSld>
@@ -4432,28 +4363,6 @@
       </p:sp>
       <p:sp>
         <p:nvSpPr>
-          <p:cNvPr id="6" name="Date Placeholder 5"/>
-          <p:cNvSpPr>
-            <a:spLocks noGrp="1"/>
-          </p:cNvSpPr>
-          <p:nvPr>
-            <p:ph type="dt" sz="half" idx="2"/>
-          </p:nvPr>
-        </p:nvSpPr>
-        <p:spPr/>
-        <p:txBody>
-          <a:bodyPr/>
-          <a:lstStyle/>
-          <a:p>
-            <a:r>
-              <a:rPr lang="en-CA" dirty="0"/>
-              <a:t>Winter 2022</a:t>
-            </a:r>
-          </a:p>
-        </p:txBody>
-      </p:sp>
-      <p:sp>
-        <p:nvSpPr>
           <p:cNvPr id="10" name="Footer Placeholder 9"/>
           <p:cNvSpPr>
             <a:spLocks noGrp="1"/>
@@ -4506,7 +4415,7 @@
           <p:cNvPr id="4" name="Content Placeholder 3">
             <a:extLst>
               <a:ext uri="{FF2B5EF4-FFF2-40B4-BE49-F238E27FC236}">
-                <a16:creationId xmlns:a16="http://schemas.microsoft.com/office/drawing/2014/main" id="{6D58AF24-6D41-4D72-AA4C-29F6B807A3E2}"/>
+                <a16:creationId xmlns:a16="http://schemas.microsoft.com/office/drawing/2014/main" xmlns="" id="{6D58AF24-6D41-4D72-AA4C-29F6B807A3E2}"/>
               </a:ext>
             </a:extLst>
           </p:cNvPr>
@@ -4586,7 +4495,7 @@
           <p:cNvPr id="7" name="Text Box 4">
             <a:extLst>
               <a:ext uri="{FF2B5EF4-FFF2-40B4-BE49-F238E27FC236}">
-                <a16:creationId xmlns:a16="http://schemas.microsoft.com/office/drawing/2014/main" id="{FB612850-EFC5-4E8D-BD95-417B9D3FF649}"/>
+                <a16:creationId xmlns:a16="http://schemas.microsoft.com/office/drawing/2014/main" xmlns="" id="{FB612850-EFC5-4E8D-BD95-417B9D3FF649}"/>
               </a:ext>
             </a:extLst>
           </p:cNvPr>
@@ -4610,14 +4519,14 @@
           <a:effectLst/>
           <a:extLst>
             <a:ext uri="{909E8E84-426E-40DD-AFC4-6F175D3DCCD1}">
-              <a14:hiddenFill xmlns:a14="http://schemas.microsoft.com/office/drawing/2010/main">
+              <a14:hiddenFill xmlns:a14="http://schemas.microsoft.com/office/drawing/2010/main" xmlns="">
                 <a:solidFill>
                   <a:schemeClr val="accent1"/>
                 </a:solidFill>
               </a14:hiddenFill>
             </a:ext>
             <a:ext uri="{91240B29-F687-4F45-9708-019B960494DF}">
-              <a14:hiddenLine xmlns:a14="http://schemas.microsoft.com/office/drawing/2010/main" w="9525">
+              <a14:hiddenLine xmlns:a14="http://schemas.microsoft.com/office/drawing/2010/main" xmlns="" w="9525">
                 <a:solidFill>
                   <a:schemeClr val="tx1"/>
                 </a:solidFill>
@@ -4627,7 +4536,7 @@
               </a14:hiddenLine>
             </a:ext>
             <a:ext uri="{AF507438-7753-43E0-B8FC-AC1667EBCBE1}">
-              <a14:hiddenEffects xmlns:a14="http://schemas.microsoft.com/office/drawing/2010/main">
+              <a14:hiddenEffects xmlns:a14="http://schemas.microsoft.com/office/drawing/2010/main" xmlns="">
                 <a:effectLst>
                   <a:outerShdw dist="35921" dir="2700000" algn="ctr" rotWithShape="0">
                     <a:schemeClr val="bg2"/>
@@ -4713,7 +4622,7 @@
           <p:cNvPr id="8" name="Text Box 5">
             <a:extLst>
               <a:ext uri="{FF2B5EF4-FFF2-40B4-BE49-F238E27FC236}">
-                <a16:creationId xmlns:a16="http://schemas.microsoft.com/office/drawing/2014/main" id="{316FD862-A251-489A-8126-2F56841A5D37}"/>
+                <a16:creationId xmlns:a16="http://schemas.microsoft.com/office/drawing/2014/main" xmlns="" id="{316FD862-A251-489A-8126-2F56841A5D37}"/>
               </a:ext>
             </a:extLst>
           </p:cNvPr>
@@ -4737,14 +4646,14 @@
           <a:effectLst/>
           <a:extLst>
             <a:ext uri="{909E8E84-426E-40DD-AFC4-6F175D3DCCD1}">
-              <a14:hiddenFill xmlns:a14="http://schemas.microsoft.com/office/drawing/2010/main">
+              <a14:hiddenFill xmlns:a14="http://schemas.microsoft.com/office/drawing/2010/main" xmlns="">
                 <a:solidFill>
                   <a:schemeClr val="accent1"/>
                 </a:solidFill>
               </a14:hiddenFill>
             </a:ext>
             <a:ext uri="{91240B29-F687-4F45-9708-019B960494DF}">
-              <a14:hiddenLine xmlns:a14="http://schemas.microsoft.com/office/drawing/2010/main" w="9525">
+              <a14:hiddenLine xmlns:a14="http://schemas.microsoft.com/office/drawing/2010/main" xmlns="" w="9525">
                 <a:solidFill>
                   <a:schemeClr val="tx1"/>
                 </a:solidFill>
@@ -4754,7 +4663,7 @@
               </a14:hiddenLine>
             </a:ext>
             <a:ext uri="{AF507438-7753-43E0-B8FC-AC1667EBCBE1}">
-              <a14:hiddenEffects xmlns:a14="http://schemas.microsoft.com/office/drawing/2010/main">
+              <a14:hiddenEffects xmlns:a14="http://schemas.microsoft.com/office/drawing/2010/main" xmlns="">
                 <a:effectLst>
                   <a:outerShdw dist="35921" dir="2700000" algn="ctr" rotWithShape="0">
                     <a:schemeClr val="bg2"/>
@@ -4796,7 +4705,7 @@
           <p:cNvPr id="9" name="Text Box 6">
             <a:extLst>
               <a:ext uri="{FF2B5EF4-FFF2-40B4-BE49-F238E27FC236}">
-                <a16:creationId xmlns:a16="http://schemas.microsoft.com/office/drawing/2014/main" id="{B2143AE2-91D3-4338-9A78-3D3507C38C82}"/>
+                <a16:creationId xmlns:a16="http://schemas.microsoft.com/office/drawing/2014/main" xmlns="" id="{B2143AE2-91D3-4338-9A78-3D3507C38C82}"/>
               </a:ext>
             </a:extLst>
           </p:cNvPr>
@@ -4820,14 +4729,14 @@
           <a:effectLst/>
           <a:extLst>
             <a:ext uri="{909E8E84-426E-40DD-AFC4-6F175D3DCCD1}">
-              <a14:hiddenFill xmlns:a14="http://schemas.microsoft.com/office/drawing/2010/main">
+              <a14:hiddenFill xmlns:a14="http://schemas.microsoft.com/office/drawing/2010/main" xmlns="">
                 <a:solidFill>
                   <a:schemeClr val="accent1"/>
                 </a:solidFill>
               </a14:hiddenFill>
             </a:ext>
             <a:ext uri="{91240B29-F687-4F45-9708-019B960494DF}">
-              <a14:hiddenLine xmlns:a14="http://schemas.microsoft.com/office/drawing/2010/main" w="9525">
+              <a14:hiddenLine xmlns:a14="http://schemas.microsoft.com/office/drawing/2010/main" xmlns="" w="9525">
                 <a:solidFill>
                   <a:schemeClr val="tx1"/>
                 </a:solidFill>
@@ -4837,7 +4746,7 @@
               </a14:hiddenLine>
             </a:ext>
             <a:ext uri="{AF507438-7753-43E0-B8FC-AC1667EBCBE1}">
-              <a14:hiddenEffects xmlns:a14="http://schemas.microsoft.com/office/drawing/2010/main">
+              <a14:hiddenEffects xmlns:a14="http://schemas.microsoft.com/office/drawing/2010/main" xmlns="">
                 <a:effectLst>
                   <a:outerShdw dist="35921" dir="2700000" algn="ctr" rotWithShape="0">
                     <a:schemeClr val="bg2"/>
@@ -4885,7 +4794,7 @@
     </p:spTree>
     <p:extLst>
       <p:ext uri="{BB962C8B-B14F-4D97-AF65-F5344CB8AC3E}">
-        <p14:creationId xmlns:p14="http://schemas.microsoft.com/office/powerpoint/2010/main" val="1454823035"/>
+        <p14:creationId xmlns:p14="http://schemas.microsoft.com/office/powerpoint/2010/main" xmlns="" val="1454823035"/>
       </p:ext>
     </p:extLst>
   </p:cSld>
@@ -4944,28 +4853,6 @@
       </p:sp>
       <p:sp>
         <p:nvSpPr>
-          <p:cNvPr id="6" name="Date Placeholder 5"/>
-          <p:cNvSpPr>
-            <a:spLocks noGrp="1"/>
-          </p:cNvSpPr>
-          <p:nvPr>
-            <p:ph type="dt" sz="half" idx="2"/>
-          </p:nvPr>
-        </p:nvSpPr>
-        <p:spPr/>
-        <p:txBody>
-          <a:bodyPr/>
-          <a:lstStyle/>
-          <a:p>
-            <a:r>
-              <a:rPr lang="en-CA" dirty="0"/>
-              <a:t>Winter 2022</a:t>
-            </a:r>
-          </a:p>
-        </p:txBody>
-      </p:sp>
-      <p:sp>
-        <p:nvSpPr>
           <p:cNvPr id="10" name="Footer Placeholder 9"/>
           <p:cNvSpPr>
             <a:spLocks noGrp="1"/>
@@ -5018,7 +4905,7 @@
           <p:cNvPr id="4" name="Content Placeholder 3">
             <a:extLst>
               <a:ext uri="{FF2B5EF4-FFF2-40B4-BE49-F238E27FC236}">
-                <a16:creationId xmlns:a16="http://schemas.microsoft.com/office/drawing/2014/main" id="{6D58AF24-6D41-4D72-AA4C-29F6B807A3E2}"/>
+                <a16:creationId xmlns:a16="http://schemas.microsoft.com/office/drawing/2014/main" xmlns="" id="{6D58AF24-6D41-4D72-AA4C-29F6B807A3E2}"/>
               </a:ext>
             </a:extLst>
           </p:cNvPr>
@@ -6089,7 +5976,7 @@
     </p:spTree>
     <p:extLst>
       <p:ext uri="{BB962C8B-B14F-4D97-AF65-F5344CB8AC3E}">
-        <p14:creationId xmlns:p14="http://schemas.microsoft.com/office/powerpoint/2010/main" val="660030693"/>
+        <p14:creationId xmlns:p14="http://schemas.microsoft.com/office/powerpoint/2010/main" xmlns="" val="660030693"/>
       </p:ext>
     </p:extLst>
   </p:cSld>
@@ -6148,28 +6035,6 @@
       </p:sp>
       <p:sp>
         <p:nvSpPr>
-          <p:cNvPr id="6" name="Date Placeholder 5"/>
-          <p:cNvSpPr>
-            <a:spLocks noGrp="1"/>
-          </p:cNvSpPr>
-          <p:nvPr>
-            <p:ph type="dt" sz="half" idx="2"/>
-          </p:nvPr>
-        </p:nvSpPr>
-        <p:spPr/>
-        <p:txBody>
-          <a:bodyPr/>
-          <a:lstStyle/>
-          <a:p>
-            <a:r>
-              <a:rPr lang="en-CA" dirty="0"/>
-              <a:t>Winter 2022</a:t>
-            </a:r>
-          </a:p>
-        </p:txBody>
-      </p:sp>
-      <p:sp>
-        <p:nvSpPr>
           <p:cNvPr id="10" name="Footer Placeholder 9"/>
           <p:cNvSpPr>
             <a:spLocks noGrp="1"/>
@@ -6222,7 +6087,7 @@
           <p:cNvPr id="4" name="Content Placeholder 3">
             <a:extLst>
               <a:ext uri="{FF2B5EF4-FFF2-40B4-BE49-F238E27FC236}">
-                <a16:creationId xmlns:a16="http://schemas.microsoft.com/office/drawing/2014/main" id="{6D58AF24-6D41-4D72-AA4C-29F6B807A3E2}"/>
+                <a16:creationId xmlns:a16="http://schemas.microsoft.com/office/drawing/2014/main" xmlns="" id="{6D58AF24-6D41-4D72-AA4C-29F6B807A3E2}"/>
               </a:ext>
             </a:extLst>
           </p:cNvPr>
@@ -7766,7 +7631,7 @@
     </p:spTree>
     <p:extLst>
       <p:ext uri="{BB962C8B-B14F-4D97-AF65-F5344CB8AC3E}">
-        <p14:creationId xmlns:p14="http://schemas.microsoft.com/office/powerpoint/2010/main" val="2226569919"/>
+        <p14:creationId xmlns:p14="http://schemas.microsoft.com/office/powerpoint/2010/main" xmlns="" val="2226569919"/>
       </p:ext>
     </p:extLst>
   </p:cSld>
@@ -7833,28 +7698,6 @@
       </p:sp>
       <p:sp>
         <p:nvSpPr>
-          <p:cNvPr id="6" name="Date Placeholder 5"/>
-          <p:cNvSpPr>
-            <a:spLocks noGrp="1"/>
-          </p:cNvSpPr>
-          <p:nvPr>
-            <p:ph type="dt" sz="half" idx="2"/>
-          </p:nvPr>
-        </p:nvSpPr>
-        <p:spPr/>
-        <p:txBody>
-          <a:bodyPr/>
-          <a:lstStyle/>
-          <a:p>
-            <a:r>
-              <a:rPr lang="en-CA" dirty="0"/>
-              <a:t>Winter 2022</a:t>
-            </a:r>
-          </a:p>
-        </p:txBody>
-      </p:sp>
-      <p:sp>
-        <p:nvSpPr>
           <p:cNvPr id="10" name="Footer Placeholder 9"/>
           <p:cNvSpPr>
             <a:spLocks noGrp="1"/>
@@ -7907,7 +7750,7 @@
           <p:cNvPr id="4" name="Content Placeholder 3">
             <a:extLst>
               <a:ext uri="{FF2B5EF4-FFF2-40B4-BE49-F238E27FC236}">
-                <a16:creationId xmlns:a16="http://schemas.microsoft.com/office/drawing/2014/main" id="{6D58AF24-6D41-4D72-AA4C-29F6B807A3E2}"/>
+                <a16:creationId xmlns:a16="http://schemas.microsoft.com/office/drawing/2014/main" xmlns="" id="{6D58AF24-6D41-4D72-AA4C-29F6B807A3E2}"/>
               </a:ext>
             </a:extLst>
           </p:cNvPr>
@@ -8445,7 +8288,7 @@
     </p:spTree>
     <p:extLst>
       <p:ext uri="{BB962C8B-B14F-4D97-AF65-F5344CB8AC3E}">
-        <p14:creationId xmlns:p14="http://schemas.microsoft.com/office/powerpoint/2010/main" val="3364951738"/>
+        <p14:creationId xmlns:p14="http://schemas.microsoft.com/office/powerpoint/2010/main" xmlns="" val="3364951738"/>
       </p:ext>
     </p:extLst>
   </p:cSld>
@@ -8512,28 +8355,6 @@
       </p:sp>
       <p:sp>
         <p:nvSpPr>
-          <p:cNvPr id="6" name="Date Placeholder 5"/>
-          <p:cNvSpPr>
-            <a:spLocks noGrp="1"/>
-          </p:cNvSpPr>
-          <p:nvPr>
-            <p:ph type="dt" sz="half" idx="2"/>
-          </p:nvPr>
-        </p:nvSpPr>
-        <p:spPr/>
-        <p:txBody>
-          <a:bodyPr/>
-          <a:lstStyle/>
-          <a:p>
-            <a:r>
-              <a:rPr lang="en-CA" dirty="0"/>
-              <a:t>Winter 2022</a:t>
-            </a:r>
-          </a:p>
-        </p:txBody>
-      </p:sp>
-      <p:sp>
-        <p:nvSpPr>
           <p:cNvPr id="10" name="Footer Placeholder 9"/>
           <p:cNvSpPr>
             <a:spLocks noGrp="1"/>
@@ -8586,7 +8407,7 @@
           <p:cNvPr id="4" name="Content Placeholder 3">
             <a:extLst>
               <a:ext uri="{FF2B5EF4-FFF2-40B4-BE49-F238E27FC236}">
-                <a16:creationId xmlns:a16="http://schemas.microsoft.com/office/drawing/2014/main" id="{6D58AF24-6D41-4D72-AA4C-29F6B807A3E2}"/>
+                <a16:creationId xmlns:a16="http://schemas.microsoft.com/office/drawing/2014/main" xmlns="" id="{6D58AF24-6D41-4D72-AA4C-29F6B807A3E2}"/>
               </a:ext>
             </a:extLst>
           </p:cNvPr>
@@ -9279,7 +9100,7 @@
     </p:spTree>
     <p:extLst>
       <p:ext uri="{BB962C8B-B14F-4D97-AF65-F5344CB8AC3E}">
-        <p14:creationId xmlns:p14="http://schemas.microsoft.com/office/powerpoint/2010/main" val="3150500412"/>
+        <p14:creationId xmlns:p14="http://schemas.microsoft.com/office/powerpoint/2010/main" xmlns="" val="3150500412"/>
       </p:ext>
     </p:extLst>
   </p:cSld>
@@ -9346,28 +9167,6 @@
       </p:sp>
       <p:sp>
         <p:nvSpPr>
-          <p:cNvPr id="6" name="Date Placeholder 5"/>
-          <p:cNvSpPr>
-            <a:spLocks noGrp="1"/>
-          </p:cNvSpPr>
-          <p:nvPr>
-            <p:ph type="dt" sz="half" idx="2"/>
-          </p:nvPr>
-        </p:nvSpPr>
-        <p:spPr/>
-        <p:txBody>
-          <a:bodyPr/>
-          <a:lstStyle/>
-          <a:p>
-            <a:r>
-              <a:rPr lang="en-CA" dirty="0"/>
-              <a:t>Winter 2022</a:t>
-            </a:r>
-          </a:p>
-        </p:txBody>
-      </p:sp>
-      <p:sp>
-        <p:nvSpPr>
           <p:cNvPr id="10" name="Footer Placeholder 9"/>
           <p:cNvSpPr>
             <a:spLocks noGrp="1"/>
@@ -9420,7 +9219,7 @@
           <p:cNvPr id="4" name="Content Placeholder 3">
             <a:extLst>
               <a:ext uri="{FF2B5EF4-FFF2-40B4-BE49-F238E27FC236}">
-                <a16:creationId xmlns:a16="http://schemas.microsoft.com/office/drawing/2014/main" id="{6D58AF24-6D41-4D72-AA4C-29F6B807A3E2}"/>
+                <a16:creationId xmlns:a16="http://schemas.microsoft.com/office/drawing/2014/main" xmlns="" id="{6D58AF24-6D41-4D72-AA4C-29F6B807A3E2}"/>
               </a:ext>
             </a:extLst>
           </p:cNvPr>
@@ -10672,7 +10471,7 @@
     </p:spTree>
     <p:extLst>
       <p:ext uri="{BB962C8B-B14F-4D97-AF65-F5344CB8AC3E}">
-        <p14:creationId xmlns:p14="http://schemas.microsoft.com/office/powerpoint/2010/main" val="1706189841"/>
+        <p14:creationId xmlns:p14="http://schemas.microsoft.com/office/powerpoint/2010/main" xmlns="" val="1706189841"/>
       </p:ext>
     </p:extLst>
   </p:cSld>
@@ -10739,28 +10538,6 @@
       </p:sp>
       <p:sp>
         <p:nvSpPr>
-          <p:cNvPr id="6" name="Date Placeholder 5"/>
-          <p:cNvSpPr>
-            <a:spLocks noGrp="1"/>
-          </p:cNvSpPr>
-          <p:nvPr>
-            <p:ph type="dt" sz="half" idx="2"/>
-          </p:nvPr>
-        </p:nvSpPr>
-        <p:spPr/>
-        <p:txBody>
-          <a:bodyPr/>
-          <a:lstStyle/>
-          <a:p>
-            <a:r>
-              <a:rPr lang="en-CA" dirty="0"/>
-              <a:t>Winter 2022</a:t>
-            </a:r>
-          </a:p>
-        </p:txBody>
-      </p:sp>
-      <p:sp>
-        <p:nvSpPr>
           <p:cNvPr id="10" name="Footer Placeholder 9"/>
           <p:cNvSpPr>
             <a:spLocks noGrp="1"/>
@@ -10813,7 +10590,7 @@
           <p:cNvPr id="4" name="Content Placeholder 3">
             <a:extLst>
               <a:ext uri="{FF2B5EF4-FFF2-40B4-BE49-F238E27FC236}">
-                <a16:creationId xmlns:a16="http://schemas.microsoft.com/office/drawing/2014/main" id="{6D58AF24-6D41-4D72-AA4C-29F6B807A3E2}"/>
+                <a16:creationId xmlns:a16="http://schemas.microsoft.com/office/drawing/2014/main" xmlns="" id="{6D58AF24-6D41-4D72-AA4C-29F6B807A3E2}"/>
               </a:ext>
             </a:extLst>
           </p:cNvPr>
@@ -11083,7 +10860,7 @@
     </p:spTree>
     <p:extLst>
       <p:ext uri="{BB962C8B-B14F-4D97-AF65-F5344CB8AC3E}">
-        <p14:creationId xmlns:p14="http://schemas.microsoft.com/office/powerpoint/2010/main" val="924654735"/>
+        <p14:creationId xmlns:p14="http://schemas.microsoft.com/office/powerpoint/2010/main" xmlns="" val="924654735"/>
       </p:ext>
     </p:extLst>
   </p:cSld>
@@ -11135,28 +10912,6 @@
       </p:sp>
       <p:sp>
         <p:nvSpPr>
-          <p:cNvPr id="6" name="Date Placeholder 5"/>
-          <p:cNvSpPr>
-            <a:spLocks noGrp="1"/>
-          </p:cNvSpPr>
-          <p:nvPr>
-            <p:ph type="dt" sz="half" idx="2"/>
-          </p:nvPr>
-        </p:nvSpPr>
-        <p:spPr/>
-        <p:txBody>
-          <a:bodyPr/>
-          <a:lstStyle/>
-          <a:p>
-            <a:r>
-              <a:rPr lang="en-CA" dirty="0"/>
-              <a:t>Winter 2022</a:t>
-            </a:r>
-          </a:p>
-        </p:txBody>
-      </p:sp>
-      <p:sp>
-        <p:nvSpPr>
           <p:cNvPr id="10" name="Footer Placeholder 9"/>
           <p:cNvSpPr>
             <a:spLocks noGrp="1"/>
@@ -11209,7 +10964,7 @@
           <p:cNvPr id="4" name="Content Placeholder 3">
             <a:extLst>
               <a:ext uri="{FF2B5EF4-FFF2-40B4-BE49-F238E27FC236}">
-                <a16:creationId xmlns:a16="http://schemas.microsoft.com/office/drawing/2014/main" id="{6D58AF24-6D41-4D72-AA4C-29F6B807A3E2}"/>
+                <a16:creationId xmlns:a16="http://schemas.microsoft.com/office/drawing/2014/main" xmlns="" id="{6D58AF24-6D41-4D72-AA4C-29F6B807A3E2}"/>
               </a:ext>
             </a:extLst>
           </p:cNvPr>
@@ -11304,7 +11059,7 @@
     </p:spTree>
     <p:extLst>
       <p:ext uri="{BB962C8B-B14F-4D97-AF65-F5344CB8AC3E}">
-        <p14:creationId xmlns:p14="http://schemas.microsoft.com/office/powerpoint/2010/main" val="1563300936"/>
+        <p14:creationId xmlns:p14="http://schemas.microsoft.com/office/powerpoint/2010/main" xmlns="" val="1563300936"/>
       </p:ext>
     </p:extLst>
   </p:cSld>
@@ -11365,28 +11120,6 @@
       </p:sp>
       <p:sp>
         <p:nvSpPr>
-          <p:cNvPr id="6" name="Date Placeholder 5"/>
-          <p:cNvSpPr>
-            <a:spLocks noGrp="1"/>
-          </p:cNvSpPr>
-          <p:nvPr>
-            <p:ph type="dt" sz="half" idx="2"/>
-          </p:nvPr>
-        </p:nvSpPr>
-        <p:spPr/>
-        <p:txBody>
-          <a:bodyPr/>
-          <a:lstStyle/>
-          <a:p>
-            <a:r>
-              <a:rPr lang="en-CA" dirty="0"/>
-              <a:t>Winter 2022</a:t>
-            </a:r>
-          </a:p>
-        </p:txBody>
-      </p:sp>
-      <p:sp>
-        <p:nvSpPr>
           <p:cNvPr id="10" name="Footer Placeholder 9"/>
           <p:cNvSpPr>
             <a:spLocks noGrp="1"/>
@@ -11439,7 +11172,7 @@
           <p:cNvPr id="4" name="Content Placeholder 3">
             <a:extLst>
               <a:ext uri="{FF2B5EF4-FFF2-40B4-BE49-F238E27FC236}">
-                <a16:creationId xmlns:a16="http://schemas.microsoft.com/office/drawing/2014/main" id="{6D58AF24-6D41-4D72-AA4C-29F6B807A3E2}"/>
+                <a16:creationId xmlns:a16="http://schemas.microsoft.com/office/drawing/2014/main" xmlns="" id="{6D58AF24-6D41-4D72-AA4C-29F6B807A3E2}"/>
               </a:ext>
             </a:extLst>
           </p:cNvPr>
@@ -11503,7 +11236,7 @@
           <p:cNvPr id="31" name="Rectangle 3">
             <a:extLst>
               <a:ext uri="{FF2B5EF4-FFF2-40B4-BE49-F238E27FC236}">
-                <a16:creationId xmlns:a16="http://schemas.microsoft.com/office/drawing/2014/main" id="{10339295-1478-4A3D-81E7-C691A849D519}"/>
+                <a16:creationId xmlns:a16="http://schemas.microsoft.com/office/drawing/2014/main" xmlns="" id="{10339295-1478-4A3D-81E7-C691A849D519}"/>
               </a:ext>
             </a:extLst>
           </p:cNvPr>
@@ -11534,7 +11267,7 @@
           <a:effectLst/>
           <a:extLst>
             <a:ext uri="{AF507438-7753-43E0-B8FC-AC1667EBCBE1}">
-              <a14:hiddenEffects xmlns:a14="http://schemas.microsoft.com/office/drawing/2010/main">
+              <a14:hiddenEffects xmlns:a14="http://schemas.microsoft.com/office/drawing/2010/main" xmlns="">
                 <a:effectLst>
                   <a:outerShdw dist="35921" dir="2700000" algn="ctr" rotWithShape="0">
                     <a:schemeClr val="bg2"/>
@@ -11588,7 +11321,7 @@
           <p:cNvPr id="32" name="Rectangle 4">
             <a:extLst>
               <a:ext uri="{FF2B5EF4-FFF2-40B4-BE49-F238E27FC236}">
-                <a16:creationId xmlns:a16="http://schemas.microsoft.com/office/drawing/2014/main" id="{27DA066C-B7EB-4B91-95AA-24FA988AC17E}"/>
+                <a16:creationId xmlns:a16="http://schemas.microsoft.com/office/drawing/2014/main" xmlns="" id="{27DA066C-B7EB-4B91-95AA-24FA988AC17E}"/>
               </a:ext>
             </a:extLst>
           </p:cNvPr>
@@ -11619,7 +11352,7 @@
           <a:effectLst/>
           <a:extLst>
             <a:ext uri="{AF507438-7753-43E0-B8FC-AC1667EBCBE1}">
-              <a14:hiddenEffects xmlns:a14="http://schemas.microsoft.com/office/drawing/2010/main">
+              <a14:hiddenEffects xmlns:a14="http://schemas.microsoft.com/office/drawing/2010/main" xmlns="">
                 <a:effectLst>
                   <a:outerShdw dist="35921" dir="2700000" algn="ctr" rotWithShape="0">
                     <a:schemeClr val="bg2"/>
@@ -11707,7 +11440,7 @@
           <p:cNvPr id="33" name="AutoShape 5">
             <a:extLst>
               <a:ext uri="{FF2B5EF4-FFF2-40B4-BE49-F238E27FC236}">
-                <a16:creationId xmlns:a16="http://schemas.microsoft.com/office/drawing/2014/main" id="{3EEB36A1-466E-449C-9494-84D554FF808B}"/>
+                <a16:creationId xmlns:a16="http://schemas.microsoft.com/office/drawing/2014/main" xmlns="" id="{3EEB36A1-466E-449C-9494-84D554FF808B}"/>
               </a:ext>
             </a:extLst>
           </p:cNvPr>
@@ -11740,12 +11473,12 @@
           <a:effectLst/>
           <a:extLst>
             <a:ext uri="{909E8E84-426E-40DD-AFC4-6F175D3DCCD1}">
-              <a14:hiddenFill xmlns:a14="http://schemas.microsoft.com/office/drawing/2010/main">
+              <a14:hiddenFill xmlns:a14="http://schemas.microsoft.com/office/drawing/2010/main" xmlns="">
                 <a:noFill/>
               </a14:hiddenFill>
             </a:ext>
             <a:ext uri="{AF507438-7753-43E0-B8FC-AC1667EBCBE1}">
-              <a14:hiddenEffects xmlns:a14="http://schemas.microsoft.com/office/drawing/2010/main">
+              <a14:hiddenEffects xmlns:a14="http://schemas.microsoft.com/office/drawing/2010/main" xmlns="">
                 <a:effectLst>
                   <a:outerShdw dist="35921" dir="2700000" algn="ctr" rotWithShape="0">
                     <a:schemeClr val="bg2"/>
@@ -11761,7 +11494,7 @@
           <p:cNvPr id="34" name="Text Box 6">
             <a:extLst>
               <a:ext uri="{FF2B5EF4-FFF2-40B4-BE49-F238E27FC236}">
-                <a16:creationId xmlns:a16="http://schemas.microsoft.com/office/drawing/2014/main" id="{226CFFC3-882D-4EDB-9827-F47460BF79A4}"/>
+                <a16:creationId xmlns:a16="http://schemas.microsoft.com/office/drawing/2014/main" xmlns="" id="{226CFFC3-882D-4EDB-9827-F47460BF79A4}"/>
               </a:ext>
             </a:extLst>
           </p:cNvPr>
@@ -11785,14 +11518,14 @@
           <a:effectLst/>
           <a:extLst>
             <a:ext uri="{909E8E84-426E-40DD-AFC4-6F175D3DCCD1}">
-              <a14:hiddenFill xmlns:a14="http://schemas.microsoft.com/office/drawing/2010/main">
+              <a14:hiddenFill xmlns:a14="http://schemas.microsoft.com/office/drawing/2010/main" xmlns="">
                 <a:solidFill>
                   <a:schemeClr val="accent1"/>
                 </a:solidFill>
               </a14:hiddenFill>
             </a:ext>
             <a:ext uri="{91240B29-F687-4F45-9708-019B960494DF}">
-              <a14:hiddenLine xmlns:a14="http://schemas.microsoft.com/office/drawing/2010/main" w="9525">
+              <a14:hiddenLine xmlns:a14="http://schemas.microsoft.com/office/drawing/2010/main" xmlns="" w="9525">
                 <a:solidFill>
                   <a:schemeClr val="tx1"/>
                 </a:solidFill>
@@ -11802,7 +11535,7 @@
               </a14:hiddenLine>
             </a:ext>
             <a:ext uri="{AF507438-7753-43E0-B8FC-AC1667EBCBE1}">
-              <a14:hiddenEffects xmlns:a14="http://schemas.microsoft.com/office/drawing/2010/main">
+              <a14:hiddenEffects xmlns:a14="http://schemas.microsoft.com/office/drawing/2010/main" xmlns="">
                 <a:effectLst>
                   <a:outerShdw dist="35921" dir="2700000" algn="ctr" rotWithShape="0">
                     <a:schemeClr val="bg2"/>
@@ -11862,7 +11595,7 @@
           <p:cNvPr id="35" name="Rectangle 7">
             <a:extLst>
               <a:ext uri="{FF2B5EF4-FFF2-40B4-BE49-F238E27FC236}">
-                <a16:creationId xmlns:a16="http://schemas.microsoft.com/office/drawing/2014/main" id="{0D364301-758B-476B-A92E-9740DF7CF9AA}"/>
+                <a16:creationId xmlns:a16="http://schemas.microsoft.com/office/drawing/2014/main" xmlns="" id="{0D364301-758B-476B-A92E-9740DF7CF9AA}"/>
               </a:ext>
             </a:extLst>
           </p:cNvPr>
@@ -11893,7 +11626,7 @@
           <a:effectLst/>
           <a:extLst>
             <a:ext uri="{AF507438-7753-43E0-B8FC-AC1667EBCBE1}">
-              <a14:hiddenEffects xmlns:a14="http://schemas.microsoft.com/office/drawing/2010/main">
+              <a14:hiddenEffects xmlns:a14="http://schemas.microsoft.com/office/drawing/2010/main" xmlns="">
                 <a:effectLst>
                   <a:outerShdw dist="35921" dir="2700000" algn="ctr" rotWithShape="0">
                     <a:schemeClr val="bg2"/>
@@ -11981,7 +11714,7 @@
           <p:cNvPr id="36" name="AutoShape 8">
             <a:extLst>
               <a:ext uri="{FF2B5EF4-FFF2-40B4-BE49-F238E27FC236}">
-                <a16:creationId xmlns:a16="http://schemas.microsoft.com/office/drawing/2014/main" id="{50D0A2E9-30F4-403E-BC06-B6F0EB5C2303}"/>
+                <a16:creationId xmlns:a16="http://schemas.microsoft.com/office/drawing/2014/main" xmlns="" id="{50D0A2E9-30F4-403E-BC06-B6F0EB5C2303}"/>
               </a:ext>
             </a:extLst>
           </p:cNvPr>
@@ -12012,12 +11745,12 @@
           <a:effectLst/>
           <a:extLst>
             <a:ext uri="{909E8E84-426E-40DD-AFC4-6F175D3DCCD1}">
-              <a14:hiddenFill xmlns:a14="http://schemas.microsoft.com/office/drawing/2010/main">
+              <a14:hiddenFill xmlns:a14="http://schemas.microsoft.com/office/drawing/2010/main" xmlns="">
                 <a:noFill/>
               </a14:hiddenFill>
             </a:ext>
             <a:ext uri="{AF507438-7753-43E0-B8FC-AC1667EBCBE1}">
-              <a14:hiddenEffects xmlns:a14="http://schemas.microsoft.com/office/drawing/2010/main">
+              <a14:hiddenEffects xmlns:a14="http://schemas.microsoft.com/office/drawing/2010/main" xmlns="">
                 <a:effectLst>
                   <a:outerShdw dist="35921" dir="2700000" algn="ctr" rotWithShape="0">
                     <a:schemeClr val="bg2"/>
@@ -12033,7 +11766,7 @@
           <p:cNvPr id="37" name="Text Box 9">
             <a:extLst>
               <a:ext uri="{FF2B5EF4-FFF2-40B4-BE49-F238E27FC236}">
-                <a16:creationId xmlns:a16="http://schemas.microsoft.com/office/drawing/2014/main" id="{885BC18D-5AF8-434E-B474-18773064D146}"/>
+                <a16:creationId xmlns:a16="http://schemas.microsoft.com/office/drawing/2014/main" xmlns="" id="{885BC18D-5AF8-434E-B474-18773064D146}"/>
               </a:ext>
             </a:extLst>
           </p:cNvPr>
@@ -12057,14 +11790,14 @@
           <a:effectLst/>
           <a:extLst>
             <a:ext uri="{909E8E84-426E-40DD-AFC4-6F175D3DCCD1}">
-              <a14:hiddenFill xmlns:a14="http://schemas.microsoft.com/office/drawing/2010/main">
+              <a14:hiddenFill xmlns:a14="http://schemas.microsoft.com/office/drawing/2010/main" xmlns="">
                 <a:solidFill>
                   <a:schemeClr val="accent1"/>
                 </a:solidFill>
               </a14:hiddenFill>
             </a:ext>
             <a:ext uri="{91240B29-F687-4F45-9708-019B960494DF}">
-              <a14:hiddenLine xmlns:a14="http://schemas.microsoft.com/office/drawing/2010/main" w="9525">
+              <a14:hiddenLine xmlns:a14="http://schemas.microsoft.com/office/drawing/2010/main" xmlns="" w="9525">
                 <a:solidFill>
                   <a:schemeClr val="tx1"/>
                 </a:solidFill>
@@ -12074,7 +11807,7 @@
               </a14:hiddenLine>
             </a:ext>
             <a:ext uri="{AF507438-7753-43E0-B8FC-AC1667EBCBE1}">
-              <a14:hiddenEffects xmlns:a14="http://schemas.microsoft.com/office/drawing/2010/main">
+              <a14:hiddenEffects xmlns:a14="http://schemas.microsoft.com/office/drawing/2010/main" xmlns="">
                 <a:effectLst>
                   <a:outerShdw dist="35921" dir="2700000" algn="ctr" rotWithShape="0">
                     <a:schemeClr val="bg2"/>
@@ -12115,7 +11848,7 @@
           <p:cNvPr id="38" name="AutoShape 10">
             <a:extLst>
               <a:ext uri="{FF2B5EF4-FFF2-40B4-BE49-F238E27FC236}">
-                <a16:creationId xmlns:a16="http://schemas.microsoft.com/office/drawing/2014/main" id="{75304F9F-DCC4-4493-B06F-DB9C70A6F0C8}"/>
+                <a16:creationId xmlns:a16="http://schemas.microsoft.com/office/drawing/2014/main" xmlns="" id="{75304F9F-DCC4-4493-B06F-DB9C70A6F0C8}"/>
               </a:ext>
             </a:extLst>
           </p:cNvPr>
@@ -12146,12 +11879,12 @@
           <a:effectLst/>
           <a:extLst>
             <a:ext uri="{909E8E84-426E-40DD-AFC4-6F175D3DCCD1}">
-              <a14:hiddenFill xmlns:a14="http://schemas.microsoft.com/office/drawing/2010/main">
+              <a14:hiddenFill xmlns:a14="http://schemas.microsoft.com/office/drawing/2010/main" xmlns="">
                 <a:noFill/>
               </a14:hiddenFill>
             </a:ext>
             <a:ext uri="{AF507438-7753-43E0-B8FC-AC1667EBCBE1}">
-              <a14:hiddenEffects xmlns:a14="http://schemas.microsoft.com/office/drawing/2010/main">
+              <a14:hiddenEffects xmlns:a14="http://schemas.microsoft.com/office/drawing/2010/main" xmlns="">
                 <a:effectLst>
                   <a:outerShdw dist="35921" dir="2700000" algn="ctr" rotWithShape="0">
                     <a:schemeClr val="bg2"/>
@@ -12167,7 +11900,7 @@
           <p:cNvPr id="39" name="Text Box 11">
             <a:extLst>
               <a:ext uri="{FF2B5EF4-FFF2-40B4-BE49-F238E27FC236}">
-                <a16:creationId xmlns:a16="http://schemas.microsoft.com/office/drawing/2014/main" id="{69528E30-A624-48C4-AC85-82958791E57D}"/>
+                <a16:creationId xmlns:a16="http://schemas.microsoft.com/office/drawing/2014/main" xmlns="" id="{69528E30-A624-48C4-AC85-82958791E57D}"/>
               </a:ext>
             </a:extLst>
           </p:cNvPr>
@@ -12191,14 +11924,14 @@
           <a:effectLst/>
           <a:extLst>
             <a:ext uri="{909E8E84-426E-40DD-AFC4-6F175D3DCCD1}">
-              <a14:hiddenFill xmlns:a14="http://schemas.microsoft.com/office/drawing/2010/main">
+              <a14:hiddenFill xmlns:a14="http://schemas.microsoft.com/office/drawing/2010/main" xmlns="">
                 <a:solidFill>
                   <a:schemeClr val="accent1"/>
                 </a:solidFill>
               </a14:hiddenFill>
             </a:ext>
             <a:ext uri="{91240B29-F687-4F45-9708-019B960494DF}">
-              <a14:hiddenLine xmlns:a14="http://schemas.microsoft.com/office/drawing/2010/main" w="9525">
+              <a14:hiddenLine xmlns:a14="http://schemas.microsoft.com/office/drawing/2010/main" xmlns="" w="9525">
                 <a:solidFill>
                   <a:schemeClr val="tx1"/>
                 </a:solidFill>
@@ -12208,7 +11941,7 @@
               </a14:hiddenLine>
             </a:ext>
             <a:ext uri="{AF507438-7753-43E0-B8FC-AC1667EBCBE1}">
-              <a14:hiddenEffects xmlns:a14="http://schemas.microsoft.com/office/drawing/2010/main">
+              <a14:hiddenEffects xmlns:a14="http://schemas.microsoft.com/office/drawing/2010/main" xmlns="">
                 <a:effectLst>
                   <a:outerShdw dist="35921" dir="2700000" algn="ctr" rotWithShape="0">
                     <a:schemeClr val="bg2"/>
@@ -12268,7 +12001,7 @@
           <p:cNvPr id="40" name="Line 12">
             <a:extLst>
               <a:ext uri="{FF2B5EF4-FFF2-40B4-BE49-F238E27FC236}">
-                <a16:creationId xmlns:a16="http://schemas.microsoft.com/office/drawing/2014/main" id="{5938D5C1-80EE-41C5-BFC5-0EBA06594687}"/>
+                <a16:creationId xmlns:a16="http://schemas.microsoft.com/office/drawing/2014/main" xmlns="" id="{5938D5C1-80EE-41C5-BFC5-0EBA06594687}"/>
               </a:ext>
             </a:extLst>
           </p:cNvPr>
@@ -12297,12 +12030,12 @@
           <a:effectLst/>
           <a:extLst>
             <a:ext uri="{909E8E84-426E-40DD-AFC4-6F175D3DCCD1}">
-              <a14:hiddenFill xmlns:a14="http://schemas.microsoft.com/office/drawing/2010/main">
+              <a14:hiddenFill xmlns:a14="http://schemas.microsoft.com/office/drawing/2010/main" xmlns="">
                 <a:noFill/>
               </a14:hiddenFill>
             </a:ext>
             <a:ext uri="{AF507438-7753-43E0-B8FC-AC1667EBCBE1}">
-              <a14:hiddenEffects xmlns:a14="http://schemas.microsoft.com/office/drawing/2010/main">
+              <a14:hiddenEffects xmlns:a14="http://schemas.microsoft.com/office/drawing/2010/main" xmlns="">
                 <a:effectLst>
                   <a:outerShdw dist="35921" dir="2700000" algn="ctr" rotWithShape="0">
                     <a:schemeClr val="bg2"/>
@@ -12353,7 +12086,7 @@
           <p:cNvPr id="41" name="Text Box 13">
             <a:extLst>
               <a:ext uri="{FF2B5EF4-FFF2-40B4-BE49-F238E27FC236}">
-                <a16:creationId xmlns:a16="http://schemas.microsoft.com/office/drawing/2014/main" id="{1B41F4AB-4BFD-4382-8BB4-2CA0C02205D7}"/>
+                <a16:creationId xmlns:a16="http://schemas.microsoft.com/office/drawing/2014/main" xmlns="" id="{1B41F4AB-4BFD-4382-8BB4-2CA0C02205D7}"/>
               </a:ext>
             </a:extLst>
           </p:cNvPr>
@@ -12377,14 +12110,14 @@
           <a:effectLst/>
           <a:extLst>
             <a:ext uri="{909E8E84-426E-40DD-AFC4-6F175D3DCCD1}">
-              <a14:hiddenFill xmlns:a14="http://schemas.microsoft.com/office/drawing/2010/main">
+              <a14:hiddenFill xmlns:a14="http://schemas.microsoft.com/office/drawing/2010/main" xmlns="">
                 <a:solidFill>
                   <a:schemeClr val="accent1"/>
                 </a:solidFill>
               </a14:hiddenFill>
             </a:ext>
             <a:ext uri="{91240B29-F687-4F45-9708-019B960494DF}">
-              <a14:hiddenLine xmlns:a14="http://schemas.microsoft.com/office/drawing/2010/main" w="9525">
+              <a14:hiddenLine xmlns:a14="http://schemas.microsoft.com/office/drawing/2010/main" xmlns="" w="9525">
                 <a:solidFill>
                   <a:schemeClr val="tx1"/>
                 </a:solidFill>
@@ -12394,7 +12127,7 @@
               </a14:hiddenLine>
             </a:ext>
             <a:ext uri="{AF507438-7753-43E0-B8FC-AC1667EBCBE1}">
-              <a14:hiddenEffects xmlns:a14="http://schemas.microsoft.com/office/drawing/2010/main">
+              <a14:hiddenEffects xmlns:a14="http://schemas.microsoft.com/office/drawing/2010/main" xmlns="">
                 <a:effectLst>
                   <a:outerShdw dist="35921" dir="2700000" algn="ctr" rotWithShape="0">
                     <a:schemeClr val="bg2"/>
@@ -12452,7 +12185,7 @@
     </p:spTree>
     <p:extLst>
       <p:ext uri="{BB962C8B-B14F-4D97-AF65-F5344CB8AC3E}">
-        <p14:creationId xmlns:p14="http://schemas.microsoft.com/office/powerpoint/2010/main" val="1301066718"/>
+        <p14:creationId xmlns:p14="http://schemas.microsoft.com/office/powerpoint/2010/main" xmlns="" val="1301066718"/>
       </p:ext>
     </p:extLst>
   </p:cSld>
@@ -12511,28 +12244,6 @@
       </p:sp>
       <p:sp>
         <p:nvSpPr>
-          <p:cNvPr id="6" name="Date Placeholder 5"/>
-          <p:cNvSpPr>
-            <a:spLocks noGrp="1"/>
-          </p:cNvSpPr>
-          <p:nvPr>
-            <p:ph type="dt" sz="half" idx="2"/>
-          </p:nvPr>
-        </p:nvSpPr>
-        <p:spPr/>
-        <p:txBody>
-          <a:bodyPr/>
-          <a:lstStyle/>
-          <a:p>
-            <a:r>
-              <a:rPr lang="en-CA" dirty="0"/>
-              <a:t>Winter 2022</a:t>
-            </a:r>
-          </a:p>
-        </p:txBody>
-      </p:sp>
-      <p:sp>
-        <p:nvSpPr>
           <p:cNvPr id="10" name="Footer Placeholder 9"/>
           <p:cNvSpPr>
             <a:spLocks noGrp="1"/>
@@ -12585,7 +12296,7 @@
           <p:cNvPr id="4" name="Content Placeholder 3">
             <a:extLst>
               <a:ext uri="{FF2B5EF4-FFF2-40B4-BE49-F238E27FC236}">
-                <a16:creationId xmlns:a16="http://schemas.microsoft.com/office/drawing/2014/main" id="{6D58AF24-6D41-4D72-AA4C-29F6B807A3E2}"/>
+                <a16:creationId xmlns:a16="http://schemas.microsoft.com/office/drawing/2014/main" xmlns="" id="{6D58AF24-6D41-4D72-AA4C-29F6B807A3E2}"/>
               </a:ext>
             </a:extLst>
           </p:cNvPr>
@@ -13030,7 +12741,7 @@
           <p:cNvPr id="7" name="Picture 4">
             <a:extLst>
               <a:ext uri="{FF2B5EF4-FFF2-40B4-BE49-F238E27FC236}">
-                <a16:creationId xmlns:a16="http://schemas.microsoft.com/office/drawing/2014/main" id="{4839421C-1BB2-442C-BC86-4FF4CB9D78AE}"/>
+                <a16:creationId xmlns:a16="http://schemas.microsoft.com/office/drawing/2014/main" xmlns="" id="{4839421C-1BB2-442C-BC86-4FF4CB9D78AE}"/>
               </a:ext>
             </a:extLst>
           </p:cNvPr>
@@ -13043,7 +12754,7 @@
           <a:blip r:embed="rId2">
             <a:extLst>
               <a:ext uri="{28A0092B-C50C-407E-A947-70E740481C1C}">
-                <a14:useLocalDpi xmlns:a14="http://schemas.microsoft.com/office/drawing/2010/main" val="0"/>
+                <a14:useLocalDpi xmlns:a14="http://schemas.microsoft.com/office/drawing/2010/main" xmlns="" val="0"/>
               </a:ext>
             </a:extLst>
           </a:blip>
@@ -13067,14 +12778,14 @@
           <a:effectLst/>
           <a:extLst>
             <a:ext uri="{909E8E84-426E-40DD-AFC4-6F175D3DCCD1}">
-              <a14:hiddenFill xmlns:a14="http://schemas.microsoft.com/office/drawing/2010/main">
+              <a14:hiddenFill xmlns:a14="http://schemas.microsoft.com/office/drawing/2010/main" xmlns="">
                 <a:solidFill>
                   <a:schemeClr val="accent1"/>
                 </a:solidFill>
               </a14:hiddenFill>
             </a:ext>
             <a:ext uri="{91240B29-F687-4F45-9708-019B960494DF}">
-              <a14:hiddenLine xmlns:a14="http://schemas.microsoft.com/office/drawing/2010/main" w="9525">
+              <a14:hiddenLine xmlns:a14="http://schemas.microsoft.com/office/drawing/2010/main" xmlns="" w="9525">
                 <a:solidFill>
                   <a:schemeClr val="tx1"/>
                 </a:solidFill>
@@ -13084,7 +12795,7 @@
               </a14:hiddenLine>
             </a:ext>
             <a:ext uri="{AF507438-7753-43E0-B8FC-AC1667EBCBE1}">
-              <a14:hiddenEffects xmlns:a14="http://schemas.microsoft.com/office/drawing/2010/main">
+              <a14:hiddenEffects xmlns:a14="http://schemas.microsoft.com/office/drawing/2010/main" xmlns="">
                 <a:effectLst>
                   <a:outerShdw dist="35921" dir="2700000" algn="ctr" rotWithShape="0">
                     <a:schemeClr val="bg2"/>
@@ -13098,7 +12809,7 @@
     </p:spTree>
     <p:extLst>
       <p:ext uri="{BB962C8B-B14F-4D97-AF65-F5344CB8AC3E}">
-        <p14:creationId xmlns:p14="http://schemas.microsoft.com/office/powerpoint/2010/main" val="1786216362"/>
+        <p14:creationId xmlns:p14="http://schemas.microsoft.com/office/powerpoint/2010/main" xmlns="" val="1786216362"/>
       </p:ext>
     </p:extLst>
   </p:cSld>
@@ -13157,28 +12868,6 @@
       </p:sp>
       <p:sp>
         <p:nvSpPr>
-          <p:cNvPr id="6" name="Date Placeholder 5"/>
-          <p:cNvSpPr>
-            <a:spLocks noGrp="1"/>
-          </p:cNvSpPr>
-          <p:nvPr>
-            <p:ph type="dt" sz="half" idx="2"/>
-          </p:nvPr>
-        </p:nvSpPr>
-        <p:spPr/>
-        <p:txBody>
-          <a:bodyPr/>
-          <a:lstStyle/>
-          <a:p>
-            <a:r>
-              <a:rPr lang="en-CA" dirty="0"/>
-              <a:t>Winter 2022</a:t>
-            </a:r>
-          </a:p>
-        </p:txBody>
-      </p:sp>
-      <p:sp>
-        <p:nvSpPr>
           <p:cNvPr id="10" name="Footer Placeholder 9"/>
           <p:cNvSpPr>
             <a:spLocks noGrp="1"/>
@@ -13231,7 +12920,7 @@
           <p:cNvPr id="4" name="Content Placeholder 3">
             <a:extLst>
               <a:ext uri="{FF2B5EF4-FFF2-40B4-BE49-F238E27FC236}">
-                <a16:creationId xmlns:a16="http://schemas.microsoft.com/office/drawing/2014/main" id="{6D58AF24-6D41-4D72-AA4C-29F6B807A3E2}"/>
+                <a16:creationId xmlns:a16="http://schemas.microsoft.com/office/drawing/2014/main" xmlns="" id="{6D58AF24-6D41-4D72-AA4C-29F6B807A3E2}"/>
               </a:ext>
             </a:extLst>
           </p:cNvPr>
@@ -14257,7 +13946,7 @@
     </p:spTree>
     <p:extLst>
       <p:ext uri="{BB962C8B-B14F-4D97-AF65-F5344CB8AC3E}">
-        <p14:creationId xmlns:p14="http://schemas.microsoft.com/office/powerpoint/2010/main" val="2048036674"/>
+        <p14:creationId xmlns:p14="http://schemas.microsoft.com/office/powerpoint/2010/main" xmlns="" val="2048036674"/>
       </p:ext>
     </p:extLst>
   </p:cSld>
@@ -14316,28 +14005,6 @@
       </p:sp>
       <p:sp>
         <p:nvSpPr>
-          <p:cNvPr id="6" name="Date Placeholder 5"/>
-          <p:cNvSpPr>
-            <a:spLocks noGrp="1"/>
-          </p:cNvSpPr>
-          <p:nvPr>
-            <p:ph type="dt" sz="half" idx="2"/>
-          </p:nvPr>
-        </p:nvSpPr>
-        <p:spPr/>
-        <p:txBody>
-          <a:bodyPr/>
-          <a:lstStyle/>
-          <a:p>
-            <a:r>
-              <a:rPr lang="en-CA" dirty="0"/>
-              <a:t>Winter 2022</a:t>
-            </a:r>
-          </a:p>
-        </p:txBody>
-      </p:sp>
-      <p:sp>
-        <p:nvSpPr>
           <p:cNvPr id="10" name="Footer Placeholder 9"/>
           <p:cNvSpPr>
             <a:spLocks noGrp="1"/>
@@ -14390,7 +14057,7 @@
           <p:cNvPr id="4" name="Content Placeholder 3">
             <a:extLst>
               <a:ext uri="{FF2B5EF4-FFF2-40B4-BE49-F238E27FC236}">
-                <a16:creationId xmlns:a16="http://schemas.microsoft.com/office/drawing/2014/main" id="{6D58AF24-6D41-4D72-AA4C-29F6B807A3E2}"/>
+                <a16:creationId xmlns:a16="http://schemas.microsoft.com/office/drawing/2014/main" xmlns="" id="{6D58AF24-6D41-4D72-AA4C-29F6B807A3E2}"/>
               </a:ext>
             </a:extLst>
           </p:cNvPr>
@@ -14454,7 +14121,7 @@
           <p:cNvPr id="7" name="Picture 6">
             <a:extLst>
               <a:ext uri="{FF2B5EF4-FFF2-40B4-BE49-F238E27FC236}">
-                <a16:creationId xmlns:a16="http://schemas.microsoft.com/office/drawing/2014/main" id="{8A8B9ACE-7B3E-40F3-8E32-DE66B16579AE}"/>
+                <a16:creationId xmlns:a16="http://schemas.microsoft.com/office/drawing/2014/main" xmlns="" id="{8A8B9ACE-7B3E-40F3-8E32-DE66B16579AE}"/>
               </a:ext>
             </a:extLst>
           </p:cNvPr>
@@ -14467,7 +14134,7 @@
           <a:blip r:embed="rId2">
             <a:extLst>
               <a:ext uri="{28A0092B-C50C-407E-A947-70E740481C1C}">
-                <a14:useLocalDpi xmlns:a14="http://schemas.microsoft.com/office/drawing/2010/main" val="0"/>
+                <a14:useLocalDpi xmlns:a14="http://schemas.microsoft.com/office/drawing/2010/main" xmlns="" val="0"/>
               </a:ext>
             </a:extLst>
           </a:blip>
@@ -14491,14 +14158,14 @@
           <a:effectLst/>
           <a:extLst>
             <a:ext uri="{909E8E84-426E-40DD-AFC4-6F175D3DCCD1}">
-              <a14:hiddenFill xmlns:a14="http://schemas.microsoft.com/office/drawing/2010/main">
+              <a14:hiddenFill xmlns:a14="http://schemas.microsoft.com/office/drawing/2010/main" xmlns="">
                 <a:solidFill>
                   <a:schemeClr val="accent1"/>
                 </a:solidFill>
               </a14:hiddenFill>
             </a:ext>
             <a:ext uri="{91240B29-F687-4F45-9708-019B960494DF}">
-              <a14:hiddenLine xmlns:a14="http://schemas.microsoft.com/office/drawing/2010/main" w="9525">
+              <a14:hiddenLine xmlns:a14="http://schemas.microsoft.com/office/drawing/2010/main" xmlns="" w="9525">
                 <a:solidFill>
                   <a:schemeClr val="tx1"/>
                 </a:solidFill>
@@ -14508,7 +14175,7 @@
               </a14:hiddenLine>
             </a:ext>
             <a:ext uri="{AF507438-7753-43E0-B8FC-AC1667EBCBE1}">
-              <a14:hiddenEffects xmlns:a14="http://schemas.microsoft.com/office/drawing/2010/main">
+              <a14:hiddenEffects xmlns:a14="http://schemas.microsoft.com/office/drawing/2010/main" xmlns="">
                 <a:effectLst>
                   <a:outerShdw dist="35921" dir="2700000" algn="ctr" rotWithShape="0">
                     <a:schemeClr val="bg2"/>
@@ -14522,7 +14189,7 @@
     </p:spTree>
     <p:extLst>
       <p:ext uri="{BB962C8B-B14F-4D97-AF65-F5344CB8AC3E}">
-        <p14:creationId xmlns:p14="http://schemas.microsoft.com/office/powerpoint/2010/main" val="1921012944"/>
+        <p14:creationId xmlns:p14="http://schemas.microsoft.com/office/powerpoint/2010/main" xmlns="" val="1921012944"/>
       </p:ext>
     </p:extLst>
   </p:cSld>
@@ -14581,28 +14248,6 @@
       </p:sp>
       <p:sp>
         <p:nvSpPr>
-          <p:cNvPr id="6" name="Date Placeholder 5"/>
-          <p:cNvSpPr>
-            <a:spLocks noGrp="1"/>
-          </p:cNvSpPr>
-          <p:nvPr>
-            <p:ph type="dt" sz="half" idx="2"/>
-          </p:nvPr>
-        </p:nvSpPr>
-        <p:spPr/>
-        <p:txBody>
-          <a:bodyPr/>
-          <a:lstStyle/>
-          <a:p>
-            <a:r>
-              <a:rPr lang="en-CA" dirty="0"/>
-              <a:t>Winter 2022</a:t>
-            </a:r>
-          </a:p>
-        </p:txBody>
-      </p:sp>
-      <p:sp>
-        <p:nvSpPr>
           <p:cNvPr id="10" name="Footer Placeholder 9"/>
           <p:cNvSpPr>
             <a:spLocks noGrp="1"/>
@@ -14655,7 +14300,7 @@
           <p:cNvPr id="4" name="Content Placeholder 3">
             <a:extLst>
               <a:ext uri="{FF2B5EF4-FFF2-40B4-BE49-F238E27FC236}">
-                <a16:creationId xmlns:a16="http://schemas.microsoft.com/office/drawing/2014/main" id="{6D58AF24-6D41-4D72-AA4C-29F6B807A3E2}"/>
+                <a16:creationId xmlns:a16="http://schemas.microsoft.com/office/drawing/2014/main" xmlns="" id="{6D58AF24-6D41-4D72-AA4C-29F6B807A3E2}"/>
               </a:ext>
             </a:extLst>
           </p:cNvPr>
@@ -14837,7 +14482,7 @@
     </p:spTree>
     <p:extLst>
       <p:ext uri="{BB962C8B-B14F-4D97-AF65-F5344CB8AC3E}">
-        <p14:creationId xmlns:p14="http://schemas.microsoft.com/office/powerpoint/2010/main" val="1349460788"/>
+        <p14:creationId xmlns:p14="http://schemas.microsoft.com/office/powerpoint/2010/main" xmlns="" val="1349460788"/>
       </p:ext>
     </p:extLst>
   </p:cSld>
@@ -14896,28 +14541,6 @@
       </p:sp>
       <p:sp>
         <p:nvSpPr>
-          <p:cNvPr id="6" name="Date Placeholder 5"/>
-          <p:cNvSpPr>
-            <a:spLocks noGrp="1"/>
-          </p:cNvSpPr>
-          <p:nvPr>
-            <p:ph type="dt" sz="half" idx="2"/>
-          </p:nvPr>
-        </p:nvSpPr>
-        <p:spPr/>
-        <p:txBody>
-          <a:bodyPr/>
-          <a:lstStyle/>
-          <a:p>
-            <a:r>
-              <a:rPr lang="en-CA" dirty="0"/>
-              <a:t>Winter 2022</a:t>
-            </a:r>
-          </a:p>
-        </p:txBody>
-      </p:sp>
-      <p:sp>
-        <p:nvSpPr>
           <p:cNvPr id="10" name="Footer Placeholder 9"/>
           <p:cNvSpPr>
             <a:spLocks noGrp="1"/>
@@ -14970,7 +14593,7 @@
           <p:cNvPr id="4" name="Content Placeholder 3">
             <a:extLst>
               <a:ext uri="{FF2B5EF4-FFF2-40B4-BE49-F238E27FC236}">
-                <a16:creationId xmlns:a16="http://schemas.microsoft.com/office/drawing/2014/main" id="{6D58AF24-6D41-4D72-AA4C-29F6B807A3E2}"/>
+                <a16:creationId xmlns:a16="http://schemas.microsoft.com/office/drawing/2014/main" xmlns="" id="{6D58AF24-6D41-4D72-AA4C-29F6B807A3E2}"/>
               </a:ext>
             </a:extLst>
           </p:cNvPr>
@@ -15424,7 +15047,7 @@
     </p:spTree>
     <p:extLst>
       <p:ext uri="{BB962C8B-B14F-4D97-AF65-F5344CB8AC3E}">
-        <p14:creationId xmlns:p14="http://schemas.microsoft.com/office/powerpoint/2010/main" val="1122528649"/>
+        <p14:creationId xmlns:p14="http://schemas.microsoft.com/office/powerpoint/2010/main" xmlns="" val="1122528649"/>
       </p:ext>
     </p:extLst>
   </p:cSld>
@@ -15483,28 +15106,6 @@
       </p:sp>
       <p:sp>
         <p:nvSpPr>
-          <p:cNvPr id="6" name="Date Placeholder 5"/>
-          <p:cNvSpPr>
-            <a:spLocks noGrp="1"/>
-          </p:cNvSpPr>
-          <p:nvPr>
-            <p:ph type="dt" sz="half" idx="2"/>
-          </p:nvPr>
-        </p:nvSpPr>
-        <p:spPr/>
-        <p:txBody>
-          <a:bodyPr/>
-          <a:lstStyle/>
-          <a:p>
-            <a:r>
-              <a:rPr lang="en-CA" dirty="0"/>
-              <a:t>Winter 2022</a:t>
-            </a:r>
-          </a:p>
-        </p:txBody>
-      </p:sp>
-      <p:sp>
-        <p:nvSpPr>
           <p:cNvPr id="10" name="Footer Placeholder 9"/>
           <p:cNvSpPr>
             <a:spLocks noGrp="1"/>
@@ -15557,7 +15158,7 @@
           <p:cNvPr id="4" name="Content Placeholder 3">
             <a:extLst>
               <a:ext uri="{FF2B5EF4-FFF2-40B4-BE49-F238E27FC236}">
-                <a16:creationId xmlns:a16="http://schemas.microsoft.com/office/drawing/2014/main" id="{6D58AF24-6D41-4D72-AA4C-29F6B807A3E2}"/>
+                <a16:creationId xmlns:a16="http://schemas.microsoft.com/office/drawing/2014/main" xmlns="" id="{6D58AF24-6D41-4D72-AA4C-29F6B807A3E2}"/>
               </a:ext>
             </a:extLst>
           </p:cNvPr>
@@ -15930,7 +15531,7 @@
     </p:spTree>
     <p:extLst>
       <p:ext uri="{BB962C8B-B14F-4D97-AF65-F5344CB8AC3E}">
-        <p14:creationId xmlns:p14="http://schemas.microsoft.com/office/powerpoint/2010/main" val="1458400205"/>
+        <p14:creationId xmlns:p14="http://schemas.microsoft.com/office/powerpoint/2010/main" xmlns="" val="1458400205"/>
       </p:ext>
     </p:extLst>
   </p:cSld>
@@ -15989,28 +15590,6 @@
       </p:sp>
       <p:sp>
         <p:nvSpPr>
-          <p:cNvPr id="6" name="Date Placeholder 5"/>
-          <p:cNvSpPr>
-            <a:spLocks noGrp="1"/>
-          </p:cNvSpPr>
-          <p:nvPr>
-            <p:ph type="dt" sz="half" idx="2"/>
-          </p:nvPr>
-        </p:nvSpPr>
-        <p:spPr/>
-        <p:txBody>
-          <a:bodyPr/>
-          <a:lstStyle/>
-          <a:p>
-            <a:r>
-              <a:rPr lang="en-CA" dirty="0"/>
-              <a:t>Winter 2022</a:t>
-            </a:r>
-          </a:p>
-        </p:txBody>
-      </p:sp>
-      <p:sp>
-        <p:nvSpPr>
           <p:cNvPr id="10" name="Footer Placeholder 9"/>
           <p:cNvSpPr>
             <a:spLocks noGrp="1"/>
@@ -16063,7 +15642,7 @@
           <p:cNvPr id="4" name="Content Placeholder 3">
             <a:extLst>
               <a:ext uri="{FF2B5EF4-FFF2-40B4-BE49-F238E27FC236}">
-                <a16:creationId xmlns:a16="http://schemas.microsoft.com/office/drawing/2014/main" id="{6D58AF24-6D41-4D72-AA4C-29F6B807A3E2}"/>
+                <a16:creationId xmlns:a16="http://schemas.microsoft.com/office/drawing/2014/main" xmlns="" id="{6D58AF24-6D41-4D72-AA4C-29F6B807A3E2}"/>
               </a:ext>
             </a:extLst>
           </p:cNvPr>
@@ -16162,7 +15741,7 @@
     </p:spTree>
     <p:extLst>
       <p:ext uri="{BB962C8B-B14F-4D97-AF65-F5344CB8AC3E}">
-        <p14:creationId xmlns:p14="http://schemas.microsoft.com/office/powerpoint/2010/main" val="3432372290"/>
+        <p14:creationId xmlns:p14="http://schemas.microsoft.com/office/powerpoint/2010/main" xmlns="" val="3432372290"/>
       </p:ext>
     </p:extLst>
   </p:cSld>
@@ -16221,28 +15800,6 @@
       </p:sp>
       <p:sp>
         <p:nvSpPr>
-          <p:cNvPr id="6" name="Date Placeholder 5"/>
-          <p:cNvSpPr>
-            <a:spLocks noGrp="1"/>
-          </p:cNvSpPr>
-          <p:nvPr>
-            <p:ph type="dt" sz="half" idx="2"/>
-          </p:nvPr>
-        </p:nvSpPr>
-        <p:spPr/>
-        <p:txBody>
-          <a:bodyPr/>
-          <a:lstStyle/>
-          <a:p>
-            <a:r>
-              <a:rPr lang="en-CA" dirty="0"/>
-              <a:t>Winter 2022</a:t>
-            </a:r>
-          </a:p>
-        </p:txBody>
-      </p:sp>
-      <p:sp>
-        <p:nvSpPr>
           <p:cNvPr id="10" name="Footer Placeholder 9"/>
           <p:cNvSpPr>
             <a:spLocks noGrp="1"/>
@@ -16295,7 +15852,7 @@
           <p:cNvPr id="4" name="Content Placeholder 3">
             <a:extLst>
               <a:ext uri="{FF2B5EF4-FFF2-40B4-BE49-F238E27FC236}">
-                <a16:creationId xmlns:a16="http://schemas.microsoft.com/office/drawing/2014/main" id="{6D58AF24-6D41-4D72-AA4C-29F6B807A3E2}"/>
+                <a16:creationId xmlns:a16="http://schemas.microsoft.com/office/drawing/2014/main" xmlns="" id="{6D58AF24-6D41-4D72-AA4C-29F6B807A3E2}"/>
               </a:ext>
             </a:extLst>
           </p:cNvPr>
@@ -16787,7 +16344,7 @@
     </p:spTree>
     <p:extLst>
       <p:ext uri="{BB962C8B-B14F-4D97-AF65-F5344CB8AC3E}">
-        <p14:creationId xmlns:p14="http://schemas.microsoft.com/office/powerpoint/2010/main" val="2046790964"/>
+        <p14:creationId xmlns:p14="http://schemas.microsoft.com/office/powerpoint/2010/main" xmlns="" val="2046790964"/>
       </p:ext>
     </p:extLst>
   </p:cSld>
@@ -16846,28 +16403,6 @@
       </p:sp>
       <p:sp>
         <p:nvSpPr>
-          <p:cNvPr id="6" name="Date Placeholder 5"/>
-          <p:cNvSpPr>
-            <a:spLocks noGrp="1"/>
-          </p:cNvSpPr>
-          <p:nvPr>
-            <p:ph type="dt" sz="half" idx="2"/>
-          </p:nvPr>
-        </p:nvSpPr>
-        <p:spPr/>
-        <p:txBody>
-          <a:bodyPr/>
-          <a:lstStyle/>
-          <a:p>
-            <a:r>
-              <a:rPr lang="en-CA" dirty="0"/>
-              <a:t>Winter 2022</a:t>
-            </a:r>
-          </a:p>
-        </p:txBody>
-      </p:sp>
-      <p:sp>
-        <p:nvSpPr>
           <p:cNvPr id="10" name="Footer Placeholder 9"/>
           <p:cNvSpPr>
             <a:spLocks noGrp="1"/>
@@ -16920,7 +16455,7 @@
           <p:cNvPr id="4" name="Content Placeholder 3">
             <a:extLst>
               <a:ext uri="{FF2B5EF4-FFF2-40B4-BE49-F238E27FC236}">
-                <a16:creationId xmlns:a16="http://schemas.microsoft.com/office/drawing/2014/main" id="{6D58AF24-6D41-4D72-AA4C-29F6B807A3E2}"/>
+                <a16:creationId xmlns:a16="http://schemas.microsoft.com/office/drawing/2014/main" xmlns="" id="{6D58AF24-6D41-4D72-AA4C-29F6B807A3E2}"/>
               </a:ext>
             </a:extLst>
           </p:cNvPr>
@@ -16990,7 +16525,7 @@
           <p:cNvPr id="7" name="Picture 5">
             <a:extLst>
               <a:ext uri="{FF2B5EF4-FFF2-40B4-BE49-F238E27FC236}">
-                <a16:creationId xmlns:a16="http://schemas.microsoft.com/office/drawing/2014/main" id="{EAD74F54-8E7F-4FC3-9A6F-1E21266A50C9}"/>
+                <a16:creationId xmlns:a16="http://schemas.microsoft.com/office/drawing/2014/main" xmlns="" id="{EAD74F54-8E7F-4FC3-9A6F-1E21266A50C9}"/>
               </a:ext>
             </a:extLst>
           </p:cNvPr>
@@ -17003,7 +16538,7 @@
           <a:blip r:embed="rId2">
             <a:extLst>
               <a:ext uri="{28A0092B-C50C-407E-A947-70E740481C1C}">
-                <a14:useLocalDpi xmlns:a14="http://schemas.microsoft.com/office/drawing/2010/main" val="0"/>
+                <a14:useLocalDpi xmlns:a14="http://schemas.microsoft.com/office/drawing/2010/main" xmlns="" val="0"/>
               </a:ext>
             </a:extLst>
           </a:blip>
@@ -17023,7 +16558,7 @@
           <a:noFill/>
           <a:extLst>
             <a:ext uri="{909E8E84-426E-40DD-AFC4-6F175D3DCCD1}">
-              <a14:hiddenFill xmlns:a14="http://schemas.microsoft.com/office/drawing/2010/main">
+              <a14:hiddenFill xmlns:a14="http://schemas.microsoft.com/office/drawing/2010/main" xmlns="">
                 <a:solidFill>
                   <a:srgbClr val="FFFFFF"/>
                 </a:solidFill>
@@ -17035,7 +16570,7 @@
     </p:spTree>
     <p:extLst>
       <p:ext uri="{BB962C8B-B14F-4D97-AF65-F5344CB8AC3E}">
-        <p14:creationId xmlns:p14="http://schemas.microsoft.com/office/powerpoint/2010/main" val="2095927546"/>
+        <p14:creationId xmlns:p14="http://schemas.microsoft.com/office/powerpoint/2010/main" xmlns="" val="2095927546"/>
       </p:ext>
     </p:extLst>
   </p:cSld>
@@ -17087,28 +16622,6 @@
       </p:sp>
       <p:sp>
         <p:nvSpPr>
-          <p:cNvPr id="6" name="Date Placeholder 5"/>
-          <p:cNvSpPr>
-            <a:spLocks noGrp="1"/>
-          </p:cNvSpPr>
-          <p:nvPr>
-            <p:ph type="dt" sz="half" idx="2"/>
-          </p:nvPr>
-        </p:nvSpPr>
-        <p:spPr/>
-        <p:txBody>
-          <a:bodyPr/>
-          <a:lstStyle/>
-          <a:p>
-            <a:r>
-              <a:rPr lang="en-CA" dirty="0"/>
-              <a:t>Winter 2022</a:t>
-            </a:r>
-          </a:p>
-        </p:txBody>
-      </p:sp>
-      <p:sp>
-        <p:nvSpPr>
           <p:cNvPr id="10" name="Footer Placeholder 9"/>
           <p:cNvSpPr>
             <a:spLocks noGrp="1"/>
@@ -17161,7 +16674,7 @@
           <p:cNvPr id="4" name="Content Placeholder 3">
             <a:extLst>
               <a:ext uri="{FF2B5EF4-FFF2-40B4-BE49-F238E27FC236}">
-                <a16:creationId xmlns:a16="http://schemas.microsoft.com/office/drawing/2014/main" id="{6D58AF24-6D41-4D72-AA4C-29F6B807A3E2}"/>
+                <a16:creationId xmlns:a16="http://schemas.microsoft.com/office/drawing/2014/main" xmlns="" id="{6D58AF24-6D41-4D72-AA4C-29F6B807A3E2}"/>
               </a:ext>
             </a:extLst>
           </p:cNvPr>
@@ -17255,255 +16768,7 @@
     </p:spTree>
     <p:extLst>
       <p:ext uri="{BB962C8B-B14F-4D97-AF65-F5344CB8AC3E}">
-        <p14:creationId xmlns:p14="http://schemas.microsoft.com/office/powerpoint/2010/main" val="2222666788"/>
-      </p:ext>
-    </p:extLst>
-  </p:cSld>
-  <p:clrMapOvr>
-    <a:masterClrMapping/>
-  </p:clrMapOvr>
-</p:sld>
-</file>
-
-<file path=ppt/slides/slide30.xml><?xml version="1.0" encoding="utf-8"?>
-<p:sld xmlns:a="http://schemas.openxmlformats.org/drawingml/2006/main" xmlns:r="http://schemas.openxmlformats.org/officeDocument/2006/relationships" xmlns:p="http://schemas.openxmlformats.org/presentationml/2006/main">
-  <p:cSld>
-    <p:spTree>
-      <p:nvGrpSpPr>
-        <p:cNvPr id="1" name=""/>
-        <p:cNvGrpSpPr/>
-        <p:nvPr/>
-      </p:nvGrpSpPr>
-      <p:grpSpPr>
-        <a:xfrm>
-          <a:off x="0" y="0"/>
-          <a:ext cx="0" cy="0"/>
-          <a:chOff x="0" y="0"/>
-          <a:chExt cx="0" cy="0"/>
-        </a:xfrm>
-      </p:grpSpPr>
-      <p:sp>
-        <p:nvSpPr>
-          <p:cNvPr id="2" name="Title 1"/>
-          <p:cNvSpPr>
-            <a:spLocks noGrp="1"/>
-          </p:cNvSpPr>
-          <p:nvPr>
-            <p:ph type="title"/>
-          </p:nvPr>
-        </p:nvSpPr>
-        <p:spPr>
-          <a:xfrm>
-            <a:off x="-1" y="-157162"/>
-            <a:ext cx="10711543" cy="1325563"/>
-          </a:xfrm>
-        </p:spPr>
-        <p:txBody>
-          <a:bodyPr>
-            <a:normAutofit/>
-          </a:bodyPr>
-          <a:lstStyle/>
-          <a:p>
-            <a:r>
-              <a:rPr lang="en-US" altLang="en-US" dirty="0"/>
-              <a:t>Critical section problems</a:t>
-            </a:r>
-            <a:endParaRPr lang="en-US" dirty="0"/>
-          </a:p>
-        </p:txBody>
-      </p:sp>
-      <p:sp>
-        <p:nvSpPr>
-          <p:cNvPr id="6" name="Date Placeholder 5"/>
-          <p:cNvSpPr>
-            <a:spLocks noGrp="1"/>
-          </p:cNvSpPr>
-          <p:nvPr>
-            <p:ph type="dt" sz="half" idx="2"/>
-          </p:nvPr>
-        </p:nvSpPr>
-        <p:spPr/>
-        <p:txBody>
-          <a:bodyPr/>
-          <a:lstStyle/>
-          <a:p>
-            <a:r>
-              <a:rPr lang="en-CA" dirty="0"/>
-              <a:t>Winter 2022</a:t>
-            </a:r>
-          </a:p>
-        </p:txBody>
-      </p:sp>
-      <p:sp>
-        <p:nvSpPr>
-          <p:cNvPr id="10" name="Footer Placeholder 9"/>
-          <p:cNvSpPr>
-            <a:spLocks noGrp="1"/>
-          </p:cNvSpPr>
-          <p:nvPr>
-            <p:ph type="ftr" sz="quarter" idx="3"/>
-          </p:nvPr>
-        </p:nvSpPr>
-        <p:spPr/>
-        <p:txBody>
-          <a:bodyPr/>
-          <a:lstStyle/>
-          <a:p>
-            <a:r>
-              <a:rPr lang="en-CA" dirty="0"/>
-              <a:t>CS321: Advanced Programming Techniques</a:t>
-            </a:r>
-          </a:p>
-        </p:txBody>
-      </p:sp>
-      <p:sp>
-        <p:nvSpPr>
-          <p:cNvPr id="12" name="Slide Number Placeholder 11"/>
-          <p:cNvSpPr>
-            <a:spLocks noGrp="1"/>
-          </p:cNvSpPr>
-          <p:nvPr>
-            <p:ph type="sldNum" sz="quarter" idx="4"/>
-          </p:nvPr>
-        </p:nvSpPr>
-        <p:spPr/>
-        <p:txBody>
-          <a:bodyPr/>
-          <a:lstStyle/>
-          <a:p>
-            <a:fld id="{5174927E-2439-42C0-9720-7BBCA09BF46F}" type="slidenum">
-              <a:rPr lang="en-CA" smtClean="0"/>
-              <a:pPr/>
-              <a:t>30</a:t>
-            </a:fld>
-            <a:r>
-              <a:rPr lang="en-CA" dirty="0"/>
-              <a:t> </a:t>
-            </a:r>
-          </a:p>
-        </p:txBody>
-      </p:sp>
-      <p:sp>
-        <p:nvSpPr>
-          <p:cNvPr id="4" name="Content Placeholder 3">
-            <a:extLst>
-              <a:ext uri="{FF2B5EF4-FFF2-40B4-BE49-F238E27FC236}">
-                <a16:creationId xmlns:a16="http://schemas.microsoft.com/office/drawing/2014/main" id="{6D58AF24-6D41-4D72-AA4C-29F6B807A3E2}"/>
-              </a:ext>
-            </a:extLst>
-          </p:cNvPr>
-          <p:cNvSpPr>
-            <a:spLocks noGrp="1"/>
-          </p:cNvSpPr>
-          <p:nvPr>
-            <p:ph idx="1"/>
-          </p:nvPr>
-        </p:nvSpPr>
-        <p:spPr>
-          <a:xfrm>
-            <a:off x="640874" y="1168400"/>
-            <a:ext cx="10515600" cy="4896497"/>
-          </a:xfrm>
-        </p:spPr>
-        <p:txBody>
-          <a:bodyPr>
-            <a:normAutofit/>
-          </a:bodyPr>
-          <a:lstStyle/>
-          <a:p>
-            <a:pPr marL="0" marR="0" lvl="0" indent="0" algn="l" defTabSz="914400" rtl="0" eaLnBrk="0" fontAlgn="base" latinLnBrk="0" hangingPunct="0">
-              <a:lnSpc>
-                <a:spcPct val="90000"/>
-              </a:lnSpc>
-              <a:spcBef>
-                <a:spcPct val="20000"/>
-              </a:spcBef>
-              <a:spcAft>
-                <a:spcPct val="0"/>
-              </a:spcAft>
-              <a:buClrTx/>
-              <a:buSzTx/>
-              <a:buNone/>
-              <a:tabLst/>
-              <a:defRPr/>
-            </a:pPr>
-            <a:r>
-              <a:rPr lang="en-US" altLang="en-US" sz="2400" dirty="0">
-                <a:solidFill>
-                  <a:srgbClr val="000000"/>
-                </a:solidFill>
-                <a:latin typeface="Times New Roman"/>
-              </a:rPr>
-              <a:t> </a:t>
-            </a:r>
-            <a:endParaRPr kumimoji="0" lang="en-US" altLang="en-US" sz="2000" b="0" i="0" u="none" strike="noStrike" kern="1200" cap="none" spc="0" normalizeH="0" baseline="0" noProof="0" dirty="0">
-              <a:ln>
-                <a:noFill/>
-              </a:ln>
-              <a:solidFill>
-                <a:srgbClr val="000000"/>
-              </a:solidFill>
-              <a:effectLst/>
-              <a:uLnTx/>
-              <a:uFillTx/>
-              <a:latin typeface="Times New Roman"/>
-              <a:ea typeface="+mn-ea"/>
-              <a:cs typeface="+mn-cs"/>
-            </a:endParaRPr>
-          </a:p>
-        </p:txBody>
-      </p:sp>
-      <p:pic>
-        <p:nvPicPr>
-          <p:cNvPr id="7" name="Picture 5">
-            <a:extLst>
-              <a:ext uri="{FF2B5EF4-FFF2-40B4-BE49-F238E27FC236}">
-                <a16:creationId xmlns:a16="http://schemas.microsoft.com/office/drawing/2014/main" id="{EAD74F54-8E7F-4FC3-9A6F-1E21266A50C9}"/>
-              </a:ext>
-            </a:extLst>
-          </p:cNvPr>
-          <p:cNvPicPr>
-            <a:picLocks noChangeAspect="1" noChangeArrowheads="1"/>
-          </p:cNvPicPr>
-          <p:nvPr/>
-        </p:nvPicPr>
-        <p:blipFill>
-          <a:blip r:embed="rId2">
-            <a:extLst>
-              <a:ext uri="{28A0092B-C50C-407E-A947-70E740481C1C}">
-                <a14:useLocalDpi xmlns:a14="http://schemas.microsoft.com/office/drawing/2010/main" val="0"/>
-              </a:ext>
-            </a:extLst>
-          </a:blip>
-          <a:srcRect/>
-          <a:stretch>
-            <a:fillRect/>
-          </a:stretch>
-        </p:blipFill>
-        <p:spPr bwMode="auto">
-          <a:xfrm>
-            <a:off x="1580674" y="957780"/>
-            <a:ext cx="8636000" cy="4587875"/>
-          </a:xfrm>
-          <a:prstGeom prst="rect">
-            <a:avLst/>
-          </a:prstGeom>
-          <a:noFill/>
-          <a:extLst>
-            <a:ext uri="{909E8E84-426E-40DD-AFC4-6F175D3DCCD1}">
-              <a14:hiddenFill xmlns:a14="http://schemas.microsoft.com/office/drawing/2010/main">
-                <a:solidFill>
-                  <a:srgbClr val="FFFFFF"/>
-                </a:solidFill>
-              </a14:hiddenFill>
-            </a:ext>
-          </a:extLst>
-        </p:spPr>
-      </p:pic>
-    </p:spTree>
-    <p:extLst>
-      <p:ext uri="{BB962C8B-B14F-4D97-AF65-F5344CB8AC3E}">
-        <p14:creationId xmlns:p14="http://schemas.microsoft.com/office/powerpoint/2010/main" val="2374854773"/>
+        <p14:creationId xmlns:p14="http://schemas.microsoft.com/office/powerpoint/2010/main" xmlns="" val="2222666788"/>
       </p:ext>
     </p:extLst>
   </p:cSld>
@@ -17555,28 +16820,6 @@
       </p:sp>
       <p:sp>
         <p:nvSpPr>
-          <p:cNvPr id="6" name="Date Placeholder 5"/>
-          <p:cNvSpPr>
-            <a:spLocks noGrp="1"/>
-          </p:cNvSpPr>
-          <p:nvPr>
-            <p:ph type="dt" sz="half" idx="2"/>
-          </p:nvPr>
-        </p:nvSpPr>
-        <p:spPr/>
-        <p:txBody>
-          <a:bodyPr/>
-          <a:lstStyle/>
-          <a:p>
-            <a:r>
-              <a:rPr lang="en-CA" dirty="0"/>
-              <a:t>Winter 2022</a:t>
-            </a:r>
-          </a:p>
-        </p:txBody>
-      </p:sp>
-      <p:sp>
-        <p:nvSpPr>
           <p:cNvPr id="10" name="Footer Placeholder 9"/>
           <p:cNvSpPr>
             <a:spLocks noGrp="1"/>
@@ -17629,7 +16872,7 @@
           <p:cNvPr id="4" name="Content Placeholder 3">
             <a:extLst>
               <a:ext uri="{FF2B5EF4-FFF2-40B4-BE49-F238E27FC236}">
-                <a16:creationId xmlns:a16="http://schemas.microsoft.com/office/drawing/2014/main" id="{6D58AF24-6D41-4D72-AA4C-29F6B807A3E2}"/>
+                <a16:creationId xmlns:a16="http://schemas.microsoft.com/office/drawing/2014/main" xmlns="" id="{6D58AF24-6D41-4D72-AA4C-29F6B807A3E2}"/>
               </a:ext>
             </a:extLst>
           </p:cNvPr>
@@ -17687,7 +16930,7 @@
           <p:cNvPr id="7" name="Picture 4">
             <a:extLst>
               <a:ext uri="{FF2B5EF4-FFF2-40B4-BE49-F238E27FC236}">
-                <a16:creationId xmlns:a16="http://schemas.microsoft.com/office/drawing/2014/main" id="{7DB187BD-1F79-4109-9A01-ED436A149F4D}"/>
+                <a16:creationId xmlns:a16="http://schemas.microsoft.com/office/drawing/2014/main" xmlns="" id="{7DB187BD-1F79-4109-9A01-ED436A149F4D}"/>
               </a:ext>
             </a:extLst>
           </p:cNvPr>
@@ -17700,7 +16943,7 @@
           <a:blip r:embed="rId2">
             <a:extLst>
               <a:ext uri="{28A0092B-C50C-407E-A947-70E740481C1C}">
-                <a14:useLocalDpi xmlns:a14="http://schemas.microsoft.com/office/drawing/2010/main" val="0"/>
+                <a14:useLocalDpi xmlns:a14="http://schemas.microsoft.com/office/drawing/2010/main" xmlns="" val="0"/>
               </a:ext>
             </a:extLst>
           </a:blip>
@@ -17724,14 +16967,14 @@
           <a:effectLst/>
           <a:extLst>
             <a:ext uri="{909E8E84-426E-40DD-AFC4-6F175D3DCCD1}">
-              <a14:hiddenFill xmlns:a14="http://schemas.microsoft.com/office/drawing/2010/main">
+              <a14:hiddenFill xmlns:a14="http://schemas.microsoft.com/office/drawing/2010/main" xmlns="">
                 <a:solidFill>
                   <a:schemeClr val="accent1"/>
                 </a:solidFill>
               </a14:hiddenFill>
             </a:ext>
             <a:ext uri="{91240B29-F687-4F45-9708-019B960494DF}">
-              <a14:hiddenLine xmlns:a14="http://schemas.microsoft.com/office/drawing/2010/main" w="9525">
+              <a14:hiddenLine xmlns:a14="http://schemas.microsoft.com/office/drawing/2010/main" xmlns="" w="9525">
                 <a:solidFill>
                   <a:schemeClr val="tx1"/>
                 </a:solidFill>
@@ -17741,7 +16984,7 @@
               </a14:hiddenLine>
             </a:ext>
             <a:ext uri="{AF507438-7753-43E0-B8FC-AC1667EBCBE1}">
-              <a14:hiddenEffects xmlns:a14="http://schemas.microsoft.com/office/drawing/2010/main">
+              <a14:hiddenEffects xmlns:a14="http://schemas.microsoft.com/office/drawing/2010/main" xmlns="">
                 <a:effectLst>
                   <a:outerShdw dist="35921" dir="2700000" algn="ctr" rotWithShape="0">
                     <a:schemeClr val="bg2"/>
@@ -17755,7 +16998,7 @@
     </p:spTree>
     <p:extLst>
       <p:ext uri="{BB962C8B-B14F-4D97-AF65-F5344CB8AC3E}">
-        <p14:creationId xmlns:p14="http://schemas.microsoft.com/office/powerpoint/2010/main" val="703454163"/>
+        <p14:creationId xmlns:p14="http://schemas.microsoft.com/office/powerpoint/2010/main" xmlns="" val="703454163"/>
       </p:ext>
     </p:extLst>
   </p:cSld>
@@ -17807,28 +17050,6 @@
       </p:sp>
       <p:sp>
         <p:nvSpPr>
-          <p:cNvPr id="6" name="Date Placeholder 5"/>
-          <p:cNvSpPr>
-            <a:spLocks noGrp="1"/>
-          </p:cNvSpPr>
-          <p:nvPr>
-            <p:ph type="dt" sz="half" idx="2"/>
-          </p:nvPr>
-        </p:nvSpPr>
-        <p:spPr/>
-        <p:txBody>
-          <a:bodyPr/>
-          <a:lstStyle/>
-          <a:p>
-            <a:r>
-              <a:rPr lang="en-CA" dirty="0"/>
-              <a:t>Winter 2022</a:t>
-            </a:r>
-          </a:p>
-        </p:txBody>
-      </p:sp>
-      <p:sp>
-        <p:nvSpPr>
           <p:cNvPr id="10" name="Footer Placeholder 9"/>
           <p:cNvSpPr>
             <a:spLocks noGrp="1"/>
@@ -17881,7 +17102,7 @@
           <p:cNvPr id="4" name="Content Placeholder 3">
             <a:extLst>
               <a:ext uri="{FF2B5EF4-FFF2-40B4-BE49-F238E27FC236}">
-                <a16:creationId xmlns:a16="http://schemas.microsoft.com/office/drawing/2014/main" id="{6D58AF24-6D41-4D72-AA4C-29F6B807A3E2}"/>
+                <a16:creationId xmlns:a16="http://schemas.microsoft.com/office/drawing/2014/main" xmlns="" id="{6D58AF24-6D41-4D72-AA4C-29F6B807A3E2}"/>
               </a:ext>
             </a:extLst>
           </p:cNvPr>
@@ -17939,7 +17160,7 @@
           <p:cNvPr id="8" name="Picture 4">
             <a:extLst>
               <a:ext uri="{FF2B5EF4-FFF2-40B4-BE49-F238E27FC236}">
-                <a16:creationId xmlns:a16="http://schemas.microsoft.com/office/drawing/2014/main" id="{0F2CCF71-D7F4-4A42-905E-641EB01CAC0A}"/>
+                <a16:creationId xmlns:a16="http://schemas.microsoft.com/office/drawing/2014/main" xmlns="" id="{0F2CCF71-D7F4-4A42-905E-641EB01CAC0A}"/>
               </a:ext>
             </a:extLst>
           </p:cNvPr>
@@ -17952,7 +17173,7 @@
           <a:blip r:embed="rId2">
             <a:extLst>
               <a:ext uri="{28A0092B-C50C-407E-A947-70E740481C1C}">
-                <a14:useLocalDpi xmlns:a14="http://schemas.microsoft.com/office/drawing/2010/main" val="0"/>
+                <a14:useLocalDpi xmlns:a14="http://schemas.microsoft.com/office/drawing/2010/main" xmlns="" val="0"/>
               </a:ext>
             </a:extLst>
           </a:blip>
@@ -17976,14 +17197,14 @@
           <a:effectLst/>
           <a:extLst>
             <a:ext uri="{909E8E84-426E-40DD-AFC4-6F175D3DCCD1}">
-              <a14:hiddenFill xmlns:a14="http://schemas.microsoft.com/office/drawing/2010/main">
+              <a14:hiddenFill xmlns:a14="http://schemas.microsoft.com/office/drawing/2010/main" xmlns="">
                 <a:solidFill>
                   <a:schemeClr val="accent1"/>
                 </a:solidFill>
               </a14:hiddenFill>
             </a:ext>
             <a:ext uri="{91240B29-F687-4F45-9708-019B960494DF}">
-              <a14:hiddenLine xmlns:a14="http://schemas.microsoft.com/office/drawing/2010/main" w="9525">
+              <a14:hiddenLine xmlns:a14="http://schemas.microsoft.com/office/drawing/2010/main" xmlns="" w="9525">
                 <a:solidFill>
                   <a:schemeClr val="tx1"/>
                 </a:solidFill>
@@ -17993,7 +17214,7 @@
               </a14:hiddenLine>
             </a:ext>
             <a:ext uri="{AF507438-7753-43E0-B8FC-AC1667EBCBE1}">
-              <a14:hiddenEffects xmlns:a14="http://schemas.microsoft.com/office/drawing/2010/main">
+              <a14:hiddenEffects xmlns:a14="http://schemas.microsoft.com/office/drawing/2010/main" xmlns="">
                 <a:effectLst>
                   <a:outerShdw dist="35921" dir="2700000" algn="ctr" rotWithShape="0">
                     <a:schemeClr val="bg2"/>
@@ -18007,7 +17228,7 @@
     </p:spTree>
     <p:extLst>
       <p:ext uri="{BB962C8B-B14F-4D97-AF65-F5344CB8AC3E}">
-        <p14:creationId xmlns:p14="http://schemas.microsoft.com/office/powerpoint/2010/main" val="2675839442"/>
+        <p14:creationId xmlns:p14="http://schemas.microsoft.com/office/powerpoint/2010/main" xmlns="" val="2675839442"/>
       </p:ext>
     </p:extLst>
   </p:cSld>
@@ -18059,28 +17280,6 @@
       </p:sp>
       <p:sp>
         <p:nvSpPr>
-          <p:cNvPr id="6" name="Date Placeholder 5"/>
-          <p:cNvSpPr>
-            <a:spLocks noGrp="1"/>
-          </p:cNvSpPr>
-          <p:nvPr>
-            <p:ph type="dt" sz="half" idx="2"/>
-          </p:nvPr>
-        </p:nvSpPr>
-        <p:spPr/>
-        <p:txBody>
-          <a:bodyPr/>
-          <a:lstStyle/>
-          <a:p>
-            <a:r>
-              <a:rPr lang="en-CA" dirty="0"/>
-              <a:t>Winter 2022</a:t>
-            </a:r>
-          </a:p>
-        </p:txBody>
-      </p:sp>
-      <p:sp>
-        <p:nvSpPr>
           <p:cNvPr id="10" name="Footer Placeholder 9"/>
           <p:cNvSpPr>
             <a:spLocks noGrp="1"/>
@@ -18133,7 +17332,7 @@
           <p:cNvPr id="4" name="Content Placeholder 3">
             <a:extLst>
               <a:ext uri="{FF2B5EF4-FFF2-40B4-BE49-F238E27FC236}">
-                <a16:creationId xmlns:a16="http://schemas.microsoft.com/office/drawing/2014/main" id="{6D58AF24-6D41-4D72-AA4C-29F6B807A3E2}"/>
+                <a16:creationId xmlns:a16="http://schemas.microsoft.com/office/drawing/2014/main" xmlns="" id="{6D58AF24-6D41-4D72-AA4C-29F6B807A3E2}"/>
               </a:ext>
             </a:extLst>
           </p:cNvPr>
@@ -18287,7 +17486,7 @@
     </p:spTree>
     <p:extLst>
       <p:ext uri="{BB962C8B-B14F-4D97-AF65-F5344CB8AC3E}">
-        <p14:creationId xmlns:p14="http://schemas.microsoft.com/office/powerpoint/2010/main" val="3460400972"/>
+        <p14:creationId xmlns:p14="http://schemas.microsoft.com/office/powerpoint/2010/main" xmlns="" val="3460400972"/>
       </p:ext>
     </p:extLst>
   </p:cSld>
@@ -18339,28 +17538,6 @@
       </p:sp>
       <p:sp>
         <p:nvSpPr>
-          <p:cNvPr id="6" name="Date Placeholder 5"/>
-          <p:cNvSpPr>
-            <a:spLocks noGrp="1"/>
-          </p:cNvSpPr>
-          <p:nvPr>
-            <p:ph type="dt" sz="half" idx="2"/>
-          </p:nvPr>
-        </p:nvSpPr>
-        <p:spPr/>
-        <p:txBody>
-          <a:bodyPr/>
-          <a:lstStyle/>
-          <a:p>
-            <a:r>
-              <a:rPr lang="en-CA" dirty="0"/>
-              <a:t>Winter 2022</a:t>
-            </a:r>
-          </a:p>
-        </p:txBody>
-      </p:sp>
-      <p:sp>
-        <p:nvSpPr>
           <p:cNvPr id="10" name="Footer Placeholder 9"/>
           <p:cNvSpPr>
             <a:spLocks noGrp="1"/>
@@ -18413,7 +17590,7 @@
           <p:cNvPr id="4" name="Content Placeholder 3">
             <a:extLst>
               <a:ext uri="{FF2B5EF4-FFF2-40B4-BE49-F238E27FC236}">
-                <a16:creationId xmlns:a16="http://schemas.microsoft.com/office/drawing/2014/main" id="{6D58AF24-6D41-4D72-AA4C-29F6B807A3E2}"/>
+                <a16:creationId xmlns:a16="http://schemas.microsoft.com/office/drawing/2014/main" xmlns="" id="{6D58AF24-6D41-4D72-AA4C-29F6B807A3E2}"/>
               </a:ext>
             </a:extLst>
           </p:cNvPr>
@@ -18596,7 +17773,7 @@
     </p:spTree>
     <p:extLst>
       <p:ext uri="{BB962C8B-B14F-4D97-AF65-F5344CB8AC3E}">
-        <p14:creationId xmlns:p14="http://schemas.microsoft.com/office/powerpoint/2010/main" val="1636850534"/>
+        <p14:creationId xmlns:p14="http://schemas.microsoft.com/office/powerpoint/2010/main" xmlns="" val="1636850534"/>
       </p:ext>
     </p:extLst>
   </p:cSld>
@@ -18648,28 +17825,6 @@
       </p:sp>
       <p:sp>
         <p:nvSpPr>
-          <p:cNvPr id="6" name="Date Placeholder 5"/>
-          <p:cNvSpPr>
-            <a:spLocks noGrp="1"/>
-          </p:cNvSpPr>
-          <p:nvPr>
-            <p:ph type="dt" sz="half" idx="2"/>
-          </p:nvPr>
-        </p:nvSpPr>
-        <p:spPr/>
-        <p:txBody>
-          <a:bodyPr/>
-          <a:lstStyle/>
-          <a:p>
-            <a:r>
-              <a:rPr lang="en-CA" dirty="0"/>
-              <a:t>Winter 2022</a:t>
-            </a:r>
-          </a:p>
-        </p:txBody>
-      </p:sp>
-      <p:sp>
-        <p:nvSpPr>
           <p:cNvPr id="10" name="Footer Placeholder 9"/>
           <p:cNvSpPr>
             <a:spLocks noGrp="1"/>
@@ -18722,7 +17877,7 @@
           <p:cNvPr id="4" name="Content Placeholder 3">
             <a:extLst>
               <a:ext uri="{FF2B5EF4-FFF2-40B4-BE49-F238E27FC236}">
-                <a16:creationId xmlns:a16="http://schemas.microsoft.com/office/drawing/2014/main" id="{6D58AF24-6D41-4D72-AA4C-29F6B807A3E2}"/>
+                <a16:creationId xmlns:a16="http://schemas.microsoft.com/office/drawing/2014/main" xmlns="" id="{6D58AF24-6D41-4D72-AA4C-29F6B807A3E2}"/>
               </a:ext>
             </a:extLst>
           </p:cNvPr>
@@ -18856,7 +18011,7 @@
     </p:spTree>
     <p:extLst>
       <p:ext uri="{BB962C8B-B14F-4D97-AF65-F5344CB8AC3E}">
-        <p14:creationId xmlns:p14="http://schemas.microsoft.com/office/powerpoint/2010/main" val="216759728"/>
+        <p14:creationId xmlns:p14="http://schemas.microsoft.com/office/powerpoint/2010/main" xmlns="" val="216759728"/>
       </p:ext>
     </p:extLst>
   </p:cSld>
@@ -18908,28 +18063,6 @@
       </p:sp>
       <p:sp>
         <p:nvSpPr>
-          <p:cNvPr id="6" name="Date Placeholder 5"/>
-          <p:cNvSpPr>
-            <a:spLocks noGrp="1"/>
-          </p:cNvSpPr>
-          <p:nvPr>
-            <p:ph type="dt" sz="half" idx="2"/>
-          </p:nvPr>
-        </p:nvSpPr>
-        <p:spPr/>
-        <p:txBody>
-          <a:bodyPr/>
-          <a:lstStyle/>
-          <a:p>
-            <a:r>
-              <a:rPr lang="en-CA" dirty="0"/>
-              <a:t>Winter 2022</a:t>
-            </a:r>
-          </a:p>
-        </p:txBody>
-      </p:sp>
-      <p:sp>
-        <p:nvSpPr>
           <p:cNvPr id="10" name="Footer Placeholder 9"/>
           <p:cNvSpPr>
             <a:spLocks noGrp="1"/>
@@ -18982,7 +18115,7 @@
           <p:cNvPr id="4" name="Content Placeholder 3">
             <a:extLst>
               <a:ext uri="{FF2B5EF4-FFF2-40B4-BE49-F238E27FC236}">
-                <a16:creationId xmlns:a16="http://schemas.microsoft.com/office/drawing/2014/main" id="{6D58AF24-6D41-4D72-AA4C-29F6B807A3E2}"/>
+                <a16:creationId xmlns:a16="http://schemas.microsoft.com/office/drawing/2014/main" xmlns="" id="{6D58AF24-6D41-4D72-AA4C-29F6B807A3E2}"/>
               </a:ext>
             </a:extLst>
           </p:cNvPr>
@@ -19143,7 +18276,7 @@
     </p:spTree>
     <p:extLst>
       <p:ext uri="{BB962C8B-B14F-4D97-AF65-F5344CB8AC3E}">
-        <p14:creationId xmlns:p14="http://schemas.microsoft.com/office/powerpoint/2010/main" val="3902215602"/>
+        <p14:creationId xmlns:p14="http://schemas.microsoft.com/office/powerpoint/2010/main" xmlns="" val="3902215602"/>
       </p:ext>
     </p:extLst>
   </p:cSld>
@@ -19196,7 +18329,7 @@
     </a:clrScheme>
     <a:fontScheme name="Office">
       <a:majorFont>
-        <a:latin typeface="Calibri Light" panose="020F0302020204030204"/>
+        <a:latin typeface="Calibri Light"/>
         <a:ea typeface=""/>
         <a:cs typeface=""/>
         <a:font script="Jpan" typeface="游ゴシック Light"/>
@@ -19248,7 +18381,7 @@
         <a:font script="Tfng" typeface="Ebrima"/>
       </a:majorFont>
       <a:minorFont>
-        <a:latin typeface="Calibri" panose="020F0502020204030204"/>
+        <a:latin typeface="Calibri"/>
         <a:ea typeface=""/>
         <a:cs typeface=""/>
         <a:font script="Jpan" typeface="游ゴシック"/>
@@ -19442,7 +18575,7 @@
   <a:extraClrSchemeLst/>
   <a:extLst>
     <a:ext uri="{05A4C25C-085E-4340-85A3-A5531E510DB2}">
-      <thm15:themeFamily xmlns:thm15="http://schemas.microsoft.com/office/thememl/2012/main" name="eye_tracker_presentation" id="{00ED1D97-A04B-46A0-BB71-88655A6B057F}" vid="{F36189FA-3966-4852-951E-5734674D1C7B}"/>
+      <thm15:themeFamily xmlns:thm15="http://schemas.microsoft.com/office/thememl/2012/main" xmlns="" name="eye_tracker_presentation" id="{00ED1D97-A04B-46A0-BB71-88655A6B057F}" vid="{F36189FA-3966-4852-951E-5734674D1C7B}"/>
     </a:ext>
   </a:extLst>
 </a:theme>
@@ -19491,7 +18624,7 @@
     </a:clrScheme>
     <a:fontScheme name="Office">
       <a:majorFont>
-        <a:latin typeface="Calibri Light" panose="020F0302020204030204"/>
+        <a:latin typeface="Calibri Light"/>
         <a:ea typeface=""/>
         <a:cs typeface=""/>
         <a:font script="Jpan" typeface="游ゴシック Light"/>
@@ -19543,7 +18676,7 @@
         <a:font script="Tfng" typeface="Ebrima"/>
       </a:majorFont>
       <a:minorFont>
-        <a:latin typeface="Calibri" panose="020F0502020204030204"/>
+        <a:latin typeface="Calibri"/>
         <a:ea typeface=""/>
         <a:cs typeface=""/>
         <a:font script="Jpan" typeface="游ゴシック"/>
@@ -19737,7 +18870,7 @@
   <a:extraClrSchemeLst/>
   <a:extLst>
     <a:ext uri="{05A4C25C-085E-4340-85A3-A5531E510DB2}">
-      <thm15:themeFamily xmlns:thm15="http://schemas.microsoft.com/office/thememl/2012/main" name="Office Theme" id="{62F939B6-93AF-4DB8-9C6B-D6C7DFDC589F}" vid="{4A3C46E8-61CC-4603-A589-7422A47A8E4A}"/>
+      <thm15:themeFamily xmlns:thm15="http://schemas.microsoft.com/office/thememl/2012/main" xmlns="" name="Office Theme" id="{62F939B6-93AF-4DB8-9C6B-D6C7DFDC589F}" vid="{4A3C46E8-61CC-4603-A589-7422A47A8E4A}"/>
     </a:ext>
   </a:extLst>
 </a:theme>

--- a/bishops/cs321/resources/CS321_Lecture_17A.pptx
+++ b/bishops/cs321/resources/CS321_Lecture_17A.pptx
@@ -137,7 +137,7 @@
   </p:defaultTextStyle>
   <p:extLst>
     <p:ext uri="{EFAFB233-063F-42B5-8137-9DF3F51BA10A}">
-      <p15:sldGuideLst xmlns:p15="http://schemas.microsoft.com/office/powerpoint/2012/main" xmlns=""/>
+      <p15:sldGuideLst xmlns="" xmlns:p15="http://schemas.microsoft.com/office/powerpoint/2012/main"/>
     </p:ext>
   </p:extLst>
 </p:presentation>
@@ -148,7 +148,7 @@
   <p:cmAuthor id="1" name="Gregory" initials="G" lastIdx="1" clrIdx="0">
     <p:extLst>
       <p:ext uri="{19B8F6BF-5375-455C-9EA6-DF929625EA0E}">
-        <p15:presenceInfo xmlns:p15="http://schemas.microsoft.com/office/powerpoint/2012/main" xmlns="" userId="Gregory" providerId="None"/>
+        <p15:presenceInfo xmlns="" xmlns:p15="http://schemas.microsoft.com/office/powerpoint/2012/main" userId="Gregory" providerId="None"/>
       </p:ext>
     </p:extLst>
   </p:cmAuthor>
@@ -238,7 +238,7 @@
             <a:fld id="{A6583E9D-07AB-4C6D-BFD0-47E805C6B3D4}" type="datetimeFigureOut">
               <a:rPr lang="en-CA" smtClean="0"/>
               <a:pPr/>
-              <a:t>2024-03-08</a:t>
+              <a:t>2024-03-25</a:t>
             </a:fld>
             <a:endParaRPr lang="en-CA"/>
           </a:p>
@@ -407,7 +407,7 @@
     </p:spTree>
     <p:extLst>
       <p:ext uri="{BB962C8B-B14F-4D97-AF65-F5344CB8AC3E}">
-        <p14:creationId xmlns:p14="http://schemas.microsoft.com/office/powerpoint/2010/main" xmlns="" val="4237529172"/>
+        <p14:creationId xmlns="" xmlns:p14="http://schemas.microsoft.com/office/powerpoint/2010/main" val="4237529172"/>
       </p:ext>
     </p:extLst>
   </p:cSld>
@@ -582,7 +582,7 @@
     </p:spTree>
     <p:extLst>
       <p:ext uri="{BB962C8B-B14F-4D97-AF65-F5344CB8AC3E}">
-        <p14:creationId xmlns:p14="http://schemas.microsoft.com/office/powerpoint/2010/main" xmlns="" val="2340334442"/>
+        <p14:creationId xmlns="" xmlns:p14="http://schemas.microsoft.com/office/powerpoint/2010/main" val="2340334442"/>
       </p:ext>
     </p:extLst>
   </p:cSld>
@@ -786,7 +786,7 @@
     </p:spTree>
     <p:extLst>
       <p:ext uri="{BB962C8B-B14F-4D97-AF65-F5344CB8AC3E}">
-        <p14:creationId xmlns:p14="http://schemas.microsoft.com/office/powerpoint/2010/main" xmlns="" val="1900560834"/>
+        <p14:creationId xmlns="" xmlns:p14="http://schemas.microsoft.com/office/powerpoint/2010/main" val="1900560834"/>
       </p:ext>
     </p:extLst>
   </p:cSld>
@@ -960,7 +960,7 @@
     </p:spTree>
     <p:extLst>
       <p:ext uri="{BB962C8B-B14F-4D97-AF65-F5344CB8AC3E}">
-        <p14:creationId xmlns:p14="http://schemas.microsoft.com/office/powerpoint/2010/main" xmlns="" val="3722958745"/>
+        <p14:creationId xmlns="" xmlns:p14="http://schemas.microsoft.com/office/powerpoint/2010/main" val="3722958745"/>
       </p:ext>
     </p:extLst>
   </p:cSld>
@@ -1196,7 +1196,7 @@
     </p:spTree>
     <p:extLst>
       <p:ext uri="{BB962C8B-B14F-4D97-AF65-F5344CB8AC3E}">
-        <p14:creationId xmlns:p14="http://schemas.microsoft.com/office/powerpoint/2010/main" xmlns="" val="1822376042"/>
+        <p14:creationId xmlns="" xmlns:p14="http://schemas.microsoft.com/office/powerpoint/2010/main" val="1822376042"/>
       </p:ext>
     </p:extLst>
   </p:cSld>
@@ -1446,7 +1446,7 @@
     </p:spTree>
     <p:extLst>
       <p:ext uri="{BB962C8B-B14F-4D97-AF65-F5344CB8AC3E}">
-        <p14:creationId xmlns:p14="http://schemas.microsoft.com/office/powerpoint/2010/main" xmlns="" val="3411672561"/>
+        <p14:creationId xmlns="" xmlns:p14="http://schemas.microsoft.com/office/powerpoint/2010/main" val="3411672561"/>
       </p:ext>
     </p:extLst>
   </p:cSld>
@@ -1682,7 +1682,7 @@
     </p:spTree>
     <p:extLst>
       <p:ext uri="{BB962C8B-B14F-4D97-AF65-F5344CB8AC3E}">
-        <p14:creationId xmlns:p14="http://schemas.microsoft.com/office/powerpoint/2010/main" xmlns="" val="1093008526"/>
+        <p14:creationId xmlns="" xmlns:p14="http://schemas.microsoft.com/office/powerpoint/2010/main" val="1093008526"/>
       </p:ext>
     </p:extLst>
   </p:cSld>
@@ -2053,7 +2053,7 @@
     </p:spTree>
     <p:extLst>
       <p:ext uri="{BB962C8B-B14F-4D97-AF65-F5344CB8AC3E}">
-        <p14:creationId xmlns:p14="http://schemas.microsoft.com/office/powerpoint/2010/main" xmlns="" val="1087924878"/>
+        <p14:creationId xmlns="" xmlns:p14="http://schemas.microsoft.com/office/powerpoint/2010/main" val="1087924878"/>
       </p:ext>
     </p:extLst>
   </p:cSld>
@@ -2175,7 +2175,7 @@
     </p:spTree>
     <p:extLst>
       <p:ext uri="{BB962C8B-B14F-4D97-AF65-F5344CB8AC3E}">
-        <p14:creationId xmlns:p14="http://schemas.microsoft.com/office/powerpoint/2010/main" xmlns="" val="3802387408"/>
+        <p14:creationId xmlns="" xmlns:p14="http://schemas.microsoft.com/office/powerpoint/2010/main" val="3802387408"/>
       </p:ext>
     </p:extLst>
   </p:cSld>
@@ -2274,7 +2274,7 @@
     </p:spTree>
     <p:extLst>
       <p:ext uri="{BB962C8B-B14F-4D97-AF65-F5344CB8AC3E}">
-        <p14:creationId xmlns:p14="http://schemas.microsoft.com/office/powerpoint/2010/main" xmlns="" val="4234091411"/>
+        <p14:creationId xmlns="" xmlns:p14="http://schemas.microsoft.com/office/powerpoint/2010/main" val="4234091411"/>
       </p:ext>
     </p:extLst>
   </p:cSld>
@@ -2555,7 +2555,7 @@
     </p:spTree>
     <p:extLst>
       <p:ext uri="{BB962C8B-B14F-4D97-AF65-F5344CB8AC3E}">
-        <p14:creationId xmlns:p14="http://schemas.microsoft.com/office/powerpoint/2010/main" xmlns="" val="4189422420"/>
+        <p14:creationId xmlns="" xmlns:p14="http://schemas.microsoft.com/office/powerpoint/2010/main" val="4189422420"/>
       </p:ext>
     </p:extLst>
   </p:cSld>
@@ -2812,7 +2812,7 @@
     </p:spTree>
     <p:extLst>
       <p:ext uri="{BB962C8B-B14F-4D97-AF65-F5344CB8AC3E}">
-        <p14:creationId xmlns:p14="http://schemas.microsoft.com/office/powerpoint/2010/main" xmlns="" val="3252977898"/>
+        <p14:creationId xmlns="" xmlns:p14="http://schemas.microsoft.com/office/powerpoint/2010/main" val="3252977898"/>
       </p:ext>
     </p:extLst>
   </p:cSld>
@@ -3081,7 +3081,7 @@
           <a:blip r:embed="rId13" cstate="print">
             <a:extLst>
               <a:ext uri="{28A0092B-C50C-407E-A947-70E740481C1C}">
-                <a14:useLocalDpi xmlns:a14="http://schemas.microsoft.com/office/drawing/2010/main" xmlns="" val="0"/>
+                <a14:useLocalDpi xmlns="" xmlns:a14="http://schemas.microsoft.com/office/drawing/2010/main" val="0"/>
               </a:ext>
             </a:extLst>
           </a:blip>
@@ -3102,7 +3102,7 @@
     </p:spTree>
     <p:extLst>
       <p:ext uri="{BB962C8B-B14F-4D97-AF65-F5344CB8AC3E}">
-        <p14:creationId xmlns:p14="http://schemas.microsoft.com/office/powerpoint/2010/main" xmlns="" val="4230061028"/>
+        <p14:creationId xmlns="" xmlns:p14="http://schemas.microsoft.com/office/powerpoint/2010/main" val="4230061028"/>
       </p:ext>
     </p:extLst>
   </p:cSld>
@@ -3545,7 +3545,7 @@
           <p:cNvPr id="13" name="Picture 8" descr="http://osiris.ubishops.ca/~alussier/images/transparentlogo_bu.png">
             <a:extLst>
               <a:ext uri="{FF2B5EF4-FFF2-40B4-BE49-F238E27FC236}">
-                <a16:creationId xmlns:a16="http://schemas.microsoft.com/office/drawing/2014/main" xmlns="" id="{CCB9A035-2F1C-4B96-A5DB-70B72D6E4AD8}"/>
+                <a16:creationId xmlns="" xmlns:a16="http://schemas.microsoft.com/office/drawing/2014/main" id="{CCB9A035-2F1C-4B96-A5DB-70B72D6E4AD8}"/>
               </a:ext>
             </a:extLst>
           </p:cNvPr>
@@ -3558,7 +3558,7 @@
           <a:blip r:embed="rId3" cstate="print">
             <a:extLst>
               <a:ext uri="{28A0092B-C50C-407E-A947-70E740481C1C}">
-                <a14:useLocalDpi xmlns:a14="http://schemas.microsoft.com/office/drawing/2010/main" xmlns="" val="0"/>
+                <a14:useLocalDpi xmlns="" xmlns:a14="http://schemas.microsoft.com/office/drawing/2010/main" val="0"/>
               </a:ext>
             </a:extLst>
           </a:blip>
@@ -3578,7 +3578,7 @@
           <a:noFill/>
           <a:extLst>
             <a:ext uri="{909E8E84-426E-40DD-AFC4-6F175D3DCCD1}">
-              <a14:hiddenFill xmlns:a14="http://schemas.microsoft.com/office/drawing/2010/main" xmlns="">
+              <a14:hiddenFill xmlns="" xmlns:a14="http://schemas.microsoft.com/office/drawing/2010/main">
                 <a:solidFill>
                   <a:srgbClr val="FFFFFF"/>
                 </a:solidFill>
@@ -3590,7 +3590,7 @@
     </p:spTree>
     <p:extLst>
       <p:ext uri="{BB962C8B-B14F-4D97-AF65-F5344CB8AC3E}">
-        <p14:creationId xmlns:p14="http://schemas.microsoft.com/office/powerpoint/2010/main" xmlns="" val="4177077622"/>
+        <p14:creationId xmlns="" xmlns:p14="http://schemas.microsoft.com/office/powerpoint/2010/main" val="4177077622"/>
       </p:ext>
     </p:extLst>
   </p:cSld>
@@ -3701,7 +3701,7 @@
           <p:cNvPr id="4" name="Content Placeholder 3">
             <a:extLst>
               <a:ext uri="{FF2B5EF4-FFF2-40B4-BE49-F238E27FC236}">
-                <a16:creationId xmlns:a16="http://schemas.microsoft.com/office/drawing/2014/main" xmlns="" id="{6D58AF24-6D41-4D72-AA4C-29F6B807A3E2}"/>
+                <a16:creationId xmlns="" xmlns:a16="http://schemas.microsoft.com/office/drawing/2014/main" id="{6D58AF24-6D41-4D72-AA4C-29F6B807A3E2}"/>
               </a:ext>
             </a:extLst>
           </p:cNvPr>
@@ -3848,7 +3848,7 @@
     </p:spTree>
     <p:extLst>
       <p:ext uri="{BB962C8B-B14F-4D97-AF65-F5344CB8AC3E}">
-        <p14:creationId xmlns:p14="http://schemas.microsoft.com/office/powerpoint/2010/main" xmlns="" val="843570382"/>
+        <p14:creationId xmlns="" xmlns:p14="http://schemas.microsoft.com/office/powerpoint/2010/main" val="843570382"/>
       </p:ext>
     </p:extLst>
   </p:cSld>
@@ -3959,7 +3959,7 @@
           <p:cNvPr id="4" name="Content Placeholder 3">
             <a:extLst>
               <a:ext uri="{FF2B5EF4-FFF2-40B4-BE49-F238E27FC236}">
-                <a16:creationId xmlns:a16="http://schemas.microsoft.com/office/drawing/2014/main" xmlns="" id="{6D58AF24-6D41-4D72-AA4C-29F6B807A3E2}"/>
+                <a16:creationId xmlns="" xmlns:a16="http://schemas.microsoft.com/office/drawing/2014/main" id="{6D58AF24-6D41-4D72-AA4C-29F6B807A3E2}"/>
               </a:ext>
             </a:extLst>
           </p:cNvPr>
@@ -4015,7 +4015,7 @@
     </p:spTree>
     <p:extLst>
       <p:ext uri="{BB962C8B-B14F-4D97-AF65-F5344CB8AC3E}">
-        <p14:creationId xmlns:p14="http://schemas.microsoft.com/office/powerpoint/2010/main" xmlns="" val="2848113427"/>
+        <p14:creationId xmlns="" xmlns:p14="http://schemas.microsoft.com/office/powerpoint/2010/main" val="2848113427"/>
       </p:ext>
     </p:extLst>
   </p:cSld>
@@ -4126,7 +4126,7 @@
           <p:cNvPr id="4" name="Content Placeholder 3">
             <a:extLst>
               <a:ext uri="{FF2B5EF4-FFF2-40B4-BE49-F238E27FC236}">
-                <a16:creationId xmlns:a16="http://schemas.microsoft.com/office/drawing/2014/main" xmlns="" id="{6D58AF24-6D41-4D72-AA4C-29F6B807A3E2}"/>
+                <a16:creationId xmlns="" xmlns:a16="http://schemas.microsoft.com/office/drawing/2014/main" id="{6D58AF24-6D41-4D72-AA4C-29F6B807A3E2}"/>
               </a:ext>
             </a:extLst>
           </p:cNvPr>
@@ -4304,7 +4304,7 @@
     </p:spTree>
     <p:extLst>
       <p:ext uri="{BB962C8B-B14F-4D97-AF65-F5344CB8AC3E}">
-        <p14:creationId xmlns:p14="http://schemas.microsoft.com/office/powerpoint/2010/main" xmlns="" val="2974320143"/>
+        <p14:creationId xmlns="" xmlns:p14="http://schemas.microsoft.com/office/powerpoint/2010/main" val="2974320143"/>
       </p:ext>
     </p:extLst>
   </p:cSld>
@@ -4415,7 +4415,7 @@
           <p:cNvPr id="4" name="Content Placeholder 3">
             <a:extLst>
               <a:ext uri="{FF2B5EF4-FFF2-40B4-BE49-F238E27FC236}">
-                <a16:creationId xmlns:a16="http://schemas.microsoft.com/office/drawing/2014/main" xmlns="" id="{6D58AF24-6D41-4D72-AA4C-29F6B807A3E2}"/>
+                <a16:creationId xmlns="" xmlns:a16="http://schemas.microsoft.com/office/drawing/2014/main" id="{6D58AF24-6D41-4D72-AA4C-29F6B807A3E2}"/>
               </a:ext>
             </a:extLst>
           </p:cNvPr>
@@ -4495,7 +4495,7 @@
           <p:cNvPr id="7" name="Text Box 4">
             <a:extLst>
               <a:ext uri="{FF2B5EF4-FFF2-40B4-BE49-F238E27FC236}">
-                <a16:creationId xmlns:a16="http://schemas.microsoft.com/office/drawing/2014/main" xmlns="" id="{FB612850-EFC5-4E8D-BD95-417B9D3FF649}"/>
+                <a16:creationId xmlns="" xmlns:a16="http://schemas.microsoft.com/office/drawing/2014/main" id="{FB612850-EFC5-4E8D-BD95-417B9D3FF649}"/>
               </a:ext>
             </a:extLst>
           </p:cNvPr>
@@ -4519,14 +4519,14 @@
           <a:effectLst/>
           <a:extLst>
             <a:ext uri="{909E8E84-426E-40DD-AFC4-6F175D3DCCD1}">
-              <a14:hiddenFill xmlns:a14="http://schemas.microsoft.com/office/drawing/2010/main" xmlns="">
+              <a14:hiddenFill xmlns="" xmlns:a14="http://schemas.microsoft.com/office/drawing/2010/main">
                 <a:solidFill>
                   <a:schemeClr val="accent1"/>
                 </a:solidFill>
               </a14:hiddenFill>
             </a:ext>
             <a:ext uri="{91240B29-F687-4F45-9708-019B960494DF}">
-              <a14:hiddenLine xmlns:a14="http://schemas.microsoft.com/office/drawing/2010/main" xmlns="" w="9525">
+              <a14:hiddenLine xmlns="" xmlns:a14="http://schemas.microsoft.com/office/drawing/2010/main" w="9525">
                 <a:solidFill>
                   <a:schemeClr val="tx1"/>
                 </a:solidFill>
@@ -4536,7 +4536,7 @@
               </a14:hiddenLine>
             </a:ext>
             <a:ext uri="{AF507438-7753-43E0-B8FC-AC1667EBCBE1}">
-              <a14:hiddenEffects xmlns:a14="http://schemas.microsoft.com/office/drawing/2010/main" xmlns="">
+              <a14:hiddenEffects xmlns="" xmlns:a14="http://schemas.microsoft.com/office/drawing/2010/main">
                 <a:effectLst>
                   <a:outerShdw dist="35921" dir="2700000" algn="ctr" rotWithShape="0">
                     <a:schemeClr val="bg2"/>
@@ -4622,7 +4622,7 @@
           <p:cNvPr id="8" name="Text Box 5">
             <a:extLst>
               <a:ext uri="{FF2B5EF4-FFF2-40B4-BE49-F238E27FC236}">
-                <a16:creationId xmlns:a16="http://schemas.microsoft.com/office/drawing/2014/main" xmlns="" id="{316FD862-A251-489A-8126-2F56841A5D37}"/>
+                <a16:creationId xmlns="" xmlns:a16="http://schemas.microsoft.com/office/drawing/2014/main" id="{316FD862-A251-489A-8126-2F56841A5D37}"/>
               </a:ext>
             </a:extLst>
           </p:cNvPr>
@@ -4646,14 +4646,14 @@
           <a:effectLst/>
           <a:extLst>
             <a:ext uri="{909E8E84-426E-40DD-AFC4-6F175D3DCCD1}">
-              <a14:hiddenFill xmlns:a14="http://schemas.microsoft.com/office/drawing/2010/main" xmlns="">
+              <a14:hiddenFill xmlns="" xmlns:a14="http://schemas.microsoft.com/office/drawing/2010/main">
                 <a:solidFill>
                   <a:schemeClr val="accent1"/>
                 </a:solidFill>
               </a14:hiddenFill>
             </a:ext>
             <a:ext uri="{91240B29-F687-4F45-9708-019B960494DF}">
-              <a14:hiddenLine xmlns:a14="http://schemas.microsoft.com/office/drawing/2010/main" xmlns="" w="9525">
+              <a14:hiddenLine xmlns="" xmlns:a14="http://schemas.microsoft.com/office/drawing/2010/main" w="9525">
                 <a:solidFill>
                   <a:schemeClr val="tx1"/>
                 </a:solidFill>
@@ -4663,7 +4663,7 @@
               </a14:hiddenLine>
             </a:ext>
             <a:ext uri="{AF507438-7753-43E0-B8FC-AC1667EBCBE1}">
-              <a14:hiddenEffects xmlns:a14="http://schemas.microsoft.com/office/drawing/2010/main" xmlns="">
+              <a14:hiddenEffects xmlns="" xmlns:a14="http://schemas.microsoft.com/office/drawing/2010/main">
                 <a:effectLst>
                   <a:outerShdw dist="35921" dir="2700000" algn="ctr" rotWithShape="0">
                     <a:schemeClr val="bg2"/>
@@ -4705,7 +4705,7 @@
           <p:cNvPr id="9" name="Text Box 6">
             <a:extLst>
               <a:ext uri="{FF2B5EF4-FFF2-40B4-BE49-F238E27FC236}">
-                <a16:creationId xmlns:a16="http://schemas.microsoft.com/office/drawing/2014/main" xmlns="" id="{B2143AE2-91D3-4338-9A78-3D3507C38C82}"/>
+                <a16:creationId xmlns="" xmlns:a16="http://schemas.microsoft.com/office/drawing/2014/main" id="{B2143AE2-91D3-4338-9A78-3D3507C38C82}"/>
               </a:ext>
             </a:extLst>
           </p:cNvPr>
@@ -4729,14 +4729,14 @@
           <a:effectLst/>
           <a:extLst>
             <a:ext uri="{909E8E84-426E-40DD-AFC4-6F175D3DCCD1}">
-              <a14:hiddenFill xmlns:a14="http://schemas.microsoft.com/office/drawing/2010/main" xmlns="">
+              <a14:hiddenFill xmlns="" xmlns:a14="http://schemas.microsoft.com/office/drawing/2010/main">
                 <a:solidFill>
                   <a:schemeClr val="accent1"/>
                 </a:solidFill>
               </a14:hiddenFill>
             </a:ext>
             <a:ext uri="{91240B29-F687-4F45-9708-019B960494DF}">
-              <a14:hiddenLine xmlns:a14="http://schemas.microsoft.com/office/drawing/2010/main" xmlns="" w="9525">
+              <a14:hiddenLine xmlns="" xmlns:a14="http://schemas.microsoft.com/office/drawing/2010/main" w="9525">
                 <a:solidFill>
                   <a:schemeClr val="tx1"/>
                 </a:solidFill>
@@ -4746,7 +4746,7 @@
               </a14:hiddenLine>
             </a:ext>
             <a:ext uri="{AF507438-7753-43E0-B8FC-AC1667EBCBE1}">
-              <a14:hiddenEffects xmlns:a14="http://schemas.microsoft.com/office/drawing/2010/main" xmlns="">
+              <a14:hiddenEffects xmlns="" xmlns:a14="http://schemas.microsoft.com/office/drawing/2010/main">
                 <a:effectLst>
                   <a:outerShdw dist="35921" dir="2700000" algn="ctr" rotWithShape="0">
                     <a:schemeClr val="bg2"/>
@@ -4794,7 +4794,7 @@
     </p:spTree>
     <p:extLst>
       <p:ext uri="{BB962C8B-B14F-4D97-AF65-F5344CB8AC3E}">
-        <p14:creationId xmlns:p14="http://schemas.microsoft.com/office/powerpoint/2010/main" xmlns="" val="1454823035"/>
+        <p14:creationId xmlns="" xmlns:p14="http://schemas.microsoft.com/office/powerpoint/2010/main" val="1454823035"/>
       </p:ext>
     </p:extLst>
   </p:cSld>
@@ -4905,7 +4905,7 @@
           <p:cNvPr id="4" name="Content Placeholder 3">
             <a:extLst>
               <a:ext uri="{FF2B5EF4-FFF2-40B4-BE49-F238E27FC236}">
-                <a16:creationId xmlns:a16="http://schemas.microsoft.com/office/drawing/2014/main" xmlns="" id="{6D58AF24-6D41-4D72-AA4C-29F6B807A3E2}"/>
+                <a16:creationId xmlns="" xmlns:a16="http://schemas.microsoft.com/office/drawing/2014/main" id="{6D58AF24-6D41-4D72-AA4C-29F6B807A3E2}"/>
               </a:ext>
             </a:extLst>
           </p:cNvPr>
@@ -5976,7 +5976,7 @@
     </p:spTree>
     <p:extLst>
       <p:ext uri="{BB962C8B-B14F-4D97-AF65-F5344CB8AC3E}">
-        <p14:creationId xmlns:p14="http://schemas.microsoft.com/office/powerpoint/2010/main" xmlns="" val="660030693"/>
+        <p14:creationId xmlns="" xmlns:p14="http://schemas.microsoft.com/office/powerpoint/2010/main" val="660030693"/>
       </p:ext>
     </p:extLst>
   </p:cSld>
@@ -6087,7 +6087,7 @@
           <p:cNvPr id="4" name="Content Placeholder 3">
             <a:extLst>
               <a:ext uri="{FF2B5EF4-FFF2-40B4-BE49-F238E27FC236}">
-                <a16:creationId xmlns:a16="http://schemas.microsoft.com/office/drawing/2014/main" xmlns="" id="{6D58AF24-6D41-4D72-AA4C-29F6B807A3E2}"/>
+                <a16:creationId xmlns="" xmlns:a16="http://schemas.microsoft.com/office/drawing/2014/main" id="{6D58AF24-6D41-4D72-AA4C-29F6B807A3E2}"/>
               </a:ext>
             </a:extLst>
           </p:cNvPr>
@@ -7631,7 +7631,7 @@
     </p:spTree>
     <p:extLst>
       <p:ext uri="{BB962C8B-B14F-4D97-AF65-F5344CB8AC3E}">
-        <p14:creationId xmlns:p14="http://schemas.microsoft.com/office/powerpoint/2010/main" xmlns="" val="2226569919"/>
+        <p14:creationId xmlns="" xmlns:p14="http://schemas.microsoft.com/office/powerpoint/2010/main" val="2226569919"/>
       </p:ext>
     </p:extLst>
   </p:cSld>
@@ -7750,7 +7750,7 @@
           <p:cNvPr id="4" name="Content Placeholder 3">
             <a:extLst>
               <a:ext uri="{FF2B5EF4-FFF2-40B4-BE49-F238E27FC236}">
-                <a16:creationId xmlns:a16="http://schemas.microsoft.com/office/drawing/2014/main" xmlns="" id="{6D58AF24-6D41-4D72-AA4C-29F6B807A3E2}"/>
+                <a16:creationId xmlns="" xmlns:a16="http://schemas.microsoft.com/office/drawing/2014/main" id="{6D58AF24-6D41-4D72-AA4C-29F6B807A3E2}"/>
               </a:ext>
             </a:extLst>
           </p:cNvPr>
@@ -8288,7 +8288,7 @@
     </p:spTree>
     <p:extLst>
       <p:ext uri="{BB962C8B-B14F-4D97-AF65-F5344CB8AC3E}">
-        <p14:creationId xmlns:p14="http://schemas.microsoft.com/office/powerpoint/2010/main" xmlns="" val="3364951738"/>
+        <p14:creationId xmlns="" xmlns:p14="http://schemas.microsoft.com/office/powerpoint/2010/main" val="3364951738"/>
       </p:ext>
     </p:extLst>
   </p:cSld>
@@ -8407,7 +8407,7 @@
           <p:cNvPr id="4" name="Content Placeholder 3">
             <a:extLst>
               <a:ext uri="{FF2B5EF4-FFF2-40B4-BE49-F238E27FC236}">
-                <a16:creationId xmlns:a16="http://schemas.microsoft.com/office/drawing/2014/main" xmlns="" id="{6D58AF24-6D41-4D72-AA4C-29F6B807A3E2}"/>
+                <a16:creationId xmlns="" xmlns:a16="http://schemas.microsoft.com/office/drawing/2014/main" id="{6D58AF24-6D41-4D72-AA4C-29F6B807A3E2}"/>
               </a:ext>
             </a:extLst>
           </p:cNvPr>
@@ -9100,7 +9100,7 @@
     </p:spTree>
     <p:extLst>
       <p:ext uri="{BB962C8B-B14F-4D97-AF65-F5344CB8AC3E}">
-        <p14:creationId xmlns:p14="http://schemas.microsoft.com/office/powerpoint/2010/main" xmlns="" val="3150500412"/>
+        <p14:creationId xmlns="" xmlns:p14="http://schemas.microsoft.com/office/powerpoint/2010/main" val="3150500412"/>
       </p:ext>
     </p:extLst>
   </p:cSld>
@@ -9219,7 +9219,7 @@
           <p:cNvPr id="4" name="Content Placeholder 3">
             <a:extLst>
               <a:ext uri="{FF2B5EF4-FFF2-40B4-BE49-F238E27FC236}">
-                <a16:creationId xmlns:a16="http://schemas.microsoft.com/office/drawing/2014/main" xmlns="" id="{6D58AF24-6D41-4D72-AA4C-29F6B807A3E2}"/>
+                <a16:creationId xmlns="" xmlns:a16="http://schemas.microsoft.com/office/drawing/2014/main" id="{6D58AF24-6D41-4D72-AA4C-29F6B807A3E2}"/>
               </a:ext>
             </a:extLst>
           </p:cNvPr>
@@ -10471,7 +10471,7 @@
     </p:spTree>
     <p:extLst>
       <p:ext uri="{BB962C8B-B14F-4D97-AF65-F5344CB8AC3E}">
-        <p14:creationId xmlns:p14="http://schemas.microsoft.com/office/powerpoint/2010/main" xmlns="" val="1706189841"/>
+        <p14:creationId xmlns="" xmlns:p14="http://schemas.microsoft.com/office/powerpoint/2010/main" val="1706189841"/>
       </p:ext>
     </p:extLst>
   </p:cSld>
@@ -10590,7 +10590,7 @@
           <p:cNvPr id="4" name="Content Placeholder 3">
             <a:extLst>
               <a:ext uri="{FF2B5EF4-FFF2-40B4-BE49-F238E27FC236}">
-                <a16:creationId xmlns:a16="http://schemas.microsoft.com/office/drawing/2014/main" xmlns="" id="{6D58AF24-6D41-4D72-AA4C-29F6B807A3E2}"/>
+                <a16:creationId xmlns="" xmlns:a16="http://schemas.microsoft.com/office/drawing/2014/main" id="{6D58AF24-6D41-4D72-AA4C-29F6B807A3E2}"/>
               </a:ext>
             </a:extLst>
           </p:cNvPr>
@@ -10860,7 +10860,7 @@
     </p:spTree>
     <p:extLst>
       <p:ext uri="{BB962C8B-B14F-4D97-AF65-F5344CB8AC3E}">
-        <p14:creationId xmlns:p14="http://schemas.microsoft.com/office/powerpoint/2010/main" xmlns="" val="924654735"/>
+        <p14:creationId xmlns="" xmlns:p14="http://schemas.microsoft.com/office/powerpoint/2010/main" val="924654735"/>
       </p:ext>
     </p:extLst>
   </p:cSld>
@@ -10964,7 +10964,7 @@
           <p:cNvPr id="4" name="Content Placeholder 3">
             <a:extLst>
               <a:ext uri="{FF2B5EF4-FFF2-40B4-BE49-F238E27FC236}">
-                <a16:creationId xmlns:a16="http://schemas.microsoft.com/office/drawing/2014/main" xmlns="" id="{6D58AF24-6D41-4D72-AA4C-29F6B807A3E2}"/>
+                <a16:creationId xmlns="" xmlns:a16="http://schemas.microsoft.com/office/drawing/2014/main" id="{6D58AF24-6D41-4D72-AA4C-29F6B807A3E2}"/>
               </a:ext>
             </a:extLst>
           </p:cNvPr>
@@ -11059,7 +11059,7 @@
     </p:spTree>
     <p:extLst>
       <p:ext uri="{BB962C8B-B14F-4D97-AF65-F5344CB8AC3E}">
-        <p14:creationId xmlns:p14="http://schemas.microsoft.com/office/powerpoint/2010/main" xmlns="" val="1563300936"/>
+        <p14:creationId xmlns="" xmlns:p14="http://schemas.microsoft.com/office/powerpoint/2010/main" val="1563300936"/>
       </p:ext>
     </p:extLst>
   </p:cSld>
@@ -11172,7 +11172,7 @@
           <p:cNvPr id="4" name="Content Placeholder 3">
             <a:extLst>
               <a:ext uri="{FF2B5EF4-FFF2-40B4-BE49-F238E27FC236}">
-                <a16:creationId xmlns:a16="http://schemas.microsoft.com/office/drawing/2014/main" xmlns="" id="{6D58AF24-6D41-4D72-AA4C-29F6B807A3E2}"/>
+                <a16:creationId xmlns="" xmlns:a16="http://schemas.microsoft.com/office/drawing/2014/main" id="{6D58AF24-6D41-4D72-AA4C-29F6B807A3E2}"/>
               </a:ext>
             </a:extLst>
           </p:cNvPr>
@@ -11236,7 +11236,7 @@
           <p:cNvPr id="31" name="Rectangle 3">
             <a:extLst>
               <a:ext uri="{FF2B5EF4-FFF2-40B4-BE49-F238E27FC236}">
-                <a16:creationId xmlns:a16="http://schemas.microsoft.com/office/drawing/2014/main" xmlns="" id="{10339295-1478-4A3D-81E7-C691A849D519}"/>
+                <a16:creationId xmlns="" xmlns:a16="http://schemas.microsoft.com/office/drawing/2014/main" id="{10339295-1478-4A3D-81E7-C691A849D519}"/>
               </a:ext>
             </a:extLst>
           </p:cNvPr>
@@ -11267,7 +11267,7 @@
           <a:effectLst/>
           <a:extLst>
             <a:ext uri="{AF507438-7753-43E0-B8FC-AC1667EBCBE1}">
-              <a14:hiddenEffects xmlns:a14="http://schemas.microsoft.com/office/drawing/2010/main" xmlns="">
+              <a14:hiddenEffects xmlns="" xmlns:a14="http://schemas.microsoft.com/office/drawing/2010/main">
                 <a:effectLst>
                   <a:outerShdw dist="35921" dir="2700000" algn="ctr" rotWithShape="0">
                     <a:schemeClr val="bg2"/>
@@ -11321,7 +11321,7 @@
           <p:cNvPr id="32" name="Rectangle 4">
             <a:extLst>
               <a:ext uri="{FF2B5EF4-FFF2-40B4-BE49-F238E27FC236}">
-                <a16:creationId xmlns:a16="http://schemas.microsoft.com/office/drawing/2014/main" xmlns="" id="{27DA066C-B7EB-4B91-95AA-24FA988AC17E}"/>
+                <a16:creationId xmlns="" xmlns:a16="http://schemas.microsoft.com/office/drawing/2014/main" id="{27DA066C-B7EB-4B91-95AA-24FA988AC17E}"/>
               </a:ext>
             </a:extLst>
           </p:cNvPr>
@@ -11352,7 +11352,7 @@
           <a:effectLst/>
           <a:extLst>
             <a:ext uri="{AF507438-7753-43E0-B8FC-AC1667EBCBE1}">
-              <a14:hiddenEffects xmlns:a14="http://schemas.microsoft.com/office/drawing/2010/main" xmlns="">
+              <a14:hiddenEffects xmlns="" xmlns:a14="http://schemas.microsoft.com/office/drawing/2010/main">
                 <a:effectLst>
                   <a:outerShdw dist="35921" dir="2700000" algn="ctr" rotWithShape="0">
                     <a:schemeClr val="bg2"/>
@@ -11440,7 +11440,7 @@
           <p:cNvPr id="33" name="AutoShape 5">
             <a:extLst>
               <a:ext uri="{FF2B5EF4-FFF2-40B4-BE49-F238E27FC236}">
-                <a16:creationId xmlns:a16="http://schemas.microsoft.com/office/drawing/2014/main" xmlns="" id="{3EEB36A1-466E-449C-9494-84D554FF808B}"/>
+                <a16:creationId xmlns="" xmlns:a16="http://schemas.microsoft.com/office/drawing/2014/main" id="{3EEB36A1-466E-449C-9494-84D554FF808B}"/>
               </a:ext>
             </a:extLst>
           </p:cNvPr>
@@ -11473,12 +11473,12 @@
           <a:effectLst/>
           <a:extLst>
             <a:ext uri="{909E8E84-426E-40DD-AFC4-6F175D3DCCD1}">
-              <a14:hiddenFill xmlns:a14="http://schemas.microsoft.com/office/drawing/2010/main" xmlns="">
+              <a14:hiddenFill xmlns="" xmlns:a14="http://schemas.microsoft.com/office/drawing/2010/main">
                 <a:noFill/>
               </a14:hiddenFill>
             </a:ext>
             <a:ext uri="{AF507438-7753-43E0-B8FC-AC1667EBCBE1}">
-              <a14:hiddenEffects xmlns:a14="http://schemas.microsoft.com/office/drawing/2010/main" xmlns="">
+              <a14:hiddenEffects xmlns="" xmlns:a14="http://schemas.microsoft.com/office/drawing/2010/main">
                 <a:effectLst>
                   <a:outerShdw dist="35921" dir="2700000" algn="ctr" rotWithShape="0">
                     <a:schemeClr val="bg2"/>
@@ -11494,7 +11494,7 @@
           <p:cNvPr id="34" name="Text Box 6">
             <a:extLst>
               <a:ext uri="{FF2B5EF4-FFF2-40B4-BE49-F238E27FC236}">
-                <a16:creationId xmlns:a16="http://schemas.microsoft.com/office/drawing/2014/main" xmlns="" id="{226CFFC3-882D-4EDB-9827-F47460BF79A4}"/>
+                <a16:creationId xmlns="" xmlns:a16="http://schemas.microsoft.com/office/drawing/2014/main" id="{226CFFC3-882D-4EDB-9827-F47460BF79A4}"/>
               </a:ext>
             </a:extLst>
           </p:cNvPr>
@@ -11518,14 +11518,14 @@
           <a:effectLst/>
           <a:extLst>
             <a:ext uri="{909E8E84-426E-40DD-AFC4-6F175D3DCCD1}">
-              <a14:hiddenFill xmlns:a14="http://schemas.microsoft.com/office/drawing/2010/main" xmlns="">
+              <a14:hiddenFill xmlns="" xmlns:a14="http://schemas.microsoft.com/office/drawing/2010/main">
                 <a:solidFill>
                   <a:schemeClr val="accent1"/>
                 </a:solidFill>
               </a14:hiddenFill>
             </a:ext>
             <a:ext uri="{91240B29-F687-4F45-9708-019B960494DF}">
-              <a14:hiddenLine xmlns:a14="http://schemas.microsoft.com/office/drawing/2010/main" xmlns="" w="9525">
+              <a14:hiddenLine xmlns="" xmlns:a14="http://schemas.microsoft.com/office/drawing/2010/main" w="9525">
                 <a:solidFill>
                   <a:schemeClr val="tx1"/>
                 </a:solidFill>
@@ -11535,7 +11535,7 @@
               </a14:hiddenLine>
             </a:ext>
             <a:ext uri="{AF507438-7753-43E0-B8FC-AC1667EBCBE1}">
-              <a14:hiddenEffects xmlns:a14="http://schemas.microsoft.com/office/drawing/2010/main" xmlns="">
+              <a14:hiddenEffects xmlns="" xmlns:a14="http://schemas.microsoft.com/office/drawing/2010/main">
                 <a:effectLst>
                   <a:outerShdw dist="35921" dir="2700000" algn="ctr" rotWithShape="0">
                     <a:schemeClr val="bg2"/>
@@ -11595,7 +11595,7 @@
           <p:cNvPr id="35" name="Rectangle 7">
             <a:extLst>
               <a:ext uri="{FF2B5EF4-FFF2-40B4-BE49-F238E27FC236}">
-                <a16:creationId xmlns:a16="http://schemas.microsoft.com/office/drawing/2014/main" xmlns="" id="{0D364301-758B-476B-A92E-9740DF7CF9AA}"/>
+                <a16:creationId xmlns="" xmlns:a16="http://schemas.microsoft.com/office/drawing/2014/main" id="{0D364301-758B-476B-A92E-9740DF7CF9AA}"/>
               </a:ext>
             </a:extLst>
           </p:cNvPr>
@@ -11626,7 +11626,7 @@
           <a:effectLst/>
           <a:extLst>
             <a:ext uri="{AF507438-7753-43E0-B8FC-AC1667EBCBE1}">
-              <a14:hiddenEffects xmlns:a14="http://schemas.microsoft.com/office/drawing/2010/main" xmlns="">
+              <a14:hiddenEffects xmlns="" xmlns:a14="http://schemas.microsoft.com/office/drawing/2010/main">
                 <a:effectLst>
                   <a:outerShdw dist="35921" dir="2700000" algn="ctr" rotWithShape="0">
                     <a:schemeClr val="bg2"/>
@@ -11714,7 +11714,7 @@
           <p:cNvPr id="36" name="AutoShape 8">
             <a:extLst>
               <a:ext uri="{FF2B5EF4-FFF2-40B4-BE49-F238E27FC236}">
-                <a16:creationId xmlns:a16="http://schemas.microsoft.com/office/drawing/2014/main" xmlns="" id="{50D0A2E9-30F4-403E-BC06-B6F0EB5C2303}"/>
+                <a16:creationId xmlns="" xmlns:a16="http://schemas.microsoft.com/office/drawing/2014/main" id="{50D0A2E9-30F4-403E-BC06-B6F0EB5C2303}"/>
               </a:ext>
             </a:extLst>
           </p:cNvPr>
@@ -11745,12 +11745,12 @@
           <a:effectLst/>
           <a:extLst>
             <a:ext uri="{909E8E84-426E-40DD-AFC4-6F175D3DCCD1}">
-              <a14:hiddenFill xmlns:a14="http://schemas.microsoft.com/office/drawing/2010/main" xmlns="">
+              <a14:hiddenFill xmlns="" xmlns:a14="http://schemas.microsoft.com/office/drawing/2010/main">
                 <a:noFill/>
               </a14:hiddenFill>
             </a:ext>
             <a:ext uri="{AF507438-7753-43E0-B8FC-AC1667EBCBE1}">
-              <a14:hiddenEffects xmlns:a14="http://schemas.microsoft.com/office/drawing/2010/main" xmlns="">
+              <a14:hiddenEffects xmlns="" xmlns:a14="http://schemas.microsoft.com/office/drawing/2010/main">
                 <a:effectLst>
                   <a:outerShdw dist="35921" dir="2700000" algn="ctr" rotWithShape="0">
                     <a:schemeClr val="bg2"/>
@@ -11766,7 +11766,7 @@
           <p:cNvPr id="37" name="Text Box 9">
             <a:extLst>
               <a:ext uri="{FF2B5EF4-FFF2-40B4-BE49-F238E27FC236}">
-                <a16:creationId xmlns:a16="http://schemas.microsoft.com/office/drawing/2014/main" xmlns="" id="{885BC18D-5AF8-434E-B474-18773064D146}"/>
+                <a16:creationId xmlns="" xmlns:a16="http://schemas.microsoft.com/office/drawing/2014/main" id="{885BC18D-5AF8-434E-B474-18773064D146}"/>
               </a:ext>
             </a:extLst>
           </p:cNvPr>
@@ -11790,14 +11790,14 @@
           <a:effectLst/>
           <a:extLst>
             <a:ext uri="{909E8E84-426E-40DD-AFC4-6F175D3DCCD1}">
-              <a14:hiddenFill xmlns:a14="http://schemas.microsoft.com/office/drawing/2010/main" xmlns="">
+              <a14:hiddenFill xmlns="" xmlns:a14="http://schemas.microsoft.com/office/drawing/2010/main">
                 <a:solidFill>
                   <a:schemeClr val="accent1"/>
                 </a:solidFill>
               </a14:hiddenFill>
             </a:ext>
             <a:ext uri="{91240B29-F687-4F45-9708-019B960494DF}">
-              <a14:hiddenLine xmlns:a14="http://schemas.microsoft.com/office/drawing/2010/main" xmlns="" w="9525">
+              <a14:hiddenLine xmlns="" xmlns:a14="http://schemas.microsoft.com/office/drawing/2010/main" w="9525">
                 <a:solidFill>
                   <a:schemeClr val="tx1"/>
                 </a:solidFill>
@@ -11807,7 +11807,7 @@
               </a14:hiddenLine>
             </a:ext>
             <a:ext uri="{AF507438-7753-43E0-B8FC-AC1667EBCBE1}">
-              <a14:hiddenEffects xmlns:a14="http://schemas.microsoft.com/office/drawing/2010/main" xmlns="">
+              <a14:hiddenEffects xmlns="" xmlns:a14="http://schemas.microsoft.com/office/drawing/2010/main">
                 <a:effectLst>
                   <a:outerShdw dist="35921" dir="2700000" algn="ctr" rotWithShape="0">
                     <a:schemeClr val="bg2"/>
@@ -11848,7 +11848,7 @@
           <p:cNvPr id="38" name="AutoShape 10">
             <a:extLst>
               <a:ext uri="{FF2B5EF4-FFF2-40B4-BE49-F238E27FC236}">
-                <a16:creationId xmlns:a16="http://schemas.microsoft.com/office/drawing/2014/main" xmlns="" id="{75304F9F-DCC4-4493-B06F-DB9C70A6F0C8}"/>
+                <a16:creationId xmlns="" xmlns:a16="http://schemas.microsoft.com/office/drawing/2014/main" id="{75304F9F-DCC4-4493-B06F-DB9C70A6F0C8}"/>
               </a:ext>
             </a:extLst>
           </p:cNvPr>
@@ -11879,12 +11879,12 @@
           <a:effectLst/>
           <a:extLst>
             <a:ext uri="{909E8E84-426E-40DD-AFC4-6F175D3DCCD1}">
-              <a14:hiddenFill xmlns:a14="http://schemas.microsoft.com/office/drawing/2010/main" xmlns="">
+              <a14:hiddenFill xmlns="" xmlns:a14="http://schemas.microsoft.com/office/drawing/2010/main">
                 <a:noFill/>
               </a14:hiddenFill>
             </a:ext>
             <a:ext uri="{AF507438-7753-43E0-B8FC-AC1667EBCBE1}">
-              <a14:hiddenEffects xmlns:a14="http://schemas.microsoft.com/office/drawing/2010/main" xmlns="">
+              <a14:hiddenEffects xmlns="" xmlns:a14="http://schemas.microsoft.com/office/drawing/2010/main">
                 <a:effectLst>
                   <a:outerShdw dist="35921" dir="2700000" algn="ctr" rotWithShape="0">
                     <a:schemeClr val="bg2"/>
@@ -11900,7 +11900,7 @@
           <p:cNvPr id="39" name="Text Box 11">
             <a:extLst>
               <a:ext uri="{FF2B5EF4-FFF2-40B4-BE49-F238E27FC236}">
-                <a16:creationId xmlns:a16="http://schemas.microsoft.com/office/drawing/2014/main" xmlns="" id="{69528E30-A624-48C4-AC85-82958791E57D}"/>
+                <a16:creationId xmlns="" xmlns:a16="http://schemas.microsoft.com/office/drawing/2014/main" id="{69528E30-A624-48C4-AC85-82958791E57D}"/>
               </a:ext>
             </a:extLst>
           </p:cNvPr>
@@ -11924,14 +11924,14 @@
           <a:effectLst/>
           <a:extLst>
             <a:ext uri="{909E8E84-426E-40DD-AFC4-6F175D3DCCD1}">
-              <a14:hiddenFill xmlns:a14="http://schemas.microsoft.com/office/drawing/2010/main" xmlns="">
+              <a14:hiddenFill xmlns="" xmlns:a14="http://schemas.microsoft.com/office/drawing/2010/main">
                 <a:solidFill>
                   <a:schemeClr val="accent1"/>
                 </a:solidFill>
               </a14:hiddenFill>
             </a:ext>
             <a:ext uri="{91240B29-F687-4F45-9708-019B960494DF}">
-              <a14:hiddenLine xmlns:a14="http://schemas.microsoft.com/office/drawing/2010/main" xmlns="" w="9525">
+              <a14:hiddenLine xmlns="" xmlns:a14="http://schemas.microsoft.com/office/drawing/2010/main" w="9525">
                 <a:solidFill>
                   <a:schemeClr val="tx1"/>
                 </a:solidFill>
@@ -11941,7 +11941,7 @@
               </a14:hiddenLine>
             </a:ext>
             <a:ext uri="{AF507438-7753-43E0-B8FC-AC1667EBCBE1}">
-              <a14:hiddenEffects xmlns:a14="http://schemas.microsoft.com/office/drawing/2010/main" xmlns="">
+              <a14:hiddenEffects xmlns="" xmlns:a14="http://schemas.microsoft.com/office/drawing/2010/main">
                 <a:effectLst>
                   <a:outerShdw dist="35921" dir="2700000" algn="ctr" rotWithShape="0">
                     <a:schemeClr val="bg2"/>
@@ -12001,7 +12001,7 @@
           <p:cNvPr id="40" name="Line 12">
             <a:extLst>
               <a:ext uri="{FF2B5EF4-FFF2-40B4-BE49-F238E27FC236}">
-                <a16:creationId xmlns:a16="http://schemas.microsoft.com/office/drawing/2014/main" xmlns="" id="{5938D5C1-80EE-41C5-BFC5-0EBA06594687}"/>
+                <a16:creationId xmlns="" xmlns:a16="http://schemas.microsoft.com/office/drawing/2014/main" id="{5938D5C1-80EE-41C5-BFC5-0EBA06594687}"/>
               </a:ext>
             </a:extLst>
           </p:cNvPr>
@@ -12030,12 +12030,12 @@
           <a:effectLst/>
           <a:extLst>
             <a:ext uri="{909E8E84-426E-40DD-AFC4-6F175D3DCCD1}">
-              <a14:hiddenFill xmlns:a14="http://schemas.microsoft.com/office/drawing/2010/main" xmlns="">
+              <a14:hiddenFill xmlns="" xmlns:a14="http://schemas.microsoft.com/office/drawing/2010/main">
                 <a:noFill/>
               </a14:hiddenFill>
             </a:ext>
             <a:ext uri="{AF507438-7753-43E0-B8FC-AC1667EBCBE1}">
-              <a14:hiddenEffects xmlns:a14="http://schemas.microsoft.com/office/drawing/2010/main" xmlns="">
+              <a14:hiddenEffects xmlns="" xmlns:a14="http://schemas.microsoft.com/office/drawing/2010/main">
                 <a:effectLst>
                   <a:outerShdw dist="35921" dir="2700000" algn="ctr" rotWithShape="0">
                     <a:schemeClr val="bg2"/>
@@ -12086,7 +12086,7 @@
           <p:cNvPr id="41" name="Text Box 13">
             <a:extLst>
               <a:ext uri="{FF2B5EF4-FFF2-40B4-BE49-F238E27FC236}">
-                <a16:creationId xmlns:a16="http://schemas.microsoft.com/office/drawing/2014/main" xmlns="" id="{1B41F4AB-4BFD-4382-8BB4-2CA0C02205D7}"/>
+                <a16:creationId xmlns="" xmlns:a16="http://schemas.microsoft.com/office/drawing/2014/main" id="{1B41F4AB-4BFD-4382-8BB4-2CA0C02205D7}"/>
               </a:ext>
             </a:extLst>
           </p:cNvPr>
@@ -12110,14 +12110,14 @@
           <a:effectLst/>
           <a:extLst>
             <a:ext uri="{909E8E84-426E-40DD-AFC4-6F175D3DCCD1}">
-              <a14:hiddenFill xmlns:a14="http://schemas.microsoft.com/office/drawing/2010/main" xmlns="">
+              <a14:hiddenFill xmlns="" xmlns:a14="http://schemas.microsoft.com/office/drawing/2010/main">
                 <a:solidFill>
                   <a:schemeClr val="accent1"/>
                 </a:solidFill>
               </a14:hiddenFill>
             </a:ext>
             <a:ext uri="{91240B29-F687-4F45-9708-019B960494DF}">
-              <a14:hiddenLine xmlns:a14="http://schemas.microsoft.com/office/drawing/2010/main" xmlns="" w="9525">
+              <a14:hiddenLine xmlns="" xmlns:a14="http://schemas.microsoft.com/office/drawing/2010/main" w="9525">
                 <a:solidFill>
                   <a:schemeClr val="tx1"/>
                 </a:solidFill>
@@ -12127,7 +12127,7 @@
               </a14:hiddenLine>
             </a:ext>
             <a:ext uri="{AF507438-7753-43E0-B8FC-AC1667EBCBE1}">
-              <a14:hiddenEffects xmlns:a14="http://schemas.microsoft.com/office/drawing/2010/main" xmlns="">
+              <a14:hiddenEffects xmlns="" xmlns:a14="http://schemas.microsoft.com/office/drawing/2010/main">
                 <a:effectLst>
                   <a:outerShdw dist="35921" dir="2700000" algn="ctr" rotWithShape="0">
                     <a:schemeClr val="bg2"/>
@@ -12185,7 +12185,7 @@
     </p:spTree>
     <p:extLst>
       <p:ext uri="{BB962C8B-B14F-4D97-AF65-F5344CB8AC3E}">
-        <p14:creationId xmlns:p14="http://schemas.microsoft.com/office/powerpoint/2010/main" xmlns="" val="1301066718"/>
+        <p14:creationId xmlns="" xmlns:p14="http://schemas.microsoft.com/office/powerpoint/2010/main" val="1301066718"/>
       </p:ext>
     </p:extLst>
   </p:cSld>
@@ -12296,7 +12296,7 @@
           <p:cNvPr id="4" name="Content Placeholder 3">
             <a:extLst>
               <a:ext uri="{FF2B5EF4-FFF2-40B4-BE49-F238E27FC236}">
-                <a16:creationId xmlns:a16="http://schemas.microsoft.com/office/drawing/2014/main" xmlns="" id="{6D58AF24-6D41-4D72-AA4C-29F6B807A3E2}"/>
+                <a16:creationId xmlns="" xmlns:a16="http://schemas.microsoft.com/office/drawing/2014/main" id="{6D58AF24-6D41-4D72-AA4C-29F6B807A3E2}"/>
               </a:ext>
             </a:extLst>
           </p:cNvPr>
@@ -12741,7 +12741,7 @@
           <p:cNvPr id="7" name="Picture 4">
             <a:extLst>
               <a:ext uri="{FF2B5EF4-FFF2-40B4-BE49-F238E27FC236}">
-                <a16:creationId xmlns:a16="http://schemas.microsoft.com/office/drawing/2014/main" xmlns="" id="{4839421C-1BB2-442C-BC86-4FF4CB9D78AE}"/>
+                <a16:creationId xmlns="" xmlns:a16="http://schemas.microsoft.com/office/drawing/2014/main" id="{4839421C-1BB2-442C-BC86-4FF4CB9D78AE}"/>
               </a:ext>
             </a:extLst>
           </p:cNvPr>
@@ -12754,7 +12754,7 @@
           <a:blip r:embed="rId2">
             <a:extLst>
               <a:ext uri="{28A0092B-C50C-407E-A947-70E740481C1C}">
-                <a14:useLocalDpi xmlns:a14="http://schemas.microsoft.com/office/drawing/2010/main" xmlns="" val="0"/>
+                <a14:useLocalDpi xmlns="" xmlns:a14="http://schemas.microsoft.com/office/drawing/2010/main" val="0"/>
               </a:ext>
             </a:extLst>
           </a:blip>
@@ -12778,14 +12778,14 @@
           <a:effectLst/>
           <a:extLst>
             <a:ext uri="{909E8E84-426E-40DD-AFC4-6F175D3DCCD1}">
-              <a14:hiddenFill xmlns:a14="http://schemas.microsoft.com/office/drawing/2010/main" xmlns="">
+              <a14:hiddenFill xmlns="" xmlns:a14="http://schemas.microsoft.com/office/drawing/2010/main">
                 <a:solidFill>
                   <a:schemeClr val="accent1"/>
                 </a:solidFill>
               </a14:hiddenFill>
             </a:ext>
             <a:ext uri="{91240B29-F687-4F45-9708-019B960494DF}">
-              <a14:hiddenLine xmlns:a14="http://schemas.microsoft.com/office/drawing/2010/main" xmlns="" w="9525">
+              <a14:hiddenLine xmlns="" xmlns:a14="http://schemas.microsoft.com/office/drawing/2010/main" w="9525">
                 <a:solidFill>
                   <a:schemeClr val="tx1"/>
                 </a:solidFill>
@@ -12795,7 +12795,7 @@
               </a14:hiddenLine>
             </a:ext>
             <a:ext uri="{AF507438-7753-43E0-B8FC-AC1667EBCBE1}">
-              <a14:hiddenEffects xmlns:a14="http://schemas.microsoft.com/office/drawing/2010/main" xmlns="">
+              <a14:hiddenEffects xmlns="" xmlns:a14="http://schemas.microsoft.com/office/drawing/2010/main">
                 <a:effectLst>
                   <a:outerShdw dist="35921" dir="2700000" algn="ctr" rotWithShape="0">
                     <a:schemeClr val="bg2"/>
@@ -12809,7 +12809,7 @@
     </p:spTree>
     <p:extLst>
       <p:ext uri="{BB962C8B-B14F-4D97-AF65-F5344CB8AC3E}">
-        <p14:creationId xmlns:p14="http://schemas.microsoft.com/office/powerpoint/2010/main" xmlns="" val="1786216362"/>
+        <p14:creationId xmlns="" xmlns:p14="http://schemas.microsoft.com/office/powerpoint/2010/main" val="1786216362"/>
       </p:ext>
     </p:extLst>
   </p:cSld>
@@ -12920,7 +12920,7 @@
           <p:cNvPr id="4" name="Content Placeholder 3">
             <a:extLst>
               <a:ext uri="{FF2B5EF4-FFF2-40B4-BE49-F238E27FC236}">
-                <a16:creationId xmlns:a16="http://schemas.microsoft.com/office/drawing/2014/main" xmlns="" id="{6D58AF24-6D41-4D72-AA4C-29F6B807A3E2}"/>
+                <a16:creationId xmlns="" xmlns:a16="http://schemas.microsoft.com/office/drawing/2014/main" id="{6D58AF24-6D41-4D72-AA4C-29F6B807A3E2}"/>
               </a:ext>
             </a:extLst>
           </p:cNvPr>
@@ -13946,7 +13946,7 @@
     </p:spTree>
     <p:extLst>
       <p:ext uri="{BB962C8B-B14F-4D97-AF65-F5344CB8AC3E}">
-        <p14:creationId xmlns:p14="http://schemas.microsoft.com/office/powerpoint/2010/main" xmlns="" val="2048036674"/>
+        <p14:creationId xmlns="" xmlns:p14="http://schemas.microsoft.com/office/powerpoint/2010/main" val="2048036674"/>
       </p:ext>
     </p:extLst>
   </p:cSld>
@@ -14057,7 +14057,7 @@
           <p:cNvPr id="4" name="Content Placeholder 3">
             <a:extLst>
               <a:ext uri="{FF2B5EF4-FFF2-40B4-BE49-F238E27FC236}">
-                <a16:creationId xmlns:a16="http://schemas.microsoft.com/office/drawing/2014/main" xmlns="" id="{6D58AF24-6D41-4D72-AA4C-29F6B807A3E2}"/>
+                <a16:creationId xmlns="" xmlns:a16="http://schemas.microsoft.com/office/drawing/2014/main" id="{6D58AF24-6D41-4D72-AA4C-29F6B807A3E2}"/>
               </a:ext>
             </a:extLst>
           </p:cNvPr>
@@ -14121,7 +14121,7 @@
           <p:cNvPr id="7" name="Picture 6">
             <a:extLst>
               <a:ext uri="{FF2B5EF4-FFF2-40B4-BE49-F238E27FC236}">
-                <a16:creationId xmlns:a16="http://schemas.microsoft.com/office/drawing/2014/main" xmlns="" id="{8A8B9ACE-7B3E-40F3-8E32-DE66B16579AE}"/>
+                <a16:creationId xmlns="" xmlns:a16="http://schemas.microsoft.com/office/drawing/2014/main" id="{8A8B9ACE-7B3E-40F3-8E32-DE66B16579AE}"/>
               </a:ext>
             </a:extLst>
           </p:cNvPr>
@@ -14134,7 +14134,7 @@
           <a:blip r:embed="rId2">
             <a:extLst>
               <a:ext uri="{28A0092B-C50C-407E-A947-70E740481C1C}">
-                <a14:useLocalDpi xmlns:a14="http://schemas.microsoft.com/office/drawing/2010/main" xmlns="" val="0"/>
+                <a14:useLocalDpi xmlns="" xmlns:a14="http://schemas.microsoft.com/office/drawing/2010/main" val="0"/>
               </a:ext>
             </a:extLst>
           </a:blip>
@@ -14158,14 +14158,14 @@
           <a:effectLst/>
           <a:extLst>
             <a:ext uri="{909E8E84-426E-40DD-AFC4-6F175D3DCCD1}">
-              <a14:hiddenFill xmlns:a14="http://schemas.microsoft.com/office/drawing/2010/main" xmlns="">
+              <a14:hiddenFill xmlns="" xmlns:a14="http://schemas.microsoft.com/office/drawing/2010/main">
                 <a:solidFill>
                   <a:schemeClr val="accent1"/>
                 </a:solidFill>
               </a14:hiddenFill>
             </a:ext>
             <a:ext uri="{91240B29-F687-4F45-9708-019B960494DF}">
-              <a14:hiddenLine xmlns:a14="http://schemas.microsoft.com/office/drawing/2010/main" xmlns="" w="9525">
+              <a14:hiddenLine xmlns="" xmlns:a14="http://schemas.microsoft.com/office/drawing/2010/main" w="9525">
                 <a:solidFill>
                   <a:schemeClr val="tx1"/>
                 </a:solidFill>
@@ -14175,7 +14175,7 @@
               </a14:hiddenLine>
             </a:ext>
             <a:ext uri="{AF507438-7753-43E0-B8FC-AC1667EBCBE1}">
-              <a14:hiddenEffects xmlns:a14="http://schemas.microsoft.com/office/drawing/2010/main" xmlns="">
+              <a14:hiddenEffects xmlns="" xmlns:a14="http://schemas.microsoft.com/office/drawing/2010/main">
                 <a:effectLst>
                   <a:outerShdw dist="35921" dir="2700000" algn="ctr" rotWithShape="0">
                     <a:schemeClr val="bg2"/>
@@ -14189,7 +14189,7 @@
     </p:spTree>
     <p:extLst>
       <p:ext uri="{BB962C8B-B14F-4D97-AF65-F5344CB8AC3E}">
-        <p14:creationId xmlns:p14="http://schemas.microsoft.com/office/powerpoint/2010/main" xmlns="" val="1921012944"/>
+        <p14:creationId xmlns="" xmlns:p14="http://schemas.microsoft.com/office/powerpoint/2010/main" val="1921012944"/>
       </p:ext>
     </p:extLst>
   </p:cSld>
@@ -14300,7 +14300,7 @@
           <p:cNvPr id="4" name="Content Placeholder 3">
             <a:extLst>
               <a:ext uri="{FF2B5EF4-FFF2-40B4-BE49-F238E27FC236}">
-                <a16:creationId xmlns:a16="http://schemas.microsoft.com/office/drawing/2014/main" xmlns="" id="{6D58AF24-6D41-4D72-AA4C-29F6B807A3E2}"/>
+                <a16:creationId xmlns="" xmlns:a16="http://schemas.microsoft.com/office/drawing/2014/main" id="{6D58AF24-6D41-4D72-AA4C-29F6B807A3E2}"/>
               </a:ext>
             </a:extLst>
           </p:cNvPr>
@@ -14482,7 +14482,7 @@
     </p:spTree>
     <p:extLst>
       <p:ext uri="{BB962C8B-B14F-4D97-AF65-F5344CB8AC3E}">
-        <p14:creationId xmlns:p14="http://schemas.microsoft.com/office/powerpoint/2010/main" xmlns="" val="1349460788"/>
+        <p14:creationId xmlns="" xmlns:p14="http://schemas.microsoft.com/office/powerpoint/2010/main" val="1349460788"/>
       </p:ext>
     </p:extLst>
   </p:cSld>
@@ -14593,7 +14593,7 @@
           <p:cNvPr id="4" name="Content Placeholder 3">
             <a:extLst>
               <a:ext uri="{FF2B5EF4-FFF2-40B4-BE49-F238E27FC236}">
-                <a16:creationId xmlns:a16="http://schemas.microsoft.com/office/drawing/2014/main" xmlns="" id="{6D58AF24-6D41-4D72-AA4C-29F6B807A3E2}"/>
+                <a16:creationId xmlns="" xmlns:a16="http://schemas.microsoft.com/office/drawing/2014/main" id="{6D58AF24-6D41-4D72-AA4C-29F6B807A3E2}"/>
               </a:ext>
             </a:extLst>
           </p:cNvPr>
@@ -15047,7 +15047,7 @@
     </p:spTree>
     <p:extLst>
       <p:ext uri="{BB962C8B-B14F-4D97-AF65-F5344CB8AC3E}">
-        <p14:creationId xmlns:p14="http://schemas.microsoft.com/office/powerpoint/2010/main" xmlns="" val="1122528649"/>
+        <p14:creationId xmlns="" xmlns:p14="http://schemas.microsoft.com/office/powerpoint/2010/main" val="1122528649"/>
       </p:ext>
     </p:extLst>
   </p:cSld>
@@ -15158,7 +15158,7 @@
           <p:cNvPr id="4" name="Content Placeholder 3">
             <a:extLst>
               <a:ext uri="{FF2B5EF4-FFF2-40B4-BE49-F238E27FC236}">
-                <a16:creationId xmlns:a16="http://schemas.microsoft.com/office/drawing/2014/main" xmlns="" id="{6D58AF24-6D41-4D72-AA4C-29F6B807A3E2}"/>
+                <a16:creationId xmlns="" xmlns:a16="http://schemas.microsoft.com/office/drawing/2014/main" id="{6D58AF24-6D41-4D72-AA4C-29F6B807A3E2}"/>
               </a:ext>
             </a:extLst>
           </p:cNvPr>
@@ -15531,7 +15531,7 @@
     </p:spTree>
     <p:extLst>
       <p:ext uri="{BB962C8B-B14F-4D97-AF65-F5344CB8AC3E}">
-        <p14:creationId xmlns:p14="http://schemas.microsoft.com/office/powerpoint/2010/main" xmlns="" val="1458400205"/>
+        <p14:creationId xmlns="" xmlns:p14="http://schemas.microsoft.com/office/powerpoint/2010/main" val="1458400205"/>
       </p:ext>
     </p:extLst>
   </p:cSld>
@@ -15642,7 +15642,7 @@
           <p:cNvPr id="4" name="Content Placeholder 3">
             <a:extLst>
               <a:ext uri="{FF2B5EF4-FFF2-40B4-BE49-F238E27FC236}">
-                <a16:creationId xmlns:a16="http://schemas.microsoft.com/office/drawing/2014/main" xmlns="" id="{6D58AF24-6D41-4D72-AA4C-29F6B807A3E2}"/>
+                <a16:creationId xmlns="" xmlns:a16="http://schemas.microsoft.com/office/drawing/2014/main" id="{6D58AF24-6D41-4D72-AA4C-29F6B807A3E2}"/>
               </a:ext>
             </a:extLst>
           </p:cNvPr>
@@ -15741,7 +15741,7 @@
     </p:spTree>
     <p:extLst>
       <p:ext uri="{BB962C8B-B14F-4D97-AF65-F5344CB8AC3E}">
-        <p14:creationId xmlns:p14="http://schemas.microsoft.com/office/powerpoint/2010/main" xmlns="" val="3432372290"/>
+        <p14:creationId xmlns="" xmlns:p14="http://schemas.microsoft.com/office/powerpoint/2010/main" val="3432372290"/>
       </p:ext>
     </p:extLst>
   </p:cSld>
@@ -15852,7 +15852,7 @@
           <p:cNvPr id="4" name="Content Placeholder 3">
             <a:extLst>
               <a:ext uri="{FF2B5EF4-FFF2-40B4-BE49-F238E27FC236}">
-                <a16:creationId xmlns:a16="http://schemas.microsoft.com/office/drawing/2014/main" xmlns="" id="{6D58AF24-6D41-4D72-AA4C-29F6B807A3E2}"/>
+                <a16:creationId xmlns="" xmlns:a16="http://schemas.microsoft.com/office/drawing/2014/main" id="{6D58AF24-6D41-4D72-AA4C-29F6B807A3E2}"/>
               </a:ext>
             </a:extLst>
           </p:cNvPr>
@@ -16344,7 +16344,7 @@
     </p:spTree>
     <p:extLst>
       <p:ext uri="{BB962C8B-B14F-4D97-AF65-F5344CB8AC3E}">
-        <p14:creationId xmlns:p14="http://schemas.microsoft.com/office/powerpoint/2010/main" xmlns="" val="2046790964"/>
+        <p14:creationId xmlns="" xmlns:p14="http://schemas.microsoft.com/office/powerpoint/2010/main" val="2046790964"/>
       </p:ext>
     </p:extLst>
   </p:cSld>
@@ -16455,7 +16455,7 @@
           <p:cNvPr id="4" name="Content Placeholder 3">
             <a:extLst>
               <a:ext uri="{FF2B5EF4-FFF2-40B4-BE49-F238E27FC236}">
-                <a16:creationId xmlns:a16="http://schemas.microsoft.com/office/drawing/2014/main" xmlns="" id="{6D58AF24-6D41-4D72-AA4C-29F6B807A3E2}"/>
+                <a16:creationId xmlns="" xmlns:a16="http://schemas.microsoft.com/office/drawing/2014/main" id="{6D58AF24-6D41-4D72-AA4C-29F6B807A3E2}"/>
               </a:ext>
             </a:extLst>
           </p:cNvPr>
@@ -16525,7 +16525,7 @@
           <p:cNvPr id="7" name="Picture 5">
             <a:extLst>
               <a:ext uri="{FF2B5EF4-FFF2-40B4-BE49-F238E27FC236}">
-                <a16:creationId xmlns:a16="http://schemas.microsoft.com/office/drawing/2014/main" xmlns="" id="{EAD74F54-8E7F-4FC3-9A6F-1E21266A50C9}"/>
+                <a16:creationId xmlns="" xmlns:a16="http://schemas.microsoft.com/office/drawing/2014/main" id="{EAD74F54-8E7F-4FC3-9A6F-1E21266A50C9}"/>
               </a:ext>
             </a:extLst>
           </p:cNvPr>
@@ -16538,7 +16538,7 @@
           <a:blip r:embed="rId2">
             <a:extLst>
               <a:ext uri="{28A0092B-C50C-407E-A947-70E740481C1C}">
-                <a14:useLocalDpi xmlns:a14="http://schemas.microsoft.com/office/drawing/2010/main" xmlns="" val="0"/>
+                <a14:useLocalDpi xmlns="" xmlns:a14="http://schemas.microsoft.com/office/drawing/2010/main" val="0"/>
               </a:ext>
             </a:extLst>
           </a:blip>
@@ -16558,7 +16558,7 @@
           <a:noFill/>
           <a:extLst>
             <a:ext uri="{909E8E84-426E-40DD-AFC4-6F175D3DCCD1}">
-              <a14:hiddenFill xmlns:a14="http://schemas.microsoft.com/office/drawing/2010/main" xmlns="">
+              <a14:hiddenFill xmlns="" xmlns:a14="http://schemas.microsoft.com/office/drawing/2010/main">
                 <a:solidFill>
                   <a:srgbClr val="FFFFFF"/>
                 </a:solidFill>
@@ -16570,7 +16570,7 @@
     </p:spTree>
     <p:extLst>
       <p:ext uri="{BB962C8B-B14F-4D97-AF65-F5344CB8AC3E}">
-        <p14:creationId xmlns:p14="http://schemas.microsoft.com/office/powerpoint/2010/main" xmlns="" val="2095927546"/>
+        <p14:creationId xmlns="" xmlns:p14="http://schemas.microsoft.com/office/powerpoint/2010/main" val="2095927546"/>
       </p:ext>
     </p:extLst>
   </p:cSld>
@@ -16674,7 +16674,7 @@
           <p:cNvPr id="4" name="Content Placeholder 3">
             <a:extLst>
               <a:ext uri="{FF2B5EF4-FFF2-40B4-BE49-F238E27FC236}">
-                <a16:creationId xmlns:a16="http://schemas.microsoft.com/office/drawing/2014/main" xmlns="" id="{6D58AF24-6D41-4D72-AA4C-29F6B807A3E2}"/>
+                <a16:creationId xmlns="" xmlns:a16="http://schemas.microsoft.com/office/drawing/2014/main" id="{6D58AF24-6D41-4D72-AA4C-29F6B807A3E2}"/>
               </a:ext>
             </a:extLst>
           </p:cNvPr>
@@ -16768,7 +16768,7 @@
     </p:spTree>
     <p:extLst>
       <p:ext uri="{BB962C8B-B14F-4D97-AF65-F5344CB8AC3E}">
-        <p14:creationId xmlns:p14="http://schemas.microsoft.com/office/powerpoint/2010/main" xmlns="" val="2222666788"/>
+        <p14:creationId xmlns="" xmlns:p14="http://schemas.microsoft.com/office/powerpoint/2010/main" val="2222666788"/>
       </p:ext>
     </p:extLst>
   </p:cSld>
@@ -16872,7 +16872,7 @@
           <p:cNvPr id="4" name="Content Placeholder 3">
             <a:extLst>
               <a:ext uri="{FF2B5EF4-FFF2-40B4-BE49-F238E27FC236}">
-                <a16:creationId xmlns:a16="http://schemas.microsoft.com/office/drawing/2014/main" xmlns="" id="{6D58AF24-6D41-4D72-AA4C-29F6B807A3E2}"/>
+                <a16:creationId xmlns="" xmlns:a16="http://schemas.microsoft.com/office/drawing/2014/main" id="{6D58AF24-6D41-4D72-AA4C-29F6B807A3E2}"/>
               </a:ext>
             </a:extLst>
           </p:cNvPr>
@@ -16930,7 +16930,7 @@
           <p:cNvPr id="7" name="Picture 4">
             <a:extLst>
               <a:ext uri="{FF2B5EF4-FFF2-40B4-BE49-F238E27FC236}">
-                <a16:creationId xmlns:a16="http://schemas.microsoft.com/office/drawing/2014/main" xmlns="" id="{7DB187BD-1F79-4109-9A01-ED436A149F4D}"/>
+                <a16:creationId xmlns="" xmlns:a16="http://schemas.microsoft.com/office/drawing/2014/main" id="{7DB187BD-1F79-4109-9A01-ED436A149F4D}"/>
               </a:ext>
             </a:extLst>
           </p:cNvPr>
@@ -16943,7 +16943,7 @@
           <a:blip r:embed="rId2">
             <a:extLst>
               <a:ext uri="{28A0092B-C50C-407E-A947-70E740481C1C}">
-                <a14:useLocalDpi xmlns:a14="http://schemas.microsoft.com/office/drawing/2010/main" xmlns="" val="0"/>
+                <a14:useLocalDpi xmlns="" xmlns:a14="http://schemas.microsoft.com/office/drawing/2010/main" val="0"/>
               </a:ext>
             </a:extLst>
           </a:blip>
@@ -16967,14 +16967,14 @@
           <a:effectLst/>
           <a:extLst>
             <a:ext uri="{909E8E84-426E-40DD-AFC4-6F175D3DCCD1}">
-              <a14:hiddenFill xmlns:a14="http://schemas.microsoft.com/office/drawing/2010/main" xmlns="">
+              <a14:hiddenFill xmlns="" xmlns:a14="http://schemas.microsoft.com/office/drawing/2010/main">
                 <a:solidFill>
                   <a:schemeClr val="accent1"/>
                 </a:solidFill>
               </a14:hiddenFill>
             </a:ext>
             <a:ext uri="{91240B29-F687-4F45-9708-019B960494DF}">
-              <a14:hiddenLine xmlns:a14="http://schemas.microsoft.com/office/drawing/2010/main" xmlns="" w="9525">
+              <a14:hiddenLine xmlns="" xmlns:a14="http://schemas.microsoft.com/office/drawing/2010/main" w="9525">
                 <a:solidFill>
                   <a:schemeClr val="tx1"/>
                 </a:solidFill>
@@ -16984,7 +16984,7 @@
               </a14:hiddenLine>
             </a:ext>
             <a:ext uri="{AF507438-7753-43E0-B8FC-AC1667EBCBE1}">
-              <a14:hiddenEffects xmlns:a14="http://schemas.microsoft.com/office/drawing/2010/main" xmlns="">
+              <a14:hiddenEffects xmlns="" xmlns:a14="http://schemas.microsoft.com/office/drawing/2010/main">
                 <a:effectLst>
                   <a:outerShdw dist="35921" dir="2700000" algn="ctr" rotWithShape="0">
                     <a:schemeClr val="bg2"/>
@@ -16998,7 +16998,7 @@
     </p:spTree>
     <p:extLst>
       <p:ext uri="{BB962C8B-B14F-4D97-AF65-F5344CB8AC3E}">
-        <p14:creationId xmlns:p14="http://schemas.microsoft.com/office/powerpoint/2010/main" xmlns="" val="703454163"/>
+        <p14:creationId xmlns="" xmlns:p14="http://schemas.microsoft.com/office/powerpoint/2010/main" val="703454163"/>
       </p:ext>
     </p:extLst>
   </p:cSld>
@@ -17102,7 +17102,7 @@
           <p:cNvPr id="4" name="Content Placeholder 3">
             <a:extLst>
               <a:ext uri="{FF2B5EF4-FFF2-40B4-BE49-F238E27FC236}">
-                <a16:creationId xmlns:a16="http://schemas.microsoft.com/office/drawing/2014/main" xmlns="" id="{6D58AF24-6D41-4D72-AA4C-29F6B807A3E2}"/>
+                <a16:creationId xmlns="" xmlns:a16="http://schemas.microsoft.com/office/drawing/2014/main" id="{6D58AF24-6D41-4D72-AA4C-29F6B807A3E2}"/>
               </a:ext>
             </a:extLst>
           </p:cNvPr>
@@ -17160,7 +17160,7 @@
           <p:cNvPr id="8" name="Picture 4">
             <a:extLst>
               <a:ext uri="{FF2B5EF4-FFF2-40B4-BE49-F238E27FC236}">
-                <a16:creationId xmlns:a16="http://schemas.microsoft.com/office/drawing/2014/main" xmlns="" id="{0F2CCF71-D7F4-4A42-905E-641EB01CAC0A}"/>
+                <a16:creationId xmlns="" xmlns:a16="http://schemas.microsoft.com/office/drawing/2014/main" id="{0F2CCF71-D7F4-4A42-905E-641EB01CAC0A}"/>
               </a:ext>
             </a:extLst>
           </p:cNvPr>
@@ -17173,7 +17173,7 @@
           <a:blip r:embed="rId2">
             <a:extLst>
               <a:ext uri="{28A0092B-C50C-407E-A947-70E740481C1C}">
-                <a14:useLocalDpi xmlns:a14="http://schemas.microsoft.com/office/drawing/2010/main" xmlns="" val="0"/>
+                <a14:useLocalDpi xmlns="" xmlns:a14="http://schemas.microsoft.com/office/drawing/2010/main" val="0"/>
               </a:ext>
             </a:extLst>
           </a:blip>
@@ -17197,14 +17197,14 @@
           <a:effectLst/>
           <a:extLst>
             <a:ext uri="{909E8E84-426E-40DD-AFC4-6F175D3DCCD1}">
-              <a14:hiddenFill xmlns:a14="http://schemas.microsoft.com/office/drawing/2010/main" xmlns="">
+              <a14:hiddenFill xmlns="" xmlns:a14="http://schemas.microsoft.com/office/drawing/2010/main">
                 <a:solidFill>
                   <a:schemeClr val="accent1"/>
                 </a:solidFill>
               </a14:hiddenFill>
             </a:ext>
             <a:ext uri="{91240B29-F687-4F45-9708-019B960494DF}">
-              <a14:hiddenLine xmlns:a14="http://schemas.microsoft.com/office/drawing/2010/main" xmlns="" w="9525">
+              <a14:hiddenLine xmlns="" xmlns:a14="http://schemas.microsoft.com/office/drawing/2010/main" w="9525">
                 <a:solidFill>
                   <a:schemeClr val="tx1"/>
                 </a:solidFill>
@@ -17214,7 +17214,7 @@
               </a14:hiddenLine>
             </a:ext>
             <a:ext uri="{AF507438-7753-43E0-B8FC-AC1667EBCBE1}">
-              <a14:hiddenEffects xmlns:a14="http://schemas.microsoft.com/office/drawing/2010/main" xmlns="">
+              <a14:hiddenEffects xmlns="" xmlns:a14="http://schemas.microsoft.com/office/drawing/2010/main">
                 <a:effectLst>
                   <a:outerShdw dist="35921" dir="2700000" algn="ctr" rotWithShape="0">
                     <a:schemeClr val="bg2"/>
@@ -17228,7 +17228,7 @@
     </p:spTree>
     <p:extLst>
       <p:ext uri="{BB962C8B-B14F-4D97-AF65-F5344CB8AC3E}">
-        <p14:creationId xmlns:p14="http://schemas.microsoft.com/office/powerpoint/2010/main" xmlns="" val="2675839442"/>
+        <p14:creationId xmlns="" xmlns:p14="http://schemas.microsoft.com/office/powerpoint/2010/main" val="2675839442"/>
       </p:ext>
     </p:extLst>
   </p:cSld>
@@ -17332,7 +17332,7 @@
           <p:cNvPr id="4" name="Content Placeholder 3">
             <a:extLst>
               <a:ext uri="{FF2B5EF4-FFF2-40B4-BE49-F238E27FC236}">
-                <a16:creationId xmlns:a16="http://schemas.microsoft.com/office/drawing/2014/main" xmlns="" id="{6D58AF24-6D41-4D72-AA4C-29F6B807A3E2}"/>
+                <a16:creationId xmlns="" xmlns:a16="http://schemas.microsoft.com/office/drawing/2014/main" id="{6D58AF24-6D41-4D72-AA4C-29F6B807A3E2}"/>
               </a:ext>
             </a:extLst>
           </p:cNvPr>
@@ -17486,7 +17486,7 @@
     </p:spTree>
     <p:extLst>
       <p:ext uri="{BB962C8B-B14F-4D97-AF65-F5344CB8AC3E}">
-        <p14:creationId xmlns:p14="http://schemas.microsoft.com/office/powerpoint/2010/main" xmlns="" val="3460400972"/>
+        <p14:creationId xmlns="" xmlns:p14="http://schemas.microsoft.com/office/powerpoint/2010/main" val="3460400972"/>
       </p:ext>
     </p:extLst>
   </p:cSld>
@@ -17590,7 +17590,7 @@
           <p:cNvPr id="4" name="Content Placeholder 3">
             <a:extLst>
               <a:ext uri="{FF2B5EF4-FFF2-40B4-BE49-F238E27FC236}">
-                <a16:creationId xmlns:a16="http://schemas.microsoft.com/office/drawing/2014/main" xmlns="" id="{6D58AF24-6D41-4D72-AA4C-29F6B807A3E2}"/>
+                <a16:creationId xmlns="" xmlns:a16="http://schemas.microsoft.com/office/drawing/2014/main" id="{6D58AF24-6D41-4D72-AA4C-29F6B807A3E2}"/>
               </a:ext>
             </a:extLst>
           </p:cNvPr>
@@ -17773,7 +17773,7 @@
     </p:spTree>
     <p:extLst>
       <p:ext uri="{BB962C8B-B14F-4D97-AF65-F5344CB8AC3E}">
-        <p14:creationId xmlns:p14="http://schemas.microsoft.com/office/powerpoint/2010/main" xmlns="" val="1636850534"/>
+        <p14:creationId xmlns="" xmlns:p14="http://schemas.microsoft.com/office/powerpoint/2010/main" val="1636850534"/>
       </p:ext>
     </p:extLst>
   </p:cSld>
@@ -17877,7 +17877,7 @@
           <p:cNvPr id="4" name="Content Placeholder 3">
             <a:extLst>
               <a:ext uri="{FF2B5EF4-FFF2-40B4-BE49-F238E27FC236}">
-                <a16:creationId xmlns:a16="http://schemas.microsoft.com/office/drawing/2014/main" xmlns="" id="{6D58AF24-6D41-4D72-AA4C-29F6B807A3E2}"/>
+                <a16:creationId xmlns="" xmlns:a16="http://schemas.microsoft.com/office/drawing/2014/main" id="{6D58AF24-6D41-4D72-AA4C-29F6B807A3E2}"/>
               </a:ext>
             </a:extLst>
           </p:cNvPr>
@@ -18011,7 +18011,7 @@
     </p:spTree>
     <p:extLst>
       <p:ext uri="{BB962C8B-B14F-4D97-AF65-F5344CB8AC3E}">
-        <p14:creationId xmlns:p14="http://schemas.microsoft.com/office/powerpoint/2010/main" xmlns="" val="216759728"/>
+        <p14:creationId xmlns="" xmlns:p14="http://schemas.microsoft.com/office/powerpoint/2010/main" val="216759728"/>
       </p:ext>
     </p:extLst>
   </p:cSld>
@@ -18115,7 +18115,7 @@
           <p:cNvPr id="4" name="Content Placeholder 3">
             <a:extLst>
               <a:ext uri="{FF2B5EF4-FFF2-40B4-BE49-F238E27FC236}">
-                <a16:creationId xmlns:a16="http://schemas.microsoft.com/office/drawing/2014/main" xmlns="" id="{6D58AF24-6D41-4D72-AA4C-29F6B807A3E2}"/>
+                <a16:creationId xmlns="" xmlns:a16="http://schemas.microsoft.com/office/drawing/2014/main" id="{6D58AF24-6D41-4D72-AA4C-29F6B807A3E2}"/>
               </a:ext>
             </a:extLst>
           </p:cNvPr>
@@ -18276,7 +18276,7 @@
     </p:spTree>
     <p:extLst>
       <p:ext uri="{BB962C8B-B14F-4D97-AF65-F5344CB8AC3E}">
-        <p14:creationId xmlns:p14="http://schemas.microsoft.com/office/powerpoint/2010/main" xmlns="" val="3902215602"/>
+        <p14:creationId xmlns="" xmlns:p14="http://schemas.microsoft.com/office/powerpoint/2010/main" val="3902215602"/>
       </p:ext>
     </p:extLst>
   </p:cSld>
@@ -18575,7 +18575,7 @@
   <a:extraClrSchemeLst/>
   <a:extLst>
     <a:ext uri="{05A4C25C-085E-4340-85A3-A5531E510DB2}">
-      <thm15:themeFamily xmlns:thm15="http://schemas.microsoft.com/office/thememl/2012/main" xmlns="" name="eye_tracker_presentation" id="{00ED1D97-A04B-46A0-BB71-88655A6B057F}" vid="{F36189FA-3966-4852-951E-5734674D1C7B}"/>
+      <thm15:themeFamily xmlns="" xmlns:thm15="http://schemas.microsoft.com/office/thememl/2012/main" name="eye_tracker_presentation" id="{00ED1D97-A04B-46A0-BB71-88655A6B057F}" vid="{F36189FA-3966-4852-951E-5734674D1C7B}"/>
     </a:ext>
   </a:extLst>
 </a:theme>
@@ -18870,7 +18870,7 @@
   <a:extraClrSchemeLst/>
   <a:extLst>
     <a:ext uri="{05A4C25C-085E-4340-85A3-A5531E510DB2}">
-      <thm15:themeFamily xmlns:thm15="http://schemas.microsoft.com/office/thememl/2012/main" xmlns="" name="Office Theme" id="{62F939B6-93AF-4DB8-9C6B-D6C7DFDC589F}" vid="{4A3C46E8-61CC-4603-A589-7422A47A8E4A}"/>
+      <thm15:themeFamily xmlns="" xmlns:thm15="http://schemas.microsoft.com/office/thememl/2012/main" name="Office Theme" id="{62F939B6-93AF-4DB8-9C6B-D6C7DFDC589F}" vid="{4A3C46E8-61CC-4603-A589-7422A47A8E4A}"/>
     </a:ext>
   </a:extLst>
 </a:theme>
